--- a/cat qubit/Group Meeting/Report_Cat qubit.pptx
+++ b/cat qubit/Group Meeting/Report_Cat qubit.pptx
@@ -5,10 +5,10 @@
     <p:sldMasterId id="2147483648" r:id="rId1"/>
   </p:sldMasterIdLst>
   <p:notesMasterIdLst>
-    <p:notesMasterId r:id="rId10"/>
+    <p:notesMasterId r:id="rId14"/>
   </p:notesMasterIdLst>
   <p:handoutMasterIdLst>
-    <p:handoutMasterId r:id="rId11"/>
+    <p:handoutMasterId r:id="rId15"/>
   </p:handoutMasterIdLst>
   <p:sldIdLst>
     <p:sldId id="258" r:id="rId3"/>
@@ -17,7 +17,11 @@
     <p:sldId id="371" r:id="rId6"/>
     <p:sldId id="382" r:id="rId7"/>
     <p:sldId id="383" r:id="rId8"/>
-    <p:sldId id="307" r:id="rId9"/>
+    <p:sldId id="385" r:id="rId9"/>
+    <p:sldId id="386" r:id="rId10"/>
+    <p:sldId id="387" r:id="rId11"/>
+    <p:sldId id="388" r:id="rId12"/>
+    <p:sldId id="307" r:id="rId13"/>
   </p:sldIdLst>
   <p:sldSz cx="9144000" cy="6858000" type="screen4x3"/>
   <p:notesSz cx="9942195" cy="6760845"/>
@@ -1367,6 +1371,692 @@
 </p:sld>
 </file>
 
+<file path=ppt/slides/slide10.xml><?xml version="1.0" encoding="utf-8"?>
+<p:sld xmlns:a="http://schemas.openxmlformats.org/drawingml/2006/main" xmlns:r="http://schemas.openxmlformats.org/officeDocument/2006/relationships" xmlns:p="http://schemas.openxmlformats.org/presentationml/2006/main">
+  <p:cSld>
+    <p:spTree>
+      <p:nvGrpSpPr>
+        <p:cNvPr id="1" name=""/>
+        <p:cNvGrpSpPr/>
+        <p:nvPr/>
+      </p:nvGrpSpPr>
+      <p:grpSpPr>
+        <a:xfrm>
+          <a:off x="0" y="0"/>
+          <a:ext cx="0" cy="0"/>
+          <a:chOff x="0" y="0"/>
+          <a:chExt cx="0" cy="0"/>
+        </a:xfrm>
+      </p:grpSpPr>
+      <p:sp>
+        <p:nvSpPr>
+          <p:cNvPr id="5" name="标题 1"/>
+          <p:cNvSpPr txBox="1"/>
+          <p:nvPr/>
+        </p:nvSpPr>
+        <p:spPr>
+          <a:xfrm>
+            <a:off x="1858577" y="197440"/>
+            <a:ext cx="5426846" cy="493394"/>
+          </a:xfrm>
+          <a:prstGeom prst="rect">
+            <a:avLst/>
+          </a:prstGeom>
+          <a:gradFill>
+            <a:gsLst>
+              <a:gs pos="19000">
+                <a:srgbClr val="FE4444"/>
+              </a:gs>
+              <a:gs pos="57000">
+                <a:srgbClr val="832B2B"/>
+              </a:gs>
+            </a:gsLst>
+            <a:lin ang="5400000" scaled="0"/>
+          </a:gradFill>
+        </p:spPr>
+        <p:txBody>
+          <a:bodyPr anchor="ctr" anchorCtr="0"/>
+          <a:lstStyle>
+            <a:lvl1pPr algn="l" defTabSz="914400" rtl="0" eaLnBrk="1" latinLnBrk="0" hangingPunct="1">
+              <a:lnSpc>
+                <a:spcPct val="90000"/>
+              </a:lnSpc>
+              <a:spcBef>
+                <a:spcPct val="0"/>
+              </a:spcBef>
+              <a:buNone/>
+              <a:defRPr sz="4400" kern="1200">
+                <a:solidFill>
+                  <a:schemeClr val="tx1"/>
+                </a:solidFill>
+                <a:latin typeface="+mj-lt"/>
+                <a:ea typeface="+mj-ea"/>
+                <a:cs typeface="+mj-cs"/>
+              </a:defRPr>
+            </a:lvl1pPr>
+          </a:lstStyle>
+          <a:p>
+            <a:pPr marL="0" marR="0" lvl="0" indent="0" algn="ctr" defTabSz="914400" rtl="0" eaLnBrk="1" fontAlgn="auto" latinLnBrk="0" hangingPunct="1">
+              <a:lnSpc>
+                <a:spcPct val="100000"/>
+              </a:lnSpc>
+              <a:spcBef>
+                <a:spcPts val="0"/>
+              </a:spcBef>
+              <a:spcAft>
+                <a:spcPts val="0"/>
+              </a:spcAft>
+              <a:buClrTx/>
+              <a:buSzTx/>
+              <a:buFontTx/>
+              <a:buNone/>
+              <a:defRPr/>
+            </a:pPr>
+            <a:r>
+              <a:rPr kumimoji="0" lang="en-US" altLang="zh-CN" sz="2800" b="0" i="0" u="none" strike="noStrike" kern="1200" cap="none" spc="0" normalizeH="0" baseline="0" noProof="0" dirty="0">
+                <a:ln>
+                  <a:noFill/>
+                </a:ln>
+                <a:solidFill>
+                  <a:prstClr val="white"/>
+                </a:solidFill>
+                <a:effectLst/>
+                <a:uLnTx/>
+                <a:uFillTx/>
+                <a:latin typeface="微软雅黑" panose="020B0503020204020204" charset="-122"/>
+                <a:ea typeface="微软雅黑" panose="020B0503020204020204" charset="-122"/>
+                <a:cs typeface="+mj-cs"/>
+              </a:rPr>
+              <a:t>Bias-noise</a:t>
+            </a:r>
+            <a:endParaRPr kumimoji="0" lang="en-US" altLang="zh-CN" sz="2800" b="0" i="0" u="none" strike="noStrike" kern="1200" cap="none" spc="0" normalizeH="0" baseline="0" noProof="0" dirty="0">
+              <a:ln>
+                <a:noFill/>
+              </a:ln>
+              <a:solidFill>
+                <a:prstClr val="white"/>
+              </a:solidFill>
+              <a:effectLst/>
+              <a:uLnTx/>
+              <a:uFillTx/>
+              <a:latin typeface="微软雅黑" panose="020B0503020204020204" charset="-122"/>
+              <a:ea typeface="微软雅黑" panose="020B0503020204020204" charset="-122"/>
+              <a:cs typeface="+mj-cs"/>
+            </a:endParaRPr>
+          </a:p>
+        </p:txBody>
+      </p:sp>
+      <p:cxnSp>
+        <p:nvCxnSpPr>
+          <p:cNvPr id="6" name="直接连接符 5"/>
+          <p:cNvCxnSpPr>
+            <a:endCxn id="5" idx="1"/>
+          </p:cNvCxnSpPr>
+          <p:nvPr/>
+        </p:nvCxnSpPr>
+        <p:spPr>
+          <a:xfrm>
+            <a:off x="0" y="444137"/>
+            <a:ext cx="1858577" cy="0"/>
+          </a:xfrm>
+          <a:prstGeom prst="line">
+            <a:avLst/>
+          </a:prstGeom>
+          <a:ln w="25400">
+            <a:solidFill>
+              <a:srgbClr val="C00000"/>
+            </a:solidFill>
+          </a:ln>
+        </p:spPr>
+        <p:style>
+          <a:lnRef idx="1">
+            <a:schemeClr val="accent1"/>
+          </a:lnRef>
+          <a:fillRef idx="0">
+            <a:schemeClr val="accent1"/>
+          </a:fillRef>
+          <a:effectRef idx="0">
+            <a:schemeClr val="accent1"/>
+          </a:effectRef>
+          <a:fontRef idx="minor">
+            <a:schemeClr val="tx1"/>
+          </a:fontRef>
+        </p:style>
+      </p:cxnSp>
+      <p:cxnSp>
+        <p:nvCxnSpPr>
+          <p:cNvPr id="7" name="直接连接符 6"/>
+          <p:cNvCxnSpPr>
+            <a:stCxn id="5" idx="3"/>
+          </p:cNvCxnSpPr>
+          <p:nvPr/>
+        </p:nvCxnSpPr>
+        <p:spPr>
+          <a:xfrm>
+            <a:off x="7285423" y="444137"/>
+            <a:ext cx="1858577" cy="1"/>
+          </a:xfrm>
+          <a:prstGeom prst="line">
+            <a:avLst/>
+          </a:prstGeom>
+          <a:ln w="25400">
+            <a:solidFill>
+              <a:srgbClr val="C00000"/>
+            </a:solidFill>
+          </a:ln>
+        </p:spPr>
+        <p:style>
+          <a:lnRef idx="1">
+            <a:schemeClr val="accent1"/>
+          </a:lnRef>
+          <a:fillRef idx="0">
+            <a:schemeClr val="accent1"/>
+          </a:fillRef>
+          <a:effectRef idx="0">
+            <a:schemeClr val="accent1"/>
+          </a:effectRef>
+          <a:fontRef idx="minor">
+            <a:schemeClr val="tx1"/>
+          </a:fontRef>
+        </p:style>
+      </p:cxnSp>
+      <p:sp>
+        <p:nvSpPr>
+          <p:cNvPr id="20" name="文本框 19"/>
+          <p:cNvSpPr txBox="1"/>
+          <p:nvPr/>
+        </p:nvSpPr>
+        <p:spPr>
+          <a:xfrm>
+            <a:off x="730250" y="1129665"/>
+            <a:ext cx="2703830" cy="398780"/>
+          </a:xfrm>
+          <a:prstGeom prst="rect">
+            <a:avLst/>
+          </a:prstGeom>
+          <a:noFill/>
+        </p:spPr>
+        <p:txBody>
+          <a:bodyPr wrap="square" rtlCol="0">
+            <a:spAutoFit/>
+          </a:bodyPr>
+          <a:p>
+            <a:pPr indent="0" fontAlgn="auto">
+              <a:lnSpc>
+                <a:spcPct val="100000"/>
+              </a:lnSpc>
+              <a:buNone/>
+            </a:pPr>
+            <a:r>
+              <a:rPr lang="en-US" altLang="zh-CN" sz="2000"/>
+              <a:t>Noise analysis</a:t>
+            </a:r>
+            <a:endParaRPr lang="en-US" altLang="zh-CN" sz="2000"/>
+          </a:p>
+        </p:txBody>
+      </p:sp>
+      <p:sp>
+        <p:nvSpPr>
+          <p:cNvPr id="4" name="文本框 3"/>
+          <p:cNvSpPr txBox="1"/>
+          <p:nvPr/>
+        </p:nvSpPr>
+        <p:spPr>
+          <a:xfrm>
+            <a:off x="1267460" y="1638935"/>
+            <a:ext cx="6456680" cy="3415030"/>
+          </a:xfrm>
+          <a:prstGeom prst="rect">
+            <a:avLst/>
+          </a:prstGeom>
+          <a:noFill/>
+        </p:spPr>
+        <p:txBody>
+          <a:bodyPr wrap="square" rtlCol="0">
+            <a:spAutoFit/>
+          </a:bodyPr>
+          <a:p>
+            <a:pPr marL="285750" indent="-285750">
+              <a:lnSpc>
+                <a:spcPct val="150000"/>
+              </a:lnSpc>
+              <a:spcBef>
+                <a:spcPts val="0"/>
+              </a:spcBef>
+              <a:spcAft>
+                <a:spcPts val="0"/>
+              </a:spcAft>
+              <a:buFont typeface="Arial" panose="020B0604020202020204" pitchFamily="34" charset="0"/>
+              <a:buChar char="•"/>
+            </a:pPr>
+            <a:r>
+              <a:rPr lang="zh-CN" altLang="en-US"/>
+              <a:t>When an </a:t>
+            </a:r>
+            <a:r>
+              <a:rPr lang="en-US" altLang="zh-CN" b="1"/>
+              <a:t>phase-flip</a:t>
+            </a:r>
+            <a:r>
+              <a:rPr lang="en-US" altLang="zh-CN"/>
+              <a:t> </a:t>
+            </a:r>
+            <a:r>
+              <a:rPr lang="zh-CN" altLang="en-US"/>
+              <a:t>error occurs in </a:t>
+            </a:r>
+            <a:r>
+              <a:rPr lang="en-US" altLang="zh-CN" b="1"/>
+              <a:t>target qubit</a:t>
+            </a:r>
+            <a:r>
+              <a:rPr lang="zh-CN" altLang="en-US"/>
+              <a:t>, an </a:t>
+            </a:r>
+            <a:r>
+              <a:rPr lang="en-US" altLang="zh-CN" b="1"/>
+              <a:t>phase-flip</a:t>
+            </a:r>
+            <a:r>
+              <a:rPr lang="en-US" altLang="zh-CN"/>
+              <a:t> </a:t>
+            </a:r>
+            <a:r>
+              <a:rPr lang="zh-CN" altLang="en-US"/>
+              <a:t>error</a:t>
+            </a:r>
+            <a:r>
+              <a:rPr lang="en-US" altLang="zh-CN"/>
+              <a:t> also</a:t>
+            </a:r>
+            <a:r>
+              <a:rPr lang="zh-CN" altLang="en-US"/>
+              <a:t> occurs in </a:t>
+            </a:r>
+            <a:r>
+              <a:rPr lang="en-US" altLang="zh-CN" b="1"/>
+              <a:t>control qubit.</a:t>
+            </a:r>
+            <a:endParaRPr lang="en-US" altLang="zh-CN" b="1"/>
+          </a:p>
+          <a:p>
+            <a:pPr marL="285750" indent="-285750">
+              <a:lnSpc>
+                <a:spcPct val="150000"/>
+              </a:lnSpc>
+              <a:spcBef>
+                <a:spcPts val="0"/>
+              </a:spcBef>
+              <a:spcAft>
+                <a:spcPts val="0"/>
+              </a:spcAft>
+              <a:buFont typeface="Arial" panose="020B0604020202020204" pitchFamily="34" charset="0"/>
+              <a:buChar char="•"/>
+            </a:pPr>
+            <a:r>
+              <a:rPr lang="en-US" altLang="zh-CN"/>
+              <a:t>When the unitray operation is complete, </a:t>
+            </a:r>
+            <a:r>
+              <a:rPr lang="en-US" altLang="zh-CN" b="1"/>
+              <a:t>target qubit</a:t>
+            </a:r>
+            <a:r>
+              <a:rPr lang="en-US" altLang="zh-CN"/>
+              <a:t> will have both phase-flip error and bit-flip error.</a:t>
+            </a:r>
+            <a:endParaRPr lang="en-US" altLang="zh-CN"/>
+          </a:p>
+          <a:p>
+            <a:pPr marL="285750" indent="-285750">
+              <a:lnSpc>
+                <a:spcPct val="150000"/>
+              </a:lnSpc>
+              <a:spcBef>
+                <a:spcPts val="0"/>
+              </a:spcBef>
+              <a:spcAft>
+                <a:spcPts val="0"/>
+              </a:spcAft>
+              <a:buFont typeface="Arial" panose="020B0604020202020204" pitchFamily="34" charset="0"/>
+              <a:buChar char="•"/>
+            </a:pPr>
+            <a:r>
+              <a:rPr lang="en-US" altLang="zh-CN"/>
+              <a:t>The </a:t>
+            </a:r>
+            <a:r>
+              <a:rPr lang="en-US" altLang="zh-CN" b="1"/>
+              <a:t>uncertainty</a:t>
+            </a:r>
+            <a:r>
+              <a:rPr lang="en-US" altLang="zh-CN"/>
+              <a:t> of gate operation (</a:t>
+            </a:r>
+            <a:r>
+              <a:rPr lang="en-US" altLang="zh-CN" b="1">
+                <a:solidFill>
+                  <a:srgbClr val="FF0000"/>
+                </a:solidFill>
+              </a:rPr>
+              <a:t>fluctudation</a:t>
+            </a:r>
+            <a:r>
+              <a:rPr lang="en-US" altLang="zh-CN"/>
+              <a:t>) can also cause bit-flip error.</a:t>
+            </a:r>
+            <a:endParaRPr lang="en-US" altLang="zh-CN"/>
+          </a:p>
+          <a:p>
+            <a:pPr marL="285750" indent="-285750">
+              <a:lnSpc>
+                <a:spcPct val="150000"/>
+              </a:lnSpc>
+              <a:spcBef>
+                <a:spcPts val="0"/>
+              </a:spcBef>
+              <a:spcAft>
+                <a:spcPts val="0"/>
+              </a:spcAft>
+              <a:buFont typeface="Arial" panose="020B0604020202020204" pitchFamily="34" charset="0"/>
+              <a:buChar char="•"/>
+            </a:pPr>
+            <a:r>
+              <a:rPr lang="en-US" altLang="zh-CN"/>
+              <a:t>After the gate operation, the </a:t>
+            </a:r>
+            <a:r>
+              <a:rPr lang="en-US" altLang="zh-CN" b="1"/>
+              <a:t>noise</a:t>
+            </a:r>
+            <a:r>
+              <a:rPr lang="en-US" altLang="zh-CN"/>
+              <a:t> does not remain in channel </a:t>
+            </a:r>
+            <a:r>
+              <a:rPr lang="en-US" altLang="zh-CN" b="1"/>
+              <a:t>Z</a:t>
+            </a:r>
+            <a:r>
+              <a:rPr lang="en-US" altLang="zh-CN"/>
+              <a:t>.</a:t>
+            </a:r>
+            <a:endParaRPr lang="en-US" altLang="zh-CN"/>
+          </a:p>
+        </p:txBody>
+      </p:sp>
+      <p:sp>
+        <p:nvSpPr>
+          <p:cNvPr id="8" name="文本框 7"/>
+          <p:cNvSpPr txBox="1"/>
+          <p:nvPr/>
+        </p:nvSpPr>
+        <p:spPr>
+          <a:xfrm>
+            <a:off x="730250" y="5164455"/>
+            <a:ext cx="2703830" cy="398780"/>
+          </a:xfrm>
+          <a:prstGeom prst="rect">
+            <a:avLst/>
+          </a:prstGeom>
+          <a:noFill/>
+        </p:spPr>
+        <p:txBody>
+          <a:bodyPr wrap="square" rtlCol="0">
+            <a:spAutoFit/>
+          </a:bodyPr>
+          <a:p>
+            <a:pPr indent="0" fontAlgn="auto">
+              <a:lnSpc>
+                <a:spcPct val="100000"/>
+              </a:lnSpc>
+              <a:buNone/>
+            </a:pPr>
+            <a:r>
+              <a:rPr lang="en-US" altLang="zh-CN" sz="2000"/>
+              <a:t>Conclusion</a:t>
+            </a:r>
+            <a:endParaRPr lang="en-US" altLang="zh-CN" sz="2000"/>
+          </a:p>
+        </p:txBody>
+      </p:sp>
+      <p:sp>
+        <p:nvSpPr>
+          <p:cNvPr id="11" name="文本框 10"/>
+          <p:cNvSpPr txBox="1"/>
+          <p:nvPr/>
+        </p:nvSpPr>
+        <p:spPr>
+          <a:xfrm>
+            <a:off x="804545" y="5673725"/>
+            <a:ext cx="8141335" cy="398780"/>
+          </a:xfrm>
+          <a:prstGeom prst="rect">
+            <a:avLst/>
+          </a:prstGeom>
+          <a:noFill/>
+        </p:spPr>
+        <p:txBody>
+          <a:bodyPr wrap="square" rtlCol="0">
+            <a:spAutoFit/>
+          </a:bodyPr>
+          <a:p>
+            <a:r>
+              <a:rPr lang="zh-CN" altLang="en-US" sz="2000"/>
+              <a:t>In </a:t>
+            </a:r>
+            <a:r>
+              <a:rPr lang="en-US" altLang="zh-CN" sz="2000"/>
+              <a:t>the</a:t>
+            </a:r>
+            <a:r>
+              <a:rPr lang="zh-CN" altLang="en-US" sz="2000"/>
+              <a:t> strict </a:t>
+            </a:r>
+            <a:r>
+              <a:rPr lang="en-US" altLang="zh-CN" sz="2000"/>
+              <a:t>2</a:t>
+            </a:r>
+            <a:r>
+              <a:rPr lang="zh-CN" altLang="en-US" sz="2000"/>
+              <a:t>-level system, </a:t>
+            </a:r>
+            <a:r>
+              <a:rPr lang="en-US" altLang="zh-CN" sz="2000"/>
+              <a:t>bias-preserving </a:t>
+            </a:r>
+            <a:r>
+              <a:rPr lang="zh-CN" altLang="en-US" sz="2000"/>
+              <a:t>CX gate is </a:t>
+            </a:r>
+            <a:r>
+              <a:rPr lang="zh-CN" altLang="en-US" sz="2000" b="1">
+                <a:solidFill>
+                  <a:srgbClr val="FF0000"/>
+                </a:solidFill>
+              </a:rPr>
+              <a:t>impossible</a:t>
+            </a:r>
+            <a:r>
+              <a:rPr lang="en-US" altLang="zh-CN" sz="2000">
+                <a:solidFill>
+                  <a:schemeClr val="tx1"/>
+                </a:solidFill>
+              </a:rPr>
+              <a:t>.</a:t>
+            </a:r>
+            <a:endParaRPr lang="en-US" altLang="zh-CN" sz="2000">
+              <a:solidFill>
+                <a:schemeClr val="tx1"/>
+              </a:solidFill>
+            </a:endParaRPr>
+          </a:p>
+        </p:txBody>
+      </p:sp>
+    </p:spTree>
+  </p:cSld>
+  <p:clrMapOvr>
+    <a:masterClrMapping/>
+  </p:clrMapOvr>
+  <p:timing>
+    <p:tnLst>
+      <p:par>
+        <p:cTn id="1" dur="indefinite" restart="never" nodeType="tmRoot"/>
+      </p:par>
+    </p:tnLst>
+  </p:timing>
+</p:sld>
+</file>
+
+<file path=ppt/slides/slide11.xml><?xml version="1.0" encoding="utf-8"?>
+<p:sld xmlns:a="http://schemas.openxmlformats.org/drawingml/2006/main" xmlns:r="http://schemas.openxmlformats.org/officeDocument/2006/relationships" xmlns:p="http://schemas.openxmlformats.org/presentationml/2006/main">
+  <p:cSld>
+    <p:spTree>
+      <p:nvGrpSpPr>
+        <p:cNvPr id="1" name=""/>
+        <p:cNvGrpSpPr/>
+        <p:nvPr/>
+      </p:nvGrpSpPr>
+      <p:grpSpPr>
+        <a:xfrm>
+          <a:off x="0" y="0"/>
+          <a:ext cx="0" cy="0"/>
+          <a:chOff x="0" y="0"/>
+          <a:chExt cx="0" cy="0"/>
+        </a:xfrm>
+      </p:grpSpPr>
+      <p:sp>
+        <p:nvSpPr>
+          <p:cNvPr id="3" name="文本框 2"/>
+          <p:cNvSpPr txBox="1"/>
+          <p:nvPr/>
+        </p:nvSpPr>
+        <p:spPr>
+          <a:xfrm>
+            <a:off x="471080" y="1874006"/>
+            <a:ext cx="7916091" cy="1323439"/>
+          </a:xfrm>
+          <a:prstGeom prst="rect">
+            <a:avLst/>
+          </a:prstGeom>
+          <a:noFill/>
+        </p:spPr>
+        <p:txBody>
+          <a:bodyPr wrap="square" rtlCol="0">
+            <a:spAutoFit/>
+          </a:bodyPr>
+          <a:lstStyle/>
+          <a:p>
+            <a:pPr algn="ctr"/>
+            <a:r>
+              <a:rPr lang="en-US" altLang="zh-CN" sz="8000" b="1" dirty="0">
+                <a:solidFill>
+                  <a:schemeClr val="bg1"/>
+                </a:solidFill>
+                <a:latin typeface="隶书" panose="02010509060101010101" pitchFamily="49" charset="-122"/>
+                <a:ea typeface="隶书" panose="02010509060101010101" pitchFamily="49" charset="-122"/>
+              </a:rPr>
+              <a:t>Thank you!</a:t>
+            </a:r>
+            <a:endParaRPr lang="zh-CN" altLang="en-US" sz="8000" b="1" dirty="0">
+              <a:solidFill>
+                <a:schemeClr val="bg1"/>
+              </a:solidFill>
+              <a:latin typeface="隶书" panose="02010509060101010101" pitchFamily="49" charset="-122"/>
+              <a:ea typeface="隶书" panose="02010509060101010101" pitchFamily="49" charset="-122"/>
+            </a:endParaRPr>
+          </a:p>
+        </p:txBody>
+      </p:sp>
+      <p:sp>
+        <p:nvSpPr>
+          <p:cNvPr id="2" name="矩形 1"/>
+          <p:cNvSpPr/>
+          <p:nvPr/>
+        </p:nvSpPr>
+        <p:spPr>
+          <a:xfrm>
+            <a:off x="2102168" y="4079540"/>
+            <a:ext cx="4939665" cy="1614805"/>
+          </a:xfrm>
+          <a:prstGeom prst="rect">
+            <a:avLst/>
+          </a:prstGeom>
+        </p:spPr>
+        <p:txBody>
+          <a:bodyPr wrap="none">
+            <a:spAutoFit/>
+          </a:bodyPr>
+          <a:p>
+            <a:pPr algn="ctr">
+              <a:lnSpc>
+                <a:spcPct val="150000"/>
+              </a:lnSpc>
+            </a:pPr>
+            <a:r>
+              <a:rPr lang="en-US" altLang="zh-CN" sz="2200" b="1" dirty="0">
+                <a:solidFill>
+                  <a:srgbClr val="B83314"/>
+                </a:solidFill>
+              </a:rPr>
+              <a:t>Reporter: Ke-hui Yu</a:t>
+            </a:r>
+            <a:endParaRPr lang="en-US" altLang="zh-CN" sz="2200" b="1" dirty="0">
+              <a:solidFill>
+                <a:srgbClr val="B83314"/>
+              </a:solidFill>
+            </a:endParaRPr>
+          </a:p>
+          <a:p>
+            <a:pPr algn="ctr">
+              <a:lnSpc>
+                <a:spcPct val="150000"/>
+              </a:lnSpc>
+            </a:pPr>
+            <a:r>
+              <a:rPr lang="en-US" altLang="zh-CN" sz="2200" b="1" dirty="0">
+                <a:solidFill>
+                  <a:srgbClr val="B83314"/>
+                </a:solidFill>
+              </a:rPr>
+              <a:t>Mentors: Hong-rong Li, Xin Wang</a:t>
+            </a:r>
+            <a:endParaRPr lang="en-US" altLang="zh-CN" sz="2200" b="1" dirty="0">
+              <a:solidFill>
+                <a:srgbClr val="B83314"/>
+              </a:solidFill>
+            </a:endParaRPr>
+          </a:p>
+          <a:p>
+            <a:pPr algn="ctr">
+              <a:lnSpc>
+                <a:spcPct val="150000"/>
+              </a:lnSpc>
+            </a:pPr>
+            <a:r>
+              <a:rPr lang="en-US" sz="2200" b="1" dirty="0">
+                <a:solidFill>
+                  <a:srgbClr val="B83314"/>
+                </a:solidFill>
+              </a:rPr>
+              <a:t>Sep. 2021</a:t>
+            </a:r>
+            <a:endParaRPr lang="en-US" sz="2200" b="1" dirty="0">
+              <a:solidFill>
+                <a:srgbClr val="B83314"/>
+              </a:solidFill>
+            </a:endParaRPr>
+          </a:p>
+        </p:txBody>
+      </p:sp>
+    </p:spTree>
+  </p:cSld>
+  <p:clrMapOvr>
+    <a:masterClrMapping/>
+  </p:clrMapOvr>
+</p:sld>
+</file>
+
 <file path=ppt/slides/slide2.xml><?xml version="1.0" encoding="utf-8"?>
 <p:sld xmlns:a="http://schemas.openxmlformats.org/drawingml/2006/main" xmlns:r="http://schemas.openxmlformats.org/officeDocument/2006/relationships" xmlns:p="http://schemas.openxmlformats.org/presentationml/2006/main">
   <p:cSld>
@@ -2180,7 +2870,7 @@
         </p:blipFill>
         <p:spPr>
           <a:xfrm>
-            <a:off x="309880" y="872490"/>
+            <a:off x="594360" y="872490"/>
             <a:ext cx="3772535" cy="2835275"/>
           </a:xfrm>
           <a:prstGeom prst="rect">
@@ -2820,7 +3510,7 @@
         </p:nvSpPr>
         <p:spPr>
           <a:xfrm>
-            <a:off x="5440045" y="3744595"/>
+            <a:off x="5484495" y="3744595"/>
             <a:ext cx="1245870" cy="858520"/>
           </a:xfrm>
           <a:prstGeom prst="rect">
@@ -2868,7 +3558,7 @@
         </p:nvSpPr>
         <p:spPr>
           <a:xfrm>
-            <a:off x="5440045" y="5409565"/>
+            <a:off x="5484495" y="5409565"/>
             <a:ext cx="1435100" cy="858520"/>
           </a:xfrm>
           <a:prstGeom prst="rect">
@@ -3123,15 +3813,12 @@
       <p:cxnSp>
         <p:nvCxnSpPr>
           <p:cNvPr id="18" name="直接箭头连接符 17"/>
-          <p:cNvCxnSpPr>
-            <a:stCxn id="4" idx="3"/>
-            <a:endCxn id="8" idx="1"/>
-          </p:cNvCxnSpPr>
+          <p:cNvCxnSpPr/>
           <p:nvPr/>
         </p:nvCxnSpPr>
         <p:spPr>
           <a:xfrm flipV="1">
-            <a:off x="3408680" y="2414905"/>
+            <a:off x="3399790" y="2416810"/>
             <a:ext cx="1631950" cy="5080"/>
           </a:xfrm>
           <a:prstGeom prst="straightConnector1">
@@ -3375,6 +4062,716 @@
   <p:clrMapOvr>
     <a:masterClrMapping/>
   </p:clrMapOvr>
+  <p:timing>
+    <p:tnLst>
+      <p:par>
+        <p:cTn id="1" dur="indefinite" restart="never" nodeType="tmRoot">
+          <p:childTnLst>
+            <p:seq concurrent="1" nextAc="seek">
+              <p:cTn id="2" dur="indefinite" nodeType="mainSeq">
+                <p:childTnLst>
+                  <p:par>
+                    <p:cTn id="3" fill="hold">
+                      <p:stCondLst>
+                        <p:cond delay="indefinite"/>
+                      </p:stCondLst>
+                      <p:childTnLst>
+                        <p:par>
+                          <p:cTn id="4" fill="hold">
+                            <p:stCondLst>
+                              <p:cond delay="0"/>
+                            </p:stCondLst>
+                            <p:childTnLst>
+                              <p:par>
+                                <p:cTn id="5" presetID="12" presetClass="entr" presetSubtype="8" fill="hold" nodeType="clickEffect">
+                                  <p:stCondLst>
+                                    <p:cond delay="0"/>
+                                  </p:stCondLst>
+                                  <p:childTnLst>
+                                    <p:set>
+                                      <p:cBhvr>
+                                        <p:cTn id="6" dur="1" fill="hold">
+                                          <p:stCondLst>
+                                            <p:cond delay="0"/>
+                                          </p:stCondLst>
+                                        </p:cTn>
+                                        <p:tgtEl>
+                                          <p:spTgt spid="18"/>
+                                        </p:tgtEl>
+                                        <p:attrNameLst>
+                                          <p:attrName>style.visibility</p:attrName>
+                                        </p:attrNameLst>
+                                      </p:cBhvr>
+                                      <p:to>
+                                        <p:strVal val="visible"/>
+                                      </p:to>
+                                    </p:set>
+                                    <p:anim calcmode="lin" valueType="num">
+                                      <p:cBhvr additive="base">
+                                        <p:cTn id="7" dur="500"/>
+                                        <p:tgtEl>
+                                          <p:spTgt spid="18"/>
+                                        </p:tgtEl>
+                                        <p:attrNameLst>
+                                          <p:attrName>ppt_x</p:attrName>
+                                        </p:attrNameLst>
+                                      </p:cBhvr>
+                                      <p:tavLst>
+                                        <p:tav tm="0">
+                                          <p:val>
+                                            <p:strVal val="#ppt_x-#ppt_w*1.125000"/>
+                                          </p:val>
+                                        </p:tav>
+                                        <p:tav tm="100000">
+                                          <p:val>
+                                            <p:strVal val="#ppt_x"/>
+                                          </p:val>
+                                        </p:tav>
+                                      </p:tavLst>
+                                    </p:anim>
+                                    <p:animEffect transition="in" filter="wipe(right)">
+                                      <p:cBhvr>
+                                        <p:cTn id="8" dur="500"/>
+                                        <p:tgtEl>
+                                          <p:spTgt spid="18"/>
+                                        </p:tgtEl>
+                                      </p:cBhvr>
+                                    </p:animEffect>
+                                  </p:childTnLst>
+                                </p:cTn>
+                              </p:par>
+                            </p:childTnLst>
+                          </p:cTn>
+                        </p:par>
+                        <p:par>
+                          <p:cTn id="9" fill="hold">
+                            <p:stCondLst>
+                              <p:cond delay="500"/>
+                            </p:stCondLst>
+                            <p:childTnLst>
+                              <p:par>
+                                <p:cTn id="10" presetID="12" presetClass="entr" presetSubtype="8" fill="hold" grpId="0" nodeType="afterEffect">
+                                  <p:stCondLst>
+                                    <p:cond delay="0"/>
+                                  </p:stCondLst>
+                                  <p:childTnLst>
+                                    <p:set>
+                                      <p:cBhvr>
+                                        <p:cTn id="11" dur="1" fill="hold">
+                                          <p:stCondLst>
+                                            <p:cond delay="0"/>
+                                          </p:stCondLst>
+                                        </p:cTn>
+                                        <p:tgtEl>
+                                          <p:spTgt spid="8"/>
+                                        </p:tgtEl>
+                                        <p:attrNameLst>
+                                          <p:attrName>style.visibility</p:attrName>
+                                        </p:attrNameLst>
+                                      </p:cBhvr>
+                                      <p:to>
+                                        <p:strVal val="visible"/>
+                                      </p:to>
+                                    </p:set>
+                                    <p:anim calcmode="lin" valueType="num">
+                                      <p:cBhvr additive="base">
+                                        <p:cTn id="12" dur="500"/>
+                                        <p:tgtEl>
+                                          <p:spTgt spid="8"/>
+                                        </p:tgtEl>
+                                        <p:attrNameLst>
+                                          <p:attrName>ppt_x</p:attrName>
+                                        </p:attrNameLst>
+                                      </p:cBhvr>
+                                      <p:tavLst>
+                                        <p:tav tm="0">
+                                          <p:val>
+                                            <p:strVal val="#ppt_x-#ppt_w*1.125000"/>
+                                          </p:val>
+                                        </p:tav>
+                                        <p:tav tm="100000">
+                                          <p:val>
+                                            <p:strVal val="#ppt_x"/>
+                                          </p:val>
+                                        </p:tav>
+                                      </p:tavLst>
+                                    </p:anim>
+                                    <p:animEffect transition="in" filter="wipe(right)">
+                                      <p:cBhvr>
+                                        <p:cTn id="13" dur="500"/>
+                                        <p:tgtEl>
+                                          <p:spTgt spid="8"/>
+                                        </p:tgtEl>
+                                      </p:cBhvr>
+                                    </p:animEffect>
+                                  </p:childTnLst>
+                                </p:cTn>
+                              </p:par>
+                            </p:childTnLst>
+                          </p:cTn>
+                        </p:par>
+                      </p:childTnLst>
+                    </p:cTn>
+                  </p:par>
+                  <p:par>
+                    <p:cTn id="14" fill="hold">
+                      <p:stCondLst>
+                        <p:cond delay="indefinite"/>
+                      </p:stCondLst>
+                      <p:childTnLst>
+                        <p:par>
+                          <p:cTn id="15" fill="hold">
+                            <p:stCondLst>
+                              <p:cond delay="0"/>
+                            </p:stCondLst>
+                            <p:childTnLst>
+                              <p:par>
+                                <p:cTn id="16" presetID="18" presetClass="entr" presetSubtype="12" fill="hold" nodeType="clickEffect">
+                                  <p:stCondLst>
+                                    <p:cond delay="0"/>
+                                  </p:stCondLst>
+                                  <p:childTnLst>
+                                    <p:set>
+                                      <p:cBhvr>
+                                        <p:cTn id="17" dur="1" fill="hold">
+                                          <p:stCondLst>
+                                            <p:cond delay="0"/>
+                                          </p:stCondLst>
+                                        </p:cTn>
+                                        <p:tgtEl>
+                                          <p:spTgt spid="19"/>
+                                        </p:tgtEl>
+                                        <p:attrNameLst>
+                                          <p:attrName>style.visibility</p:attrName>
+                                        </p:attrNameLst>
+                                      </p:cBhvr>
+                                      <p:to>
+                                        <p:strVal val="visible"/>
+                                      </p:to>
+                                    </p:set>
+                                    <p:animEffect transition="in" filter="strips(downLeft)">
+                                      <p:cBhvr>
+                                        <p:cTn id="18" dur="500"/>
+                                        <p:tgtEl>
+                                          <p:spTgt spid="19"/>
+                                        </p:tgtEl>
+                                      </p:cBhvr>
+                                    </p:animEffect>
+                                  </p:childTnLst>
+                                </p:cTn>
+                              </p:par>
+                            </p:childTnLst>
+                          </p:cTn>
+                        </p:par>
+                        <p:par>
+                          <p:cTn id="19" fill="hold">
+                            <p:stCondLst>
+                              <p:cond delay="500"/>
+                            </p:stCondLst>
+                            <p:childTnLst>
+                              <p:par>
+                                <p:cTn id="20" presetID="12" presetClass="entr" presetSubtype="4" fill="hold" grpId="0" nodeType="afterEffect">
+                                  <p:stCondLst>
+                                    <p:cond delay="0"/>
+                                  </p:stCondLst>
+                                  <p:childTnLst>
+                                    <p:set>
+                                      <p:cBhvr>
+                                        <p:cTn id="21" dur="1" fill="hold">
+                                          <p:stCondLst>
+                                            <p:cond delay="0"/>
+                                          </p:stCondLst>
+                                        </p:cTn>
+                                        <p:tgtEl>
+                                          <p:spTgt spid="9"/>
+                                        </p:tgtEl>
+                                        <p:attrNameLst>
+                                          <p:attrName>style.visibility</p:attrName>
+                                        </p:attrNameLst>
+                                      </p:cBhvr>
+                                      <p:to>
+                                        <p:strVal val="visible"/>
+                                      </p:to>
+                                    </p:set>
+                                    <p:anim calcmode="lin" valueType="num">
+                                      <p:cBhvr additive="base">
+                                        <p:cTn id="22" dur="500"/>
+                                        <p:tgtEl>
+                                          <p:spTgt spid="9"/>
+                                        </p:tgtEl>
+                                        <p:attrNameLst>
+                                          <p:attrName>ppt_y</p:attrName>
+                                        </p:attrNameLst>
+                                      </p:cBhvr>
+                                      <p:tavLst>
+                                        <p:tav tm="0">
+                                          <p:val>
+                                            <p:strVal val="#ppt_y+#ppt_h*1.125000"/>
+                                          </p:val>
+                                        </p:tav>
+                                        <p:tav tm="100000">
+                                          <p:val>
+                                            <p:strVal val="#ppt_y"/>
+                                          </p:val>
+                                        </p:tav>
+                                      </p:tavLst>
+                                    </p:anim>
+                                    <p:animEffect transition="in" filter="wipe(up)">
+                                      <p:cBhvr>
+                                        <p:cTn id="23" dur="500"/>
+                                        <p:tgtEl>
+                                          <p:spTgt spid="9"/>
+                                        </p:tgtEl>
+                                      </p:cBhvr>
+                                    </p:animEffect>
+                                  </p:childTnLst>
+                                </p:cTn>
+                              </p:par>
+                            </p:childTnLst>
+                          </p:cTn>
+                        </p:par>
+                      </p:childTnLst>
+                    </p:cTn>
+                  </p:par>
+                  <p:par>
+                    <p:cTn id="24" fill="hold">
+                      <p:stCondLst>
+                        <p:cond delay="indefinite"/>
+                      </p:stCondLst>
+                      <p:childTnLst>
+                        <p:par>
+                          <p:cTn id="25" fill="hold">
+                            <p:stCondLst>
+                              <p:cond delay="0"/>
+                            </p:stCondLst>
+                            <p:childTnLst>
+                              <p:par>
+                                <p:cTn id="26" presetID="12" presetClass="entr" presetSubtype="8" fill="hold" grpId="0" nodeType="clickEffect">
+                                  <p:stCondLst>
+                                    <p:cond delay="0"/>
+                                  </p:stCondLst>
+                                  <p:childTnLst>
+                                    <p:set>
+                                      <p:cBhvr>
+                                        <p:cTn id="27" dur="1" fill="hold">
+                                          <p:stCondLst>
+                                            <p:cond delay="0"/>
+                                          </p:stCondLst>
+                                        </p:cTn>
+                                        <p:tgtEl>
+                                          <p:spTgt spid="16"/>
+                                        </p:tgtEl>
+                                        <p:attrNameLst>
+                                          <p:attrName>style.visibility</p:attrName>
+                                        </p:attrNameLst>
+                                      </p:cBhvr>
+                                      <p:to>
+                                        <p:strVal val="visible"/>
+                                      </p:to>
+                                    </p:set>
+                                    <p:anim calcmode="lin" valueType="num">
+                                      <p:cBhvr additive="base">
+                                        <p:cTn id="28" dur="500"/>
+                                        <p:tgtEl>
+                                          <p:spTgt spid="16"/>
+                                        </p:tgtEl>
+                                        <p:attrNameLst>
+                                          <p:attrName>ppt_x</p:attrName>
+                                        </p:attrNameLst>
+                                      </p:cBhvr>
+                                      <p:tavLst>
+                                        <p:tav tm="0">
+                                          <p:val>
+                                            <p:strVal val="#ppt_x-#ppt_w*1.125000"/>
+                                          </p:val>
+                                        </p:tav>
+                                        <p:tav tm="100000">
+                                          <p:val>
+                                            <p:strVal val="#ppt_x"/>
+                                          </p:val>
+                                        </p:tav>
+                                      </p:tavLst>
+                                    </p:anim>
+                                    <p:animEffect transition="in" filter="wipe(right)">
+                                      <p:cBhvr>
+                                        <p:cTn id="29" dur="500"/>
+                                        <p:tgtEl>
+                                          <p:spTgt spid="16"/>
+                                        </p:tgtEl>
+                                      </p:cBhvr>
+                                    </p:animEffect>
+                                  </p:childTnLst>
+                                </p:cTn>
+                              </p:par>
+                              <p:par>
+                                <p:cTn id="30" presetID="12" presetClass="entr" presetSubtype="8" fill="hold" grpId="0" nodeType="withEffect">
+                                  <p:stCondLst>
+                                    <p:cond delay="0"/>
+                                  </p:stCondLst>
+                                  <p:childTnLst>
+                                    <p:set>
+                                      <p:cBhvr>
+                                        <p:cTn id="31" dur="1" fill="hold">
+                                          <p:stCondLst>
+                                            <p:cond delay="0"/>
+                                          </p:stCondLst>
+                                        </p:cTn>
+                                        <p:tgtEl>
+                                          <p:spTgt spid="17"/>
+                                        </p:tgtEl>
+                                        <p:attrNameLst>
+                                          <p:attrName>style.visibility</p:attrName>
+                                        </p:attrNameLst>
+                                      </p:cBhvr>
+                                      <p:to>
+                                        <p:strVal val="visible"/>
+                                      </p:to>
+                                    </p:set>
+                                    <p:anim calcmode="lin" valueType="num">
+                                      <p:cBhvr additive="base">
+                                        <p:cTn id="32" dur="500"/>
+                                        <p:tgtEl>
+                                          <p:spTgt spid="17"/>
+                                        </p:tgtEl>
+                                        <p:attrNameLst>
+                                          <p:attrName>ppt_x</p:attrName>
+                                        </p:attrNameLst>
+                                      </p:cBhvr>
+                                      <p:tavLst>
+                                        <p:tav tm="0">
+                                          <p:val>
+                                            <p:strVal val="#ppt_x-#ppt_w*1.125000"/>
+                                          </p:val>
+                                        </p:tav>
+                                        <p:tav tm="100000">
+                                          <p:val>
+                                            <p:strVal val="#ppt_x"/>
+                                          </p:val>
+                                        </p:tav>
+                                      </p:tavLst>
+                                    </p:anim>
+                                    <p:animEffect transition="in" filter="wipe(right)">
+                                      <p:cBhvr>
+                                        <p:cTn id="33" dur="500"/>
+                                        <p:tgtEl>
+                                          <p:spTgt spid="17"/>
+                                        </p:tgtEl>
+                                      </p:cBhvr>
+                                    </p:animEffect>
+                                  </p:childTnLst>
+                                </p:cTn>
+                              </p:par>
+                              <p:par>
+                                <p:cTn id="34" presetID="18" presetClass="entr" presetSubtype="6" fill="hold" grpId="0" nodeType="withEffect">
+                                  <p:stCondLst>
+                                    <p:cond delay="0"/>
+                                  </p:stCondLst>
+                                  <p:childTnLst>
+                                    <p:set>
+                                      <p:cBhvr>
+                                        <p:cTn id="35" dur="1" fill="hold">
+                                          <p:stCondLst>
+                                            <p:cond delay="0"/>
+                                          </p:stCondLst>
+                                        </p:cTn>
+                                        <p:tgtEl>
+                                          <p:spTgt spid="13"/>
+                                        </p:tgtEl>
+                                        <p:attrNameLst>
+                                          <p:attrName>style.visibility</p:attrName>
+                                        </p:attrNameLst>
+                                      </p:cBhvr>
+                                      <p:to>
+                                        <p:strVal val="visible"/>
+                                      </p:to>
+                                    </p:set>
+                                    <p:animEffect transition="in" filter="strips(downRight)">
+                                      <p:cBhvr>
+                                        <p:cTn id="36" dur="500"/>
+                                        <p:tgtEl>
+                                          <p:spTgt spid="13"/>
+                                        </p:tgtEl>
+                                      </p:cBhvr>
+                                    </p:animEffect>
+                                  </p:childTnLst>
+                                </p:cTn>
+                              </p:par>
+                            </p:childTnLst>
+                          </p:cTn>
+                        </p:par>
+                        <p:par>
+                          <p:cTn id="37" fill="hold">
+                            <p:stCondLst>
+                              <p:cond delay="500"/>
+                            </p:stCondLst>
+                            <p:childTnLst>
+                              <p:par>
+                                <p:cTn id="38" presetID="3" presetClass="entr" presetSubtype="10" fill="hold" grpId="0" nodeType="afterEffect">
+                                  <p:stCondLst>
+                                    <p:cond delay="0"/>
+                                  </p:stCondLst>
+                                  <p:childTnLst>
+                                    <p:set>
+                                      <p:cBhvr>
+                                        <p:cTn id="39" dur="1" fill="hold">
+                                          <p:stCondLst>
+                                            <p:cond delay="0"/>
+                                          </p:stCondLst>
+                                        </p:cTn>
+                                        <p:tgtEl>
+                                          <p:spTgt spid="14"/>
+                                        </p:tgtEl>
+                                        <p:attrNameLst>
+                                          <p:attrName>style.visibility</p:attrName>
+                                        </p:attrNameLst>
+                                      </p:cBhvr>
+                                      <p:to>
+                                        <p:strVal val="visible"/>
+                                      </p:to>
+                                    </p:set>
+                                    <p:animEffect transition="in" filter="blinds(horizontal)">
+                                      <p:cBhvr>
+                                        <p:cTn id="40" dur="500"/>
+                                        <p:tgtEl>
+                                          <p:spTgt spid="14"/>
+                                        </p:tgtEl>
+                                      </p:cBhvr>
+                                    </p:animEffect>
+                                  </p:childTnLst>
+                                </p:cTn>
+                              </p:par>
+                              <p:par>
+                                <p:cTn id="41" presetID="3" presetClass="entr" presetSubtype="10" fill="hold" grpId="0" nodeType="withEffect">
+                                  <p:stCondLst>
+                                    <p:cond delay="0"/>
+                                  </p:stCondLst>
+                                  <p:childTnLst>
+                                    <p:set>
+                                      <p:cBhvr>
+                                        <p:cTn id="42" dur="1" fill="hold">
+                                          <p:stCondLst>
+                                            <p:cond delay="0"/>
+                                          </p:stCondLst>
+                                        </p:cTn>
+                                        <p:tgtEl>
+                                          <p:spTgt spid="15"/>
+                                        </p:tgtEl>
+                                        <p:attrNameLst>
+                                          <p:attrName>style.visibility</p:attrName>
+                                        </p:attrNameLst>
+                                      </p:cBhvr>
+                                      <p:to>
+                                        <p:strVal val="visible"/>
+                                      </p:to>
+                                    </p:set>
+                                    <p:animEffect transition="in" filter="blinds(horizontal)">
+                                      <p:cBhvr>
+                                        <p:cTn id="43" dur="500"/>
+                                        <p:tgtEl>
+                                          <p:spTgt spid="15"/>
+                                        </p:tgtEl>
+                                      </p:cBhvr>
+                                    </p:animEffect>
+                                  </p:childTnLst>
+                                </p:cTn>
+                              </p:par>
+                              <p:par>
+                                <p:cTn id="44" presetID="3" presetClass="entr" presetSubtype="10" fill="hold" nodeType="withEffect">
+                                  <p:stCondLst>
+                                    <p:cond delay="0"/>
+                                  </p:stCondLst>
+                                  <p:childTnLst>
+                                    <p:set>
+                                      <p:cBhvr>
+                                        <p:cTn id="45" dur="1" fill="hold">
+                                          <p:stCondLst>
+                                            <p:cond delay="0"/>
+                                          </p:stCondLst>
+                                        </p:cTn>
+                                        <p:tgtEl>
+                                          <p:spTgt spid="3"/>
+                                        </p:tgtEl>
+                                        <p:attrNameLst>
+                                          <p:attrName>style.visibility</p:attrName>
+                                        </p:attrNameLst>
+                                      </p:cBhvr>
+                                      <p:to>
+                                        <p:strVal val="visible"/>
+                                      </p:to>
+                                    </p:set>
+                                    <p:animEffect transition="in" filter="blinds(horizontal)">
+                                      <p:cBhvr>
+                                        <p:cTn id="46" dur="500"/>
+                                        <p:tgtEl>
+                                          <p:spTgt spid="3"/>
+                                        </p:tgtEl>
+                                      </p:cBhvr>
+                                    </p:animEffect>
+                                  </p:childTnLst>
+                                </p:cTn>
+                              </p:par>
+                              <p:par>
+                                <p:cTn id="47" presetID="3" presetClass="entr" presetSubtype="10" fill="hold" nodeType="withEffect">
+                                  <p:stCondLst>
+                                    <p:cond delay="0"/>
+                                  </p:stCondLst>
+                                  <p:childTnLst>
+                                    <p:set>
+                                      <p:cBhvr>
+                                        <p:cTn id="48" dur="1" fill="hold">
+                                          <p:stCondLst>
+                                            <p:cond delay="0"/>
+                                          </p:stCondLst>
+                                        </p:cTn>
+                                        <p:tgtEl>
+                                          <p:spTgt spid="10"/>
+                                        </p:tgtEl>
+                                        <p:attrNameLst>
+                                          <p:attrName>style.visibility</p:attrName>
+                                        </p:attrNameLst>
+                                      </p:cBhvr>
+                                      <p:to>
+                                        <p:strVal val="visible"/>
+                                      </p:to>
+                                    </p:set>
+                                    <p:animEffect transition="in" filter="blinds(horizontal)">
+                                      <p:cBhvr>
+                                        <p:cTn id="49" dur="500"/>
+                                        <p:tgtEl>
+                                          <p:spTgt spid="10"/>
+                                        </p:tgtEl>
+                                      </p:cBhvr>
+                                    </p:animEffect>
+                                  </p:childTnLst>
+                                </p:cTn>
+                              </p:par>
+                            </p:childTnLst>
+                          </p:cTn>
+                        </p:par>
+                        <p:par>
+                          <p:cTn id="50" fill="hold">
+                            <p:stCondLst>
+                              <p:cond delay="1000"/>
+                            </p:stCondLst>
+                            <p:childTnLst>
+                              <p:par>
+                                <p:cTn id="51" presetID="18" presetClass="entr" presetSubtype="12" fill="hold" grpId="0" nodeType="afterEffect">
+                                  <p:stCondLst>
+                                    <p:cond delay="0"/>
+                                  </p:stCondLst>
+                                  <p:childTnLst>
+                                    <p:set>
+                                      <p:cBhvr>
+                                        <p:cTn id="52" dur="1" fill="hold">
+                                          <p:stCondLst>
+                                            <p:cond delay="0"/>
+                                          </p:stCondLst>
+                                        </p:cTn>
+                                        <p:tgtEl>
+                                          <p:spTgt spid="11"/>
+                                        </p:tgtEl>
+                                        <p:attrNameLst>
+                                          <p:attrName>style.visibility</p:attrName>
+                                        </p:attrNameLst>
+                                      </p:cBhvr>
+                                      <p:to>
+                                        <p:strVal val="visible"/>
+                                      </p:to>
+                                    </p:set>
+                                    <p:animEffect transition="in" filter="strips(downLeft)">
+                                      <p:cBhvr>
+                                        <p:cTn id="53" dur="500"/>
+                                        <p:tgtEl>
+                                          <p:spTgt spid="11"/>
+                                        </p:tgtEl>
+                                      </p:cBhvr>
+                                    </p:animEffect>
+                                  </p:childTnLst>
+                                </p:cTn>
+                              </p:par>
+                              <p:par>
+                                <p:cTn id="54" presetID="18" presetClass="entr" presetSubtype="12" fill="hold" grpId="0" nodeType="withEffect">
+                                  <p:stCondLst>
+                                    <p:cond delay="0"/>
+                                  </p:stCondLst>
+                                  <p:childTnLst>
+                                    <p:set>
+                                      <p:cBhvr>
+                                        <p:cTn id="55" dur="1" fill="hold">
+                                          <p:stCondLst>
+                                            <p:cond delay="0"/>
+                                          </p:stCondLst>
+                                        </p:cTn>
+                                        <p:tgtEl>
+                                          <p:spTgt spid="12"/>
+                                        </p:tgtEl>
+                                        <p:attrNameLst>
+                                          <p:attrName>style.visibility</p:attrName>
+                                        </p:attrNameLst>
+                                      </p:cBhvr>
+                                      <p:to>
+                                        <p:strVal val="visible"/>
+                                      </p:to>
+                                    </p:set>
+                                    <p:animEffect transition="in" filter="strips(downLeft)">
+                                      <p:cBhvr>
+                                        <p:cTn id="56" dur="500"/>
+                                        <p:tgtEl>
+                                          <p:spTgt spid="12"/>
+                                        </p:tgtEl>
+                                      </p:cBhvr>
+                                    </p:animEffect>
+                                  </p:childTnLst>
+                                </p:cTn>
+                              </p:par>
+                            </p:childTnLst>
+                          </p:cTn>
+                        </p:par>
+                      </p:childTnLst>
+                    </p:cTn>
+                  </p:par>
+                </p:childTnLst>
+              </p:cTn>
+              <p:prevCondLst>
+                <p:cond evt="onPrev" delay="0">
+                  <p:tgtEl>
+                    <p:sldTgt/>
+                  </p:tgtEl>
+                </p:cond>
+              </p:prevCondLst>
+              <p:nextCondLst>
+                <p:cond evt="onNext" delay="0">
+                  <p:tgtEl>
+                    <p:sldTgt/>
+                  </p:tgtEl>
+                </p:cond>
+              </p:nextCondLst>
+            </p:seq>
+          </p:childTnLst>
+        </p:cTn>
+      </p:par>
+    </p:tnLst>
+    <p:bldLst>
+      <p:bldP spid="8" grpId="0" animBg="1"/>
+      <p:bldP spid="8" grpId="1" animBg="1"/>
+      <p:bldP spid="9" grpId="0" animBg="1"/>
+      <p:bldP spid="9" grpId="1" animBg="1"/>
+      <p:bldP spid="16" grpId="0"/>
+      <p:bldP spid="17" grpId="0"/>
+      <p:bldP spid="13" grpId="0" animBg="1"/>
+      <p:bldP spid="16" grpId="1"/>
+      <p:bldP spid="17" grpId="1"/>
+      <p:bldP spid="13" grpId="1" animBg="1"/>
+      <p:bldP spid="14" grpId="0" bldLvl="0" animBg="1"/>
+      <p:bldP spid="15" grpId="0" bldLvl="0" animBg="1"/>
+      <p:bldP spid="14" grpId="1" animBg="1"/>
+      <p:bldP spid="15" grpId="1" animBg="1"/>
+      <p:bldP spid="11" grpId="0" animBg="1"/>
+      <p:bldP spid="12" grpId="0" animBg="1"/>
+      <p:bldP spid="11" grpId="1" animBg="1"/>
+      <p:bldP spid="12" grpId="1" animBg="1"/>
+    </p:bldLst>
+  </p:timing>
 </p:sld>
 </file>
 
@@ -4474,7 +5871,7 @@
                 <a:ea typeface="微软雅黑" panose="020B0503020204020204" charset="-122"/>
                 <a:cs typeface="+mj-cs"/>
               </a:rPr>
-              <a:t>Cat qubit</a:t>
+              <a:t>Bias-noise</a:t>
             </a:r>
             <a:endParaRPr kumimoji="0" lang="en-US" altLang="zh-CN" sz="2800" b="0" i="0" u="none" strike="noStrike" kern="1200" cap="none" spc="0" normalizeH="0" baseline="0" noProof="0" dirty="0">
               <a:ln>
@@ -4567,6 +5964,221 @@
           </a:fontRef>
         </p:style>
       </p:cxnSp>
+      <p:sp>
+        <p:nvSpPr>
+          <p:cNvPr id="12" name="矩形 11"/>
+          <p:cNvSpPr/>
+          <p:nvPr/>
+        </p:nvSpPr>
+        <p:spPr>
+          <a:xfrm>
+            <a:off x="609600" y="1063625"/>
+            <a:ext cx="3412490" cy="521970"/>
+          </a:xfrm>
+          <a:prstGeom prst="rect">
+            <a:avLst/>
+          </a:prstGeom>
+          <a:noFill/>
+          <a:ln>
+            <a:noFill/>
+          </a:ln>
+        </p:spPr>
+        <p:txBody>
+          <a:bodyPr wrap="square" rtlCol="0" anchor="t">
+            <a:spAutoFit/>
+          </a:bodyPr>
+          <a:p>
+            <a:pPr algn="l"/>
+            <a:r>
+              <a:rPr lang="en-US" altLang="zh-CN" sz="2800">
+                <a:solidFill>
+                  <a:srgbClr val="FF0000"/>
+                </a:solidFill>
+                <a:effectLst>
+                  <a:outerShdw blurRad="38100" dist="19050" dir="2700000" algn="tl" rotWithShape="0">
+                    <a:schemeClr val="dk1">
+                      <a:alpha val="40000"/>
+                    </a:schemeClr>
+                  </a:outerShdw>
+                </a:effectLst>
+              </a:rPr>
+              <a:t>Current Situations</a:t>
+            </a:r>
+            <a:endParaRPr lang="en-US" altLang="zh-CN" sz="2800">
+              <a:solidFill>
+                <a:srgbClr val="FF0000"/>
+              </a:solidFill>
+              <a:effectLst>
+                <a:outerShdw blurRad="38100" dist="19050" dir="2700000" algn="tl" rotWithShape="0">
+                  <a:schemeClr val="dk1">
+                    <a:alpha val="40000"/>
+                  </a:schemeClr>
+                </a:outerShdw>
+              </a:effectLst>
+            </a:endParaRPr>
+          </a:p>
+        </p:txBody>
+      </p:sp>
+      <p:sp>
+        <p:nvSpPr>
+          <p:cNvPr id="3" name="文本框 2"/>
+          <p:cNvSpPr txBox="1"/>
+          <p:nvPr/>
+        </p:nvSpPr>
+        <p:spPr>
+          <a:xfrm>
+            <a:off x="1112520" y="1838960"/>
+            <a:ext cx="6475095" cy="3900170"/>
+          </a:xfrm>
+          <a:prstGeom prst="rect">
+            <a:avLst/>
+          </a:prstGeom>
+          <a:noFill/>
+        </p:spPr>
+        <p:txBody>
+          <a:bodyPr wrap="square" rtlCol="0">
+            <a:spAutoFit/>
+          </a:bodyPr>
+          <a:p>
+            <a:pPr marL="285750" indent="-285750">
+              <a:lnSpc>
+                <a:spcPct val="125000"/>
+              </a:lnSpc>
+              <a:spcBef>
+                <a:spcPts val="0"/>
+              </a:spcBef>
+              <a:spcAft>
+                <a:spcPts val="0"/>
+              </a:spcAft>
+              <a:buFont typeface="Arial" panose="020B0604020202020204" pitchFamily="34" charset="0"/>
+              <a:buChar char="•"/>
+            </a:pPr>
+            <a:r>
+              <a:rPr lang="en-US" altLang="zh-CN"/>
+              <a:t>The overhead to realize QEC is too </a:t>
+            </a:r>
+            <a:r>
+              <a:rPr lang="en-US" altLang="zh-CN" b="1">
+                <a:solidFill>
+                  <a:srgbClr val="FF0000"/>
+                </a:solidFill>
+              </a:rPr>
+              <a:t>large</a:t>
+            </a:r>
+            <a:r>
+              <a:rPr lang="en-US" altLang="zh-CN"/>
+              <a:t> to afford at this era.</a:t>
+            </a:r>
+            <a:endParaRPr lang="en-US" altLang="zh-CN"/>
+          </a:p>
+          <a:p>
+            <a:pPr marL="285750" indent="-285750">
+              <a:lnSpc>
+                <a:spcPct val="125000"/>
+              </a:lnSpc>
+              <a:spcBef>
+                <a:spcPts val="0"/>
+              </a:spcBef>
+              <a:spcAft>
+                <a:spcPts val="0"/>
+              </a:spcAft>
+              <a:buFont typeface="Arial" panose="020B0604020202020204" pitchFamily="34" charset="0"/>
+              <a:buChar char="•"/>
+            </a:pPr>
+            <a:r>
+              <a:rPr lang="en-US" altLang="zh-CN"/>
+              <a:t>In the widely studied depolarizing noise model, assuming that the stochastic error occurs in X, Y and Z channel is </a:t>
+            </a:r>
+            <a:r>
+              <a:rPr lang="en-US" altLang="zh-CN" b="1">
+                <a:solidFill>
+                  <a:srgbClr val="FF0000"/>
+                </a:solidFill>
+              </a:rPr>
+              <a:t>equal</a:t>
+            </a:r>
+            <a:r>
+              <a:rPr lang="en-US" altLang="zh-CN"/>
+              <a:t>.</a:t>
+            </a:r>
+            <a:endParaRPr lang="en-US" altLang="zh-CN"/>
+          </a:p>
+          <a:p>
+            <a:pPr marL="285750" indent="-285750">
+              <a:lnSpc>
+                <a:spcPct val="125000"/>
+              </a:lnSpc>
+              <a:spcBef>
+                <a:spcPts val="0"/>
+              </a:spcBef>
+              <a:spcAft>
+                <a:spcPts val="0"/>
+              </a:spcAft>
+              <a:buFont typeface="Arial" panose="020B0604020202020204" pitchFamily="34" charset="0"/>
+              <a:buChar char="•"/>
+            </a:pPr>
+            <a:r>
+              <a:rPr lang="en-US" altLang="zh-CN"/>
+              <a:t>In many physical systems, noise is </a:t>
+            </a:r>
+            <a:r>
+              <a:rPr lang="en-US" altLang="zh-CN" b="1">
+                <a:solidFill>
+                  <a:srgbClr val="FF0000"/>
+                </a:solidFill>
+              </a:rPr>
+              <a:t>asymmetrical</a:t>
+            </a:r>
+            <a:r>
+              <a:rPr lang="en-US" altLang="zh-CN"/>
+              <a:t> (fluxonium、quantum-dot spin qubits、nuclear spins in diamond).</a:t>
+            </a:r>
+            <a:endParaRPr lang="en-US" altLang="zh-CN"/>
+          </a:p>
+          <a:p>
+            <a:pPr marL="285750" indent="-285750">
+              <a:lnSpc>
+                <a:spcPct val="125000"/>
+              </a:lnSpc>
+              <a:spcBef>
+                <a:spcPts val="0"/>
+              </a:spcBef>
+              <a:spcAft>
+                <a:spcPts val="0"/>
+              </a:spcAft>
+              <a:buFont typeface="Arial" panose="020B0604020202020204" pitchFamily="34" charset="0"/>
+              <a:buChar char="•"/>
+            </a:pPr>
+            <a:r>
+              <a:rPr lang="en-US" altLang="zh-CN"/>
+              <a:t>In the asymmetric noise system, it is better to design QEC strategies </a:t>
+            </a:r>
+            <a:r>
+              <a:rPr lang="en-US" altLang="zh-CN">
+                <a:sym typeface="+mn-ea"/>
+              </a:rPr>
+              <a:t>aimed to suppress the dominant error </a:t>
+            </a:r>
+            <a:r>
+              <a:rPr lang="en-US" altLang="zh-CN"/>
+              <a:t>with </a:t>
+            </a:r>
+            <a:r>
+              <a:rPr lang="en-US" altLang="zh-CN" b="1">
+                <a:solidFill>
+                  <a:srgbClr val="FF0000"/>
+                </a:solidFill>
+              </a:rPr>
+              <a:t>lower overhead</a:t>
+            </a:r>
+            <a:r>
+              <a:rPr lang="en-US" altLang="zh-CN"/>
+              <a:t>. </a:t>
+            </a:r>
+            <a:endParaRPr lang="en-US" altLang="zh-CN"/>
+          </a:p>
+        </p:txBody>
+      </p:sp>
     </p:spTree>
   </p:cSld>
   <p:clrMapOvr>
@@ -4594,14 +6206,241 @@
       </p:grpSpPr>
       <p:sp>
         <p:nvSpPr>
+          <p:cNvPr id="5" name="标题 1"/>
+          <p:cNvSpPr txBox="1"/>
+          <p:nvPr/>
+        </p:nvSpPr>
+        <p:spPr>
+          <a:xfrm>
+            <a:off x="1858577" y="197440"/>
+            <a:ext cx="5426846" cy="493394"/>
+          </a:xfrm>
+          <a:prstGeom prst="rect">
+            <a:avLst/>
+          </a:prstGeom>
+          <a:gradFill>
+            <a:gsLst>
+              <a:gs pos="19000">
+                <a:srgbClr val="FE4444"/>
+              </a:gs>
+              <a:gs pos="57000">
+                <a:srgbClr val="832B2B"/>
+              </a:gs>
+            </a:gsLst>
+            <a:lin ang="5400000" scaled="0"/>
+          </a:gradFill>
+        </p:spPr>
+        <p:txBody>
+          <a:bodyPr anchor="ctr" anchorCtr="0"/>
+          <a:lstStyle>
+            <a:lvl1pPr algn="l" defTabSz="914400" rtl="0" eaLnBrk="1" latinLnBrk="0" hangingPunct="1">
+              <a:lnSpc>
+                <a:spcPct val="90000"/>
+              </a:lnSpc>
+              <a:spcBef>
+                <a:spcPct val="0"/>
+              </a:spcBef>
+              <a:buNone/>
+              <a:defRPr sz="4400" kern="1200">
+                <a:solidFill>
+                  <a:schemeClr val="tx1"/>
+                </a:solidFill>
+                <a:latin typeface="+mj-lt"/>
+                <a:ea typeface="+mj-ea"/>
+                <a:cs typeface="+mj-cs"/>
+              </a:defRPr>
+            </a:lvl1pPr>
+          </a:lstStyle>
+          <a:p>
+            <a:pPr marL="0" marR="0" lvl="0" indent="0" algn="ctr" defTabSz="914400" rtl="0" eaLnBrk="1" fontAlgn="auto" latinLnBrk="0" hangingPunct="1">
+              <a:lnSpc>
+                <a:spcPct val="100000"/>
+              </a:lnSpc>
+              <a:spcBef>
+                <a:spcPts val="0"/>
+              </a:spcBef>
+              <a:spcAft>
+                <a:spcPts val="0"/>
+              </a:spcAft>
+              <a:buClrTx/>
+              <a:buSzTx/>
+              <a:buFontTx/>
+              <a:buNone/>
+              <a:defRPr/>
+            </a:pPr>
+            <a:r>
+              <a:rPr kumimoji="0" lang="en-US" altLang="zh-CN" sz="2800" b="0" i="0" u="none" strike="noStrike" kern="1200" cap="none" spc="0" normalizeH="0" baseline="0" noProof="0" dirty="0">
+                <a:ln>
+                  <a:noFill/>
+                </a:ln>
+                <a:solidFill>
+                  <a:prstClr val="white"/>
+                </a:solidFill>
+                <a:effectLst/>
+                <a:uLnTx/>
+                <a:uFillTx/>
+                <a:latin typeface="微软雅黑" panose="020B0503020204020204" charset="-122"/>
+                <a:ea typeface="微软雅黑" panose="020B0503020204020204" charset="-122"/>
+                <a:cs typeface="+mj-cs"/>
+              </a:rPr>
+              <a:t>Bias-noise</a:t>
+            </a:r>
+            <a:endParaRPr kumimoji="0" lang="en-US" altLang="zh-CN" sz="2800" b="0" i="0" u="none" strike="noStrike" kern="1200" cap="none" spc="0" normalizeH="0" baseline="0" noProof="0" dirty="0">
+              <a:ln>
+                <a:noFill/>
+              </a:ln>
+              <a:solidFill>
+                <a:prstClr val="white"/>
+              </a:solidFill>
+              <a:effectLst/>
+              <a:uLnTx/>
+              <a:uFillTx/>
+              <a:latin typeface="微软雅黑" panose="020B0503020204020204" charset="-122"/>
+              <a:ea typeface="微软雅黑" panose="020B0503020204020204" charset="-122"/>
+              <a:cs typeface="+mj-cs"/>
+            </a:endParaRPr>
+          </a:p>
+        </p:txBody>
+      </p:sp>
+      <p:cxnSp>
+        <p:nvCxnSpPr>
+          <p:cNvPr id="6" name="直接连接符 5"/>
+          <p:cNvCxnSpPr>
+            <a:endCxn id="5" idx="1"/>
+          </p:cNvCxnSpPr>
+          <p:nvPr/>
+        </p:nvCxnSpPr>
+        <p:spPr>
+          <a:xfrm>
+            <a:off x="0" y="444137"/>
+            <a:ext cx="1858577" cy="0"/>
+          </a:xfrm>
+          <a:prstGeom prst="line">
+            <a:avLst/>
+          </a:prstGeom>
+          <a:ln w="25400">
+            <a:solidFill>
+              <a:srgbClr val="C00000"/>
+            </a:solidFill>
+          </a:ln>
+        </p:spPr>
+        <p:style>
+          <a:lnRef idx="1">
+            <a:schemeClr val="accent1"/>
+          </a:lnRef>
+          <a:fillRef idx="0">
+            <a:schemeClr val="accent1"/>
+          </a:fillRef>
+          <a:effectRef idx="0">
+            <a:schemeClr val="accent1"/>
+          </a:effectRef>
+          <a:fontRef idx="minor">
+            <a:schemeClr val="tx1"/>
+          </a:fontRef>
+        </p:style>
+      </p:cxnSp>
+      <p:cxnSp>
+        <p:nvCxnSpPr>
+          <p:cNvPr id="7" name="直接连接符 6"/>
+          <p:cNvCxnSpPr>
+            <a:stCxn id="5" idx="3"/>
+          </p:cNvCxnSpPr>
+          <p:nvPr/>
+        </p:nvCxnSpPr>
+        <p:spPr>
+          <a:xfrm>
+            <a:off x="7285423" y="444137"/>
+            <a:ext cx="1858577" cy="1"/>
+          </a:xfrm>
+          <a:prstGeom prst="line">
+            <a:avLst/>
+          </a:prstGeom>
+          <a:ln w="25400">
+            <a:solidFill>
+              <a:srgbClr val="C00000"/>
+            </a:solidFill>
+          </a:ln>
+        </p:spPr>
+        <p:style>
+          <a:lnRef idx="1">
+            <a:schemeClr val="accent1"/>
+          </a:lnRef>
+          <a:fillRef idx="0">
+            <a:schemeClr val="accent1"/>
+          </a:fillRef>
+          <a:effectRef idx="0">
+            <a:schemeClr val="accent1"/>
+          </a:effectRef>
+          <a:fontRef idx="minor">
+            <a:schemeClr val="tx1"/>
+          </a:fontRef>
+        </p:style>
+      </p:cxnSp>
+      <p:sp>
+        <p:nvSpPr>
+          <p:cNvPr id="12" name="矩形 11"/>
+          <p:cNvSpPr/>
+          <p:nvPr/>
+        </p:nvSpPr>
+        <p:spPr>
+          <a:xfrm>
+            <a:off x="609600" y="814070"/>
+            <a:ext cx="3412490" cy="521970"/>
+          </a:xfrm>
+          <a:prstGeom prst="rect">
+            <a:avLst/>
+          </a:prstGeom>
+          <a:noFill/>
+          <a:ln>
+            <a:noFill/>
+          </a:ln>
+        </p:spPr>
+        <p:txBody>
+          <a:bodyPr wrap="square" rtlCol="0" anchor="t">
+            <a:spAutoFit/>
+          </a:bodyPr>
+          <a:p>
+            <a:pPr algn="l"/>
+            <a:r>
+              <a:rPr lang="en-US" altLang="zh-CN" sz="2800">
+                <a:solidFill>
+                  <a:srgbClr val="FF0000"/>
+                </a:solidFill>
+                <a:effectLst>
+                  <a:outerShdw blurRad="38100" dist="19050" dir="2700000" algn="tl" rotWithShape="0">
+                    <a:schemeClr val="dk1">
+                      <a:alpha val="40000"/>
+                    </a:schemeClr>
+                  </a:outerShdw>
+                </a:effectLst>
+              </a:rPr>
+              <a:t>Current Problems</a:t>
+            </a:r>
+            <a:endParaRPr lang="en-US" altLang="zh-CN" sz="2800">
+              <a:solidFill>
+                <a:srgbClr val="FF0000"/>
+              </a:solidFill>
+              <a:effectLst>
+                <a:outerShdw blurRad="38100" dist="19050" dir="2700000" algn="tl" rotWithShape="0">
+                  <a:schemeClr val="dk1">
+                    <a:alpha val="40000"/>
+                  </a:schemeClr>
+                </a:outerShdw>
+              </a:effectLst>
+            </a:endParaRPr>
+          </a:p>
+        </p:txBody>
+      </p:sp>
+      <p:sp>
+        <p:nvSpPr>
           <p:cNvPr id="3" name="文本框 2"/>
           <p:cNvSpPr txBox="1"/>
           <p:nvPr/>
         </p:nvSpPr>
         <p:spPr>
           <a:xfrm>
-            <a:off x="471080" y="1874006"/>
-            <a:ext cx="7916091" cy="1323439"/>
+            <a:off x="1112520" y="1287780"/>
+            <a:ext cx="6748780" cy="2168525"/>
           </a:xfrm>
           <a:prstGeom prst="rect">
             <a:avLst/>
@@ -4612,26 +6451,57 @@
           <a:bodyPr wrap="square" rtlCol="0">
             <a:spAutoFit/>
           </a:bodyPr>
-          <a:lstStyle/>
-          <a:p>
-            <a:pPr algn="ctr"/>
-            <a:r>
-              <a:rPr lang="en-US" altLang="zh-CN" sz="8000" b="1" dirty="0">
+          <a:p>
+            <a:pPr marL="285750" indent="-285750">
+              <a:lnSpc>
+                <a:spcPct val="125000"/>
+              </a:lnSpc>
+              <a:spcBef>
+                <a:spcPts val="0"/>
+              </a:spcBef>
+              <a:spcAft>
+                <a:spcPts val="0"/>
+              </a:spcAft>
+              <a:buFont typeface="Arial" panose="020B0604020202020204" pitchFamily="34" charset="0"/>
+              <a:buChar char="•"/>
+            </a:pPr>
+            <a:r>
+              <a:rPr lang="en-US" altLang="zh-CN"/>
+              <a:t>There has a surface code tailored to biased Z channel noise. However, this approach is very limited beacuse the qubit could not be protected if the gate, such as X and Y, is </a:t>
+            </a:r>
+            <a:r>
+              <a:rPr lang="en-US" altLang="zh-CN" b="1">
                 <a:solidFill>
-                  <a:schemeClr val="bg1"/>
+                  <a:srgbClr val="FF0000"/>
                 </a:solidFill>
-                <a:latin typeface="隶书" panose="02010509060101010101" pitchFamily="49" charset="-122"/>
-                <a:ea typeface="隶书" panose="02010509060101010101" pitchFamily="49" charset="-122"/>
               </a:rPr>
-              <a:t>Thank you!</a:t>
-            </a:r>
-            <a:endParaRPr lang="zh-CN" altLang="en-US" sz="8000" b="1" dirty="0">
-              <a:solidFill>
-                <a:schemeClr val="bg1"/>
-              </a:solidFill>
-              <a:latin typeface="隶书" panose="02010509060101010101" pitchFamily="49" charset="-122"/>
-              <a:ea typeface="隶书" panose="02010509060101010101" pitchFamily="49" charset="-122"/>
-            </a:endParaRPr>
+              <a:t>not commuted</a:t>
+            </a:r>
+            <a:r>
+              <a:rPr lang="en-US" altLang="zh-CN"/>
+              <a:t> with biased noise channel.</a:t>
+            </a:r>
+            <a:endParaRPr lang="en-US" altLang="zh-CN"/>
+          </a:p>
+          <a:p>
+            <a:pPr marL="285750" indent="-285750">
+              <a:lnSpc>
+                <a:spcPct val="125000"/>
+              </a:lnSpc>
+              <a:spcBef>
+                <a:spcPts val="0"/>
+              </a:spcBef>
+              <a:spcAft>
+                <a:spcPts val="0"/>
+              </a:spcAft>
+              <a:buFont typeface="Arial" panose="020B0604020202020204" pitchFamily="34" charset="0"/>
+              <a:buChar char="•"/>
+            </a:pPr>
+            <a:r>
+              <a:rPr lang="en-US" altLang="zh-CN"/>
+              <a:t>QEC with noise-biased channel is impossible in a native two-level system.</a:t>
+            </a:r>
+            <a:endParaRPr lang="en-US" altLang="zh-CN"/>
           </a:p>
         </p:txBody>
       </p:sp>
@@ -4643,84 +6513,2095 @@
         </p:nvSpPr>
         <p:spPr>
           <a:xfrm>
-            <a:off x="2102168" y="4079540"/>
-            <a:ext cx="4939665" cy="1614805"/>
+            <a:off x="609600" y="3427730"/>
+            <a:ext cx="7437755" cy="521970"/>
           </a:xfrm>
           <a:prstGeom prst="rect">
             <a:avLst/>
           </a:prstGeom>
+          <a:noFill/>
+          <a:ln>
+            <a:noFill/>
+          </a:ln>
         </p:spPr>
         <p:txBody>
-          <a:bodyPr wrap="none">
+          <a:bodyPr wrap="square" rtlCol="0" anchor="t">
             <a:spAutoFit/>
           </a:bodyPr>
           <a:p>
-            <a:pPr algn="ctr">
-              <a:lnSpc>
-                <a:spcPct val="150000"/>
-              </a:lnSpc>
-            </a:pPr>
-            <a:r>
-              <a:rPr lang="en-US" altLang="zh-CN" sz="2200" b="1" dirty="0">
+            <a:pPr algn="l"/>
+            <a:r>
+              <a:rPr lang="en-US" altLang="zh-CN" sz="2800">
                 <a:solidFill>
-                  <a:srgbClr val="B83314"/>
+                  <a:srgbClr val="FF0000"/>
                 </a:solidFill>
+                <a:effectLst>
+                  <a:outerShdw blurRad="38100" dist="19050" dir="2700000" algn="tl" rotWithShape="0">
+                    <a:schemeClr val="dk1">
+                      <a:alpha val="40000"/>
+                    </a:schemeClr>
+                  </a:outerShdw>
+                </a:effectLst>
               </a:rPr>
-              <a:t>Reporter: Ke-hui Yu</a:t>
-            </a:r>
-            <a:endParaRPr lang="en-US" altLang="zh-CN" sz="2200" b="1" dirty="0">
+              <a:t>What can we do for these problems ?</a:t>
+            </a:r>
+            <a:endParaRPr lang="en-US" altLang="zh-CN" sz="2800">
               <a:solidFill>
-                <a:srgbClr val="B83314"/>
+                <a:srgbClr val="FF0000"/>
               </a:solidFill>
-            </a:endParaRPr>
-          </a:p>
-          <a:p>
-            <a:pPr algn="ctr">
-              <a:lnSpc>
-                <a:spcPct val="150000"/>
-              </a:lnSpc>
-            </a:pPr>
-            <a:r>
-              <a:rPr lang="en-US" altLang="zh-CN" sz="2200" b="1" dirty="0">
-                <a:solidFill>
-                  <a:srgbClr val="B83314"/>
-                </a:solidFill>
-              </a:rPr>
-              <a:t>Mentors: Hong-rong Li, Xin Wang</a:t>
-            </a:r>
-            <a:endParaRPr lang="en-US" altLang="zh-CN" sz="2200" b="1" dirty="0">
-              <a:solidFill>
-                <a:srgbClr val="B83314"/>
-              </a:solidFill>
-            </a:endParaRPr>
-          </a:p>
-          <a:p>
-            <a:pPr algn="ctr">
-              <a:lnSpc>
-                <a:spcPct val="150000"/>
-              </a:lnSpc>
-            </a:pPr>
-            <a:r>
-              <a:rPr lang="en-US" sz="2200" b="1" dirty="0">
-                <a:solidFill>
-                  <a:srgbClr val="B83314"/>
-                </a:solidFill>
-              </a:rPr>
-              <a:t>Sep. 2021</a:t>
-            </a:r>
-            <a:endParaRPr lang="en-US" sz="2200" b="1" dirty="0">
-              <a:solidFill>
-                <a:srgbClr val="B83314"/>
-              </a:solidFill>
+              <a:effectLst>
+                <a:outerShdw blurRad="38100" dist="19050" dir="2700000" algn="tl" rotWithShape="0">
+                  <a:schemeClr val="dk1">
+                    <a:alpha val="40000"/>
+                  </a:schemeClr>
+                </a:outerShdw>
+              </a:effectLst>
             </a:endParaRPr>
           </a:p>
         </p:txBody>
       </p:sp>
+      <p:sp>
+        <p:nvSpPr>
+          <p:cNvPr id="9" name="文本框 8"/>
+          <p:cNvSpPr txBox="1"/>
+          <p:nvPr/>
+        </p:nvSpPr>
+        <p:spPr>
+          <a:xfrm>
+            <a:off x="845185" y="3952240"/>
+            <a:ext cx="7385050" cy="645160"/>
+          </a:xfrm>
+          <a:prstGeom prst="rect">
+            <a:avLst/>
+          </a:prstGeom>
+          <a:noFill/>
+        </p:spPr>
+        <p:txBody>
+          <a:bodyPr wrap="square" rtlCol="0">
+            <a:spAutoFit/>
+          </a:bodyPr>
+          <a:p>
+            <a:pPr indent="0">
+              <a:buNone/>
+            </a:pPr>
+            <a:r>
+              <a:rPr lang="zh-CN" altLang="en-US"/>
+              <a:t>In order to take advantage of </a:t>
+            </a:r>
+            <a:r>
+              <a:rPr lang="en-US" altLang="zh-CN"/>
+              <a:t>biased noise</a:t>
+            </a:r>
+            <a:r>
+              <a:rPr lang="zh-CN" altLang="en-US"/>
+              <a:t>, we need something </a:t>
+            </a:r>
+            <a:r>
+              <a:rPr lang="en-US" altLang="zh-CN"/>
+              <a:t>that acting all universal gate sets in this biased channel.</a:t>
+            </a:r>
+            <a:endParaRPr lang="en-US" altLang="zh-CN"/>
+          </a:p>
+        </p:txBody>
+      </p:sp>
+      <p:sp>
+        <p:nvSpPr>
+          <p:cNvPr id="10" name="矩形 9"/>
+          <p:cNvSpPr/>
+          <p:nvPr/>
+        </p:nvSpPr>
+        <p:spPr>
+          <a:xfrm>
+            <a:off x="2950845" y="4942205"/>
+            <a:ext cx="3285490" cy="1076325"/>
+          </a:xfrm>
+          <a:prstGeom prst="rect">
+            <a:avLst/>
+          </a:prstGeom>
+          <a:noFill/>
+          <a:ln>
+            <a:noFill/>
+          </a:ln>
+        </p:spPr>
+        <p:txBody>
+          <a:bodyPr wrap="none" rtlCol="0" anchor="t">
+            <a:spAutoFit/>
+          </a:bodyPr>
+          <a:p>
+            <a:pPr algn="ctr"/>
+            <a:r>
+              <a:rPr lang="en-US" altLang="zh-CN" sz="2800" b="1">
+                <a:ln/>
+                <a:gradFill>
+                  <a:gsLst>
+                    <a:gs pos="0">
+                      <a:schemeClr val="accent5">
+                        <a:lumMod val="50000"/>
+                      </a:schemeClr>
+                    </a:gs>
+                    <a:gs pos="50000">
+                      <a:schemeClr val="accent5"/>
+                    </a:gs>
+                    <a:gs pos="100000">
+                      <a:schemeClr val="accent5">
+                        <a:lumMod val="60000"/>
+                        <a:lumOff val="40000"/>
+                      </a:schemeClr>
+                    </a:gs>
+                  </a:gsLst>
+                  <a:lin ang="5400000"/>
+                </a:gradFill>
+                <a:effectLst>
+                  <a:reflection blurRad="6350" stA="53000" endA="300" endPos="35500" dir="5400000" sy="-90000" algn="bl" rotWithShape="0"/>
+                </a:effectLst>
+              </a:rPr>
+              <a:t>A better choice is</a:t>
+            </a:r>
+            <a:endParaRPr lang="en-US" altLang="zh-CN" sz="2800" b="1">
+              <a:ln/>
+              <a:gradFill>
+                <a:gsLst>
+                  <a:gs pos="0">
+                    <a:schemeClr val="accent5">
+                      <a:lumMod val="50000"/>
+                    </a:schemeClr>
+                  </a:gs>
+                  <a:gs pos="50000">
+                    <a:schemeClr val="accent5"/>
+                  </a:gs>
+                  <a:gs pos="100000">
+                    <a:schemeClr val="accent5">
+                      <a:lumMod val="60000"/>
+                      <a:lumOff val="40000"/>
+                    </a:schemeClr>
+                  </a:gs>
+                </a:gsLst>
+                <a:lin ang="5400000"/>
+              </a:gradFill>
+              <a:effectLst>
+                <a:reflection blurRad="6350" stA="53000" endA="300" endPos="35500" dir="5400000" sy="-90000" algn="bl" rotWithShape="0"/>
+              </a:effectLst>
+            </a:endParaRPr>
+          </a:p>
+          <a:p>
+            <a:pPr algn="ctr"/>
+            <a:r>
+              <a:rPr lang="en-US" altLang="zh-CN" sz="3600" b="1">
+                <a:ln/>
+                <a:solidFill>
+                  <a:schemeClr val="tx1"/>
+                </a:solidFill>
+                <a:effectLst>
+                  <a:outerShdw blurRad="38100" dist="19050" dir="2700000" algn="tl" rotWithShape="0">
+                    <a:schemeClr val="dk1">
+                      <a:alpha val="40000"/>
+                    </a:schemeClr>
+                  </a:outerShdw>
+                </a:effectLst>
+              </a:rPr>
+              <a:t>Cat qubit</a:t>
+            </a:r>
+            <a:endParaRPr lang="en-US" altLang="zh-CN" sz="3600" b="1">
+              <a:ln/>
+              <a:solidFill>
+                <a:schemeClr val="tx1"/>
+              </a:solidFill>
+              <a:effectLst>
+                <a:outerShdw blurRad="38100" dist="19050" dir="2700000" algn="tl" rotWithShape="0">
+                  <a:schemeClr val="dk1">
+                    <a:alpha val="40000"/>
+                  </a:schemeClr>
+                </a:outerShdw>
+              </a:effectLst>
+            </a:endParaRPr>
+          </a:p>
+        </p:txBody>
+      </p:sp>
+      <p:pic>
+        <p:nvPicPr>
+          <p:cNvPr id="11" name="图片 10" descr="death_cat"/>
+          <p:cNvPicPr>
+            <a:picLocks noChangeAspect="1"/>
+          </p:cNvPicPr>
+          <p:nvPr/>
+        </p:nvPicPr>
+        <p:blipFill>
+          <a:blip r:embed="rId1"/>
+          <a:stretch>
+            <a:fillRect/>
+          </a:stretch>
+        </p:blipFill>
+        <p:spPr>
+          <a:xfrm>
+            <a:off x="426720" y="4648835"/>
+            <a:ext cx="2105660" cy="1918335"/>
+          </a:xfrm>
+          <a:prstGeom prst="rect">
+            <a:avLst/>
+          </a:prstGeom>
+        </p:spPr>
+      </p:pic>
+      <p:pic>
+        <p:nvPicPr>
+          <p:cNvPr id="13" name="图片 12" descr="living_cat"/>
+          <p:cNvPicPr>
+            <a:picLocks noChangeAspect="1"/>
+          </p:cNvPicPr>
+          <p:nvPr/>
+        </p:nvPicPr>
+        <p:blipFill>
+          <a:blip r:embed="rId2"/>
+          <a:stretch>
+            <a:fillRect/>
+          </a:stretch>
+        </p:blipFill>
+        <p:spPr>
+          <a:xfrm>
+            <a:off x="6654800" y="4649470"/>
+            <a:ext cx="2104390" cy="1917700"/>
+          </a:xfrm>
+          <a:prstGeom prst="rect">
+            <a:avLst/>
+          </a:prstGeom>
+        </p:spPr>
+      </p:pic>
     </p:spTree>
   </p:cSld>
   <p:clrMapOvr>
     <a:masterClrMapping/>
   </p:clrMapOvr>
+  <p:timing>
+    <p:tnLst>
+      <p:par>
+        <p:cTn id="1" dur="indefinite" restart="never" nodeType="tmRoot">
+          <p:childTnLst>
+            <p:seq concurrent="1" nextAc="seek">
+              <p:cTn id="2" dur="indefinite" nodeType="mainSeq">
+                <p:childTnLst>
+                  <p:par>
+                    <p:cTn id="3" fill="hold">
+                      <p:stCondLst>
+                        <p:cond delay="indefinite"/>
+                      </p:stCondLst>
+                      <p:childTnLst>
+                        <p:par>
+                          <p:cTn id="4" fill="hold">
+                            <p:stCondLst>
+                              <p:cond delay="0"/>
+                            </p:stCondLst>
+                            <p:childTnLst>
+                              <p:par>
+                                <p:cTn id="5" presetID="2" presetClass="entr" presetSubtype="8" fill="hold" grpId="0" nodeType="clickEffect">
+                                  <p:stCondLst>
+                                    <p:cond delay="0"/>
+                                  </p:stCondLst>
+                                  <p:childTnLst>
+                                    <p:set>
+                                      <p:cBhvr>
+                                        <p:cTn id="6" dur="1" fill="hold">
+                                          <p:stCondLst>
+                                            <p:cond delay="0"/>
+                                          </p:stCondLst>
+                                        </p:cTn>
+                                        <p:tgtEl>
+                                          <p:spTgt spid="2"/>
+                                        </p:tgtEl>
+                                        <p:attrNameLst>
+                                          <p:attrName>style.visibility</p:attrName>
+                                        </p:attrNameLst>
+                                      </p:cBhvr>
+                                      <p:to>
+                                        <p:strVal val="visible"/>
+                                      </p:to>
+                                    </p:set>
+                                    <p:anim calcmode="lin" valueType="num">
+                                      <p:cBhvr additive="base">
+                                        <p:cTn id="7" dur="500" fill="hold"/>
+                                        <p:tgtEl>
+                                          <p:spTgt spid="2"/>
+                                        </p:tgtEl>
+                                        <p:attrNameLst>
+                                          <p:attrName>ppt_x</p:attrName>
+                                        </p:attrNameLst>
+                                      </p:cBhvr>
+                                      <p:tavLst>
+                                        <p:tav tm="0">
+                                          <p:val>
+                                            <p:strVal val="0-#ppt_w/2"/>
+                                          </p:val>
+                                        </p:tav>
+                                        <p:tav tm="100000">
+                                          <p:val>
+                                            <p:strVal val="#ppt_x"/>
+                                          </p:val>
+                                        </p:tav>
+                                      </p:tavLst>
+                                    </p:anim>
+                                    <p:anim calcmode="lin" valueType="num">
+                                      <p:cBhvr additive="base">
+                                        <p:cTn id="8" dur="500" fill="hold"/>
+                                        <p:tgtEl>
+                                          <p:spTgt spid="2"/>
+                                        </p:tgtEl>
+                                        <p:attrNameLst>
+                                          <p:attrName>ppt_y</p:attrName>
+                                        </p:attrNameLst>
+                                      </p:cBhvr>
+                                      <p:tavLst>
+                                        <p:tav tm="0">
+                                          <p:val>
+                                            <p:strVal val="#ppt_y"/>
+                                          </p:val>
+                                        </p:tav>
+                                        <p:tav tm="100000">
+                                          <p:val>
+                                            <p:strVal val="#ppt_y"/>
+                                          </p:val>
+                                        </p:tav>
+                                      </p:tavLst>
+                                    </p:anim>
+                                  </p:childTnLst>
+                                </p:cTn>
+                              </p:par>
+                            </p:childTnLst>
+                          </p:cTn>
+                        </p:par>
+                      </p:childTnLst>
+                    </p:cTn>
+                  </p:par>
+                  <p:par>
+                    <p:cTn id="9" fill="hold">
+                      <p:stCondLst>
+                        <p:cond delay="indefinite"/>
+                      </p:stCondLst>
+                      <p:childTnLst>
+                        <p:par>
+                          <p:cTn id="10" fill="hold">
+                            <p:stCondLst>
+                              <p:cond delay="0"/>
+                            </p:stCondLst>
+                            <p:childTnLst>
+                              <p:par>
+                                <p:cTn id="11" presetID="2" presetClass="entr" presetSubtype="2" fill="hold" grpId="0" nodeType="clickEffect">
+                                  <p:stCondLst>
+                                    <p:cond delay="0"/>
+                                  </p:stCondLst>
+                                  <p:childTnLst>
+                                    <p:set>
+                                      <p:cBhvr>
+                                        <p:cTn id="12" dur="1" fill="hold">
+                                          <p:stCondLst>
+                                            <p:cond delay="0"/>
+                                          </p:stCondLst>
+                                        </p:cTn>
+                                        <p:tgtEl>
+                                          <p:spTgt spid="9"/>
+                                        </p:tgtEl>
+                                        <p:attrNameLst>
+                                          <p:attrName>style.visibility</p:attrName>
+                                        </p:attrNameLst>
+                                      </p:cBhvr>
+                                      <p:to>
+                                        <p:strVal val="visible"/>
+                                      </p:to>
+                                    </p:set>
+                                    <p:anim calcmode="lin" valueType="num">
+                                      <p:cBhvr additive="base">
+                                        <p:cTn id="13" dur="500" fill="hold"/>
+                                        <p:tgtEl>
+                                          <p:spTgt spid="9"/>
+                                        </p:tgtEl>
+                                        <p:attrNameLst>
+                                          <p:attrName>ppt_x</p:attrName>
+                                        </p:attrNameLst>
+                                      </p:cBhvr>
+                                      <p:tavLst>
+                                        <p:tav tm="0">
+                                          <p:val>
+                                            <p:strVal val="1+#ppt_w/2"/>
+                                          </p:val>
+                                        </p:tav>
+                                        <p:tav tm="100000">
+                                          <p:val>
+                                            <p:strVal val="#ppt_x"/>
+                                          </p:val>
+                                        </p:tav>
+                                      </p:tavLst>
+                                    </p:anim>
+                                    <p:anim calcmode="lin" valueType="num">
+                                      <p:cBhvr additive="base">
+                                        <p:cTn id="14" dur="500" fill="hold"/>
+                                        <p:tgtEl>
+                                          <p:spTgt spid="9"/>
+                                        </p:tgtEl>
+                                        <p:attrNameLst>
+                                          <p:attrName>ppt_y</p:attrName>
+                                        </p:attrNameLst>
+                                      </p:cBhvr>
+                                      <p:tavLst>
+                                        <p:tav tm="0">
+                                          <p:val>
+                                            <p:strVal val="#ppt_y"/>
+                                          </p:val>
+                                        </p:tav>
+                                        <p:tav tm="100000">
+                                          <p:val>
+                                            <p:strVal val="#ppt_y"/>
+                                          </p:val>
+                                        </p:tav>
+                                      </p:tavLst>
+                                    </p:anim>
+                                  </p:childTnLst>
+                                </p:cTn>
+                              </p:par>
+                            </p:childTnLst>
+                          </p:cTn>
+                        </p:par>
+                      </p:childTnLst>
+                    </p:cTn>
+                  </p:par>
+                  <p:par>
+                    <p:cTn id="15" fill="hold">
+                      <p:stCondLst>
+                        <p:cond delay="indefinite"/>
+                      </p:stCondLst>
+                      <p:childTnLst>
+                        <p:par>
+                          <p:cTn id="16" fill="hold">
+                            <p:stCondLst>
+                              <p:cond delay="0"/>
+                            </p:stCondLst>
+                            <p:childTnLst>
+                              <p:par>
+                                <p:cTn id="17" presetID="3" presetClass="entr" presetSubtype="10" fill="hold" grpId="0" nodeType="clickEffect">
+                                  <p:stCondLst>
+                                    <p:cond delay="0"/>
+                                  </p:stCondLst>
+                                  <p:childTnLst>
+                                    <p:set>
+                                      <p:cBhvr>
+                                        <p:cTn id="18" dur="1" fill="hold">
+                                          <p:stCondLst>
+                                            <p:cond delay="0"/>
+                                          </p:stCondLst>
+                                        </p:cTn>
+                                        <p:tgtEl>
+                                          <p:spTgt spid="10"/>
+                                        </p:tgtEl>
+                                        <p:attrNameLst>
+                                          <p:attrName>style.visibility</p:attrName>
+                                        </p:attrNameLst>
+                                      </p:cBhvr>
+                                      <p:to>
+                                        <p:strVal val="visible"/>
+                                      </p:to>
+                                    </p:set>
+                                    <p:animEffect transition="in" filter="blinds(horizontal)">
+                                      <p:cBhvr>
+                                        <p:cTn id="19" dur="500"/>
+                                        <p:tgtEl>
+                                          <p:spTgt spid="10"/>
+                                        </p:tgtEl>
+                                      </p:cBhvr>
+                                    </p:animEffect>
+                                  </p:childTnLst>
+                                </p:cTn>
+                              </p:par>
+                              <p:par>
+                                <p:cTn id="20" presetID="3" presetClass="entr" presetSubtype="10" fill="hold" nodeType="withEffect">
+                                  <p:stCondLst>
+                                    <p:cond delay="0"/>
+                                  </p:stCondLst>
+                                  <p:childTnLst>
+                                    <p:set>
+                                      <p:cBhvr>
+                                        <p:cTn id="21" dur="1" fill="hold">
+                                          <p:stCondLst>
+                                            <p:cond delay="0"/>
+                                          </p:stCondLst>
+                                        </p:cTn>
+                                        <p:tgtEl>
+                                          <p:spTgt spid="11"/>
+                                        </p:tgtEl>
+                                        <p:attrNameLst>
+                                          <p:attrName>style.visibility</p:attrName>
+                                        </p:attrNameLst>
+                                      </p:cBhvr>
+                                      <p:to>
+                                        <p:strVal val="visible"/>
+                                      </p:to>
+                                    </p:set>
+                                    <p:animEffect transition="in" filter="blinds(horizontal)">
+                                      <p:cBhvr>
+                                        <p:cTn id="22" dur="500"/>
+                                        <p:tgtEl>
+                                          <p:spTgt spid="11"/>
+                                        </p:tgtEl>
+                                      </p:cBhvr>
+                                    </p:animEffect>
+                                  </p:childTnLst>
+                                </p:cTn>
+                              </p:par>
+                              <p:par>
+                                <p:cTn id="23" presetID="3" presetClass="entr" presetSubtype="10" fill="hold" nodeType="withEffect">
+                                  <p:stCondLst>
+                                    <p:cond delay="0"/>
+                                  </p:stCondLst>
+                                  <p:childTnLst>
+                                    <p:set>
+                                      <p:cBhvr>
+                                        <p:cTn id="24" dur="1" fill="hold">
+                                          <p:stCondLst>
+                                            <p:cond delay="0"/>
+                                          </p:stCondLst>
+                                        </p:cTn>
+                                        <p:tgtEl>
+                                          <p:spTgt spid="13"/>
+                                        </p:tgtEl>
+                                        <p:attrNameLst>
+                                          <p:attrName>style.visibility</p:attrName>
+                                        </p:attrNameLst>
+                                      </p:cBhvr>
+                                      <p:to>
+                                        <p:strVal val="visible"/>
+                                      </p:to>
+                                    </p:set>
+                                    <p:animEffect transition="in" filter="blinds(horizontal)">
+                                      <p:cBhvr>
+                                        <p:cTn id="25" dur="500"/>
+                                        <p:tgtEl>
+                                          <p:spTgt spid="13"/>
+                                        </p:tgtEl>
+                                      </p:cBhvr>
+                                    </p:animEffect>
+                                  </p:childTnLst>
+                                </p:cTn>
+                              </p:par>
+                            </p:childTnLst>
+                          </p:cTn>
+                        </p:par>
+                      </p:childTnLst>
+                    </p:cTn>
+                  </p:par>
+                </p:childTnLst>
+              </p:cTn>
+              <p:prevCondLst>
+                <p:cond evt="onPrev" delay="0">
+                  <p:tgtEl>
+                    <p:sldTgt/>
+                  </p:tgtEl>
+                </p:cond>
+              </p:prevCondLst>
+              <p:nextCondLst>
+                <p:cond evt="onNext" delay="0">
+                  <p:tgtEl>
+                    <p:sldTgt/>
+                  </p:tgtEl>
+                </p:cond>
+              </p:nextCondLst>
+            </p:seq>
+          </p:childTnLst>
+        </p:cTn>
+      </p:par>
+    </p:tnLst>
+    <p:bldLst>
+      <p:bldP spid="10" grpId="0"/>
+      <p:bldP spid="10" grpId="1"/>
+      <p:bldP spid="2" grpId="0"/>
+      <p:bldP spid="2" grpId="1"/>
+      <p:bldP spid="9" grpId="0"/>
+      <p:bldP spid="9" grpId="1"/>
+    </p:bldLst>
+  </p:timing>
+</p:sld>
+</file>
+
+<file path=ppt/slides/slide8.xml><?xml version="1.0" encoding="utf-8"?>
+<p:sld xmlns:a="http://schemas.openxmlformats.org/drawingml/2006/main" xmlns:r="http://schemas.openxmlformats.org/officeDocument/2006/relationships" xmlns:p="http://schemas.openxmlformats.org/presentationml/2006/main">
+  <p:cSld>
+    <p:spTree>
+      <p:nvGrpSpPr>
+        <p:cNvPr id="1" name=""/>
+        <p:cNvGrpSpPr/>
+        <p:nvPr/>
+      </p:nvGrpSpPr>
+      <p:grpSpPr>
+        <a:xfrm>
+          <a:off x="0" y="0"/>
+          <a:ext cx="0" cy="0"/>
+          <a:chOff x="0" y="0"/>
+          <a:chExt cx="0" cy="0"/>
+        </a:xfrm>
+      </p:grpSpPr>
+      <p:sp>
+        <p:nvSpPr>
+          <p:cNvPr id="5" name="标题 1"/>
+          <p:cNvSpPr txBox="1"/>
+          <p:nvPr/>
+        </p:nvSpPr>
+        <p:spPr>
+          <a:xfrm>
+            <a:off x="1858577" y="197440"/>
+            <a:ext cx="5426846" cy="493394"/>
+          </a:xfrm>
+          <a:prstGeom prst="rect">
+            <a:avLst/>
+          </a:prstGeom>
+          <a:gradFill>
+            <a:gsLst>
+              <a:gs pos="19000">
+                <a:srgbClr val="FE4444"/>
+              </a:gs>
+              <a:gs pos="57000">
+                <a:srgbClr val="832B2B"/>
+              </a:gs>
+            </a:gsLst>
+            <a:lin ang="5400000" scaled="0"/>
+          </a:gradFill>
+        </p:spPr>
+        <p:txBody>
+          <a:bodyPr anchor="ctr" anchorCtr="0"/>
+          <a:lstStyle>
+            <a:lvl1pPr algn="l" defTabSz="914400" rtl="0" eaLnBrk="1" latinLnBrk="0" hangingPunct="1">
+              <a:lnSpc>
+                <a:spcPct val="90000"/>
+              </a:lnSpc>
+              <a:spcBef>
+                <a:spcPct val="0"/>
+              </a:spcBef>
+              <a:buNone/>
+              <a:defRPr sz="4400" kern="1200">
+                <a:solidFill>
+                  <a:schemeClr val="tx1"/>
+                </a:solidFill>
+                <a:latin typeface="+mj-lt"/>
+                <a:ea typeface="+mj-ea"/>
+                <a:cs typeface="+mj-cs"/>
+              </a:defRPr>
+            </a:lvl1pPr>
+          </a:lstStyle>
+          <a:p>
+            <a:pPr marL="0" marR="0" lvl="0" indent="0" algn="ctr" defTabSz="914400" rtl="0" eaLnBrk="1" fontAlgn="auto" latinLnBrk="0" hangingPunct="1">
+              <a:lnSpc>
+                <a:spcPct val="100000"/>
+              </a:lnSpc>
+              <a:spcBef>
+                <a:spcPts val="0"/>
+              </a:spcBef>
+              <a:spcAft>
+                <a:spcPts val="0"/>
+              </a:spcAft>
+              <a:buClrTx/>
+              <a:buSzTx/>
+              <a:buFontTx/>
+              <a:buNone/>
+              <a:defRPr/>
+            </a:pPr>
+            <a:r>
+              <a:rPr kumimoji="0" lang="en-US" altLang="zh-CN" sz="2800" b="0" i="0" u="none" strike="noStrike" kern="1200" cap="none" spc="0" normalizeH="0" baseline="0" noProof="0" dirty="0">
+                <a:ln>
+                  <a:noFill/>
+                </a:ln>
+                <a:solidFill>
+                  <a:prstClr val="white"/>
+                </a:solidFill>
+                <a:effectLst/>
+                <a:uLnTx/>
+                <a:uFillTx/>
+                <a:latin typeface="微软雅黑" panose="020B0503020204020204" charset="-122"/>
+                <a:ea typeface="微软雅黑" panose="020B0503020204020204" charset="-122"/>
+                <a:cs typeface="+mj-cs"/>
+              </a:rPr>
+              <a:t>Bias-noise</a:t>
+            </a:r>
+            <a:endParaRPr kumimoji="0" lang="en-US" altLang="zh-CN" sz="2800" b="0" i="0" u="none" strike="noStrike" kern="1200" cap="none" spc="0" normalizeH="0" baseline="0" noProof="0" dirty="0">
+              <a:ln>
+                <a:noFill/>
+              </a:ln>
+              <a:solidFill>
+                <a:prstClr val="white"/>
+              </a:solidFill>
+              <a:effectLst/>
+              <a:uLnTx/>
+              <a:uFillTx/>
+              <a:latin typeface="微软雅黑" panose="020B0503020204020204" charset="-122"/>
+              <a:ea typeface="微软雅黑" panose="020B0503020204020204" charset="-122"/>
+              <a:cs typeface="+mj-cs"/>
+            </a:endParaRPr>
+          </a:p>
+        </p:txBody>
+      </p:sp>
+      <p:cxnSp>
+        <p:nvCxnSpPr>
+          <p:cNvPr id="6" name="直接连接符 5"/>
+          <p:cNvCxnSpPr>
+            <a:endCxn id="5" idx="1"/>
+          </p:cNvCxnSpPr>
+          <p:nvPr/>
+        </p:nvCxnSpPr>
+        <p:spPr>
+          <a:xfrm>
+            <a:off x="0" y="444137"/>
+            <a:ext cx="1858577" cy="0"/>
+          </a:xfrm>
+          <a:prstGeom prst="line">
+            <a:avLst/>
+          </a:prstGeom>
+          <a:ln w="25400">
+            <a:solidFill>
+              <a:srgbClr val="C00000"/>
+            </a:solidFill>
+          </a:ln>
+        </p:spPr>
+        <p:style>
+          <a:lnRef idx="1">
+            <a:schemeClr val="accent1"/>
+          </a:lnRef>
+          <a:fillRef idx="0">
+            <a:schemeClr val="accent1"/>
+          </a:fillRef>
+          <a:effectRef idx="0">
+            <a:schemeClr val="accent1"/>
+          </a:effectRef>
+          <a:fontRef idx="minor">
+            <a:schemeClr val="tx1"/>
+          </a:fontRef>
+        </p:style>
+      </p:cxnSp>
+      <p:cxnSp>
+        <p:nvCxnSpPr>
+          <p:cNvPr id="7" name="直接连接符 6"/>
+          <p:cNvCxnSpPr>
+            <a:stCxn id="5" idx="3"/>
+          </p:cNvCxnSpPr>
+          <p:nvPr/>
+        </p:nvCxnSpPr>
+        <p:spPr>
+          <a:xfrm>
+            <a:off x="7285423" y="444137"/>
+            <a:ext cx="1858577" cy="1"/>
+          </a:xfrm>
+          <a:prstGeom prst="line">
+            <a:avLst/>
+          </a:prstGeom>
+          <a:ln w="25400">
+            <a:solidFill>
+              <a:srgbClr val="C00000"/>
+            </a:solidFill>
+          </a:ln>
+        </p:spPr>
+        <p:style>
+          <a:lnRef idx="1">
+            <a:schemeClr val="accent1"/>
+          </a:lnRef>
+          <a:fillRef idx="0">
+            <a:schemeClr val="accent1"/>
+          </a:fillRef>
+          <a:effectRef idx="0">
+            <a:schemeClr val="accent1"/>
+          </a:effectRef>
+          <a:fontRef idx="minor">
+            <a:schemeClr val="tx1"/>
+          </a:fontRef>
+        </p:style>
+      </p:cxnSp>
+      <p:sp>
+        <p:nvSpPr>
+          <p:cNvPr id="12" name="矩形 11"/>
+          <p:cNvSpPr/>
+          <p:nvPr/>
+        </p:nvSpPr>
+        <p:spPr>
+          <a:xfrm>
+            <a:off x="600710" y="959485"/>
+            <a:ext cx="7667625" cy="953135"/>
+          </a:xfrm>
+          <a:prstGeom prst="rect">
+            <a:avLst/>
+          </a:prstGeom>
+          <a:noFill/>
+          <a:ln>
+            <a:noFill/>
+          </a:ln>
+        </p:spPr>
+        <p:txBody>
+          <a:bodyPr wrap="square" rtlCol="0" anchor="t">
+            <a:spAutoFit/>
+          </a:bodyPr>
+          <a:p>
+            <a:pPr algn="l"/>
+            <a:r>
+              <a:rPr lang="en-US" altLang="zh-CN" sz="2800">
+                <a:solidFill>
+                  <a:srgbClr val="FF0000"/>
+                </a:solidFill>
+                <a:effectLst>
+                  <a:outerShdw blurRad="38100" dist="19050" dir="2700000" algn="tl" rotWithShape="0">
+                    <a:schemeClr val="dk1">
+                      <a:alpha val="40000"/>
+                    </a:schemeClr>
+                  </a:outerShdw>
+                </a:effectLst>
+              </a:rPr>
+              <a:t>Proof 1: 2-level system cannot build universal biased-preserving gate sets </a:t>
+            </a:r>
+            <a:endParaRPr lang="en-US" altLang="zh-CN" sz="2800">
+              <a:solidFill>
+                <a:srgbClr val="FF0000"/>
+              </a:solidFill>
+              <a:effectLst>
+                <a:outerShdw blurRad="38100" dist="19050" dir="2700000" algn="tl" rotWithShape="0">
+                  <a:schemeClr val="dk1">
+                    <a:alpha val="40000"/>
+                  </a:schemeClr>
+                </a:outerShdw>
+              </a:effectLst>
+            </a:endParaRPr>
+          </a:p>
+        </p:txBody>
+      </p:sp>
+      <p:sp>
+        <p:nvSpPr>
+          <p:cNvPr id="4" name="文本框 3"/>
+          <p:cNvSpPr txBox="1"/>
+          <p:nvPr/>
+        </p:nvSpPr>
+        <p:spPr>
+          <a:xfrm>
+            <a:off x="830580" y="2028825"/>
+            <a:ext cx="6454775" cy="783590"/>
+          </a:xfrm>
+          <a:prstGeom prst="rect">
+            <a:avLst/>
+          </a:prstGeom>
+          <a:noFill/>
+        </p:spPr>
+        <p:txBody>
+          <a:bodyPr wrap="square" rtlCol="0">
+            <a:spAutoFit/>
+          </a:bodyPr>
+          <a:p>
+            <a:pPr marL="285750" indent="-285750">
+              <a:lnSpc>
+                <a:spcPct val="125000"/>
+              </a:lnSpc>
+              <a:spcBef>
+                <a:spcPts val="0"/>
+              </a:spcBef>
+              <a:spcAft>
+                <a:spcPts val="0"/>
+              </a:spcAft>
+              <a:buFont typeface="Arial" panose="020B0604020202020204" pitchFamily="34" charset="0"/>
+              <a:buChar char="•"/>
+            </a:pPr>
+            <a:r>
+              <a:rPr lang="en-US" altLang="zh-CN"/>
+              <a:t>Assuming that the biased noise is Z channel error</a:t>
+            </a:r>
+            <a:endParaRPr lang="en-US" altLang="zh-CN"/>
+          </a:p>
+          <a:p>
+            <a:pPr marL="285750" indent="-285750">
+              <a:lnSpc>
+                <a:spcPct val="125000"/>
+              </a:lnSpc>
+              <a:spcBef>
+                <a:spcPts val="0"/>
+              </a:spcBef>
+              <a:spcAft>
+                <a:spcPts val="0"/>
+              </a:spcAft>
+              <a:buFont typeface="Arial" panose="020B0604020202020204" pitchFamily="34" charset="0"/>
+              <a:buChar char="•"/>
+            </a:pPr>
+            <a:r>
+              <a:rPr lang="en-US" altLang="zh-CN"/>
+              <a:t>We want to implement a CX gate</a:t>
+            </a:r>
+            <a:endParaRPr lang="en-US" altLang="zh-CN"/>
+          </a:p>
+        </p:txBody>
+      </p:sp>
+      <p:sp>
+        <p:nvSpPr>
+          <p:cNvPr id="8" name="文本框 7"/>
+          <p:cNvSpPr txBox="1"/>
+          <p:nvPr/>
+        </p:nvSpPr>
+        <p:spPr>
+          <a:xfrm>
+            <a:off x="664210" y="3055620"/>
+            <a:ext cx="3833495" cy="398780"/>
+          </a:xfrm>
+          <a:prstGeom prst="rect">
+            <a:avLst/>
+          </a:prstGeom>
+          <a:noFill/>
+        </p:spPr>
+        <p:txBody>
+          <a:bodyPr wrap="square" rtlCol="0">
+            <a:spAutoFit/>
+          </a:bodyPr>
+          <a:p>
+            <a:r>
+              <a:rPr lang="en-US" altLang="zh-CN" sz="2000"/>
+              <a:t>Physical Realization</a:t>
+            </a:r>
+            <a:endParaRPr lang="en-US" altLang="zh-CN" sz="2000"/>
+          </a:p>
+        </p:txBody>
+      </p:sp>
+      <p:sp>
+        <p:nvSpPr>
+          <p:cNvPr id="14" name="文本框 13"/>
+          <p:cNvSpPr txBox="1"/>
+          <p:nvPr/>
+        </p:nvSpPr>
+        <p:spPr>
+          <a:xfrm>
+            <a:off x="1012825" y="3589655"/>
+            <a:ext cx="2531110" cy="368300"/>
+          </a:xfrm>
+          <a:prstGeom prst="rect">
+            <a:avLst/>
+          </a:prstGeom>
+          <a:noFill/>
+        </p:spPr>
+        <p:txBody>
+          <a:bodyPr wrap="square" rtlCol="0">
+            <a:spAutoFit/>
+          </a:bodyPr>
+          <a:p>
+            <a:pPr marL="285750" indent="-285750" fontAlgn="auto">
+              <a:lnSpc>
+                <a:spcPct val="100000"/>
+              </a:lnSpc>
+              <a:buFont typeface="Arial" panose="020B0604020202020204" pitchFamily="34" charset="0"/>
+              <a:buChar char="•"/>
+            </a:pPr>
+            <a:r>
+              <a:rPr lang="en-US" altLang="zh-CN"/>
+              <a:t>CX gate:</a:t>
+            </a:r>
+            <a:endParaRPr lang="en-US" altLang="zh-CN"/>
+          </a:p>
+        </p:txBody>
+      </p:sp>
+      <p:pic>
+        <p:nvPicPr>
+          <p:cNvPr id="15" name="图片 14" descr="CX_gate"/>
+          <p:cNvPicPr>
+            <a:picLocks noChangeAspect="1"/>
+          </p:cNvPicPr>
+          <p:nvPr/>
+        </p:nvPicPr>
+        <p:blipFill>
+          <a:blip r:embed="rId1">
+            <a:extLst>
+              <a:ext uri="{96DAC541-7B7A-43D3-8B79-37D633B846F1}">
+                <asvg:svgBlip xmlns:asvg="http://schemas.microsoft.com/office/drawing/2016/SVG/main" r:embed="rId2"/>
+              </a:ext>
+            </a:extLst>
+          </a:blip>
+          <a:stretch>
+            <a:fillRect/>
+          </a:stretch>
+        </p:blipFill>
+        <p:spPr>
+          <a:xfrm>
+            <a:off x="2518410" y="3529330"/>
+            <a:ext cx="4241165" cy="540385"/>
+          </a:xfrm>
+          <a:prstGeom prst="rect">
+            <a:avLst/>
+          </a:prstGeom>
+        </p:spPr>
+      </p:pic>
+      <p:pic>
+        <p:nvPicPr>
+          <p:cNvPr id="16" name="图片 15" descr="CX_Hamiltonian"/>
+          <p:cNvPicPr>
+            <a:picLocks noChangeAspect="1"/>
+          </p:cNvPicPr>
+          <p:nvPr/>
+        </p:nvPicPr>
+        <p:blipFill>
+          <a:blip r:embed="rId3">
+            <a:extLst>
+              <a:ext uri="{96DAC541-7B7A-43D3-8B79-37D633B846F1}">
+                <asvg:svgBlip xmlns:asvg="http://schemas.microsoft.com/office/drawing/2016/SVG/main" r:embed="rId4"/>
+              </a:ext>
+            </a:extLst>
+          </a:blip>
+          <a:stretch>
+            <a:fillRect/>
+          </a:stretch>
+        </p:blipFill>
+        <p:spPr>
+          <a:xfrm>
+            <a:off x="3006090" y="4234180"/>
+            <a:ext cx="4938395" cy="553720"/>
+          </a:xfrm>
+          <a:prstGeom prst="rect">
+            <a:avLst/>
+          </a:prstGeom>
+        </p:spPr>
+      </p:pic>
+      <p:pic>
+        <p:nvPicPr>
+          <p:cNvPr id="17" name="图片 16" descr="Time_evl"/>
+          <p:cNvPicPr>
+            <a:picLocks noChangeAspect="1"/>
+          </p:cNvPicPr>
+          <p:nvPr/>
+        </p:nvPicPr>
+        <p:blipFill>
+          <a:blip r:embed="rId5">
+            <a:extLst>
+              <a:ext uri="{96DAC541-7B7A-43D3-8B79-37D633B846F1}">
+                <asvg:svgBlip xmlns:asvg="http://schemas.microsoft.com/office/drawing/2016/SVG/main" r:embed="rId6"/>
+              </a:ext>
+            </a:extLst>
+          </a:blip>
+          <a:stretch>
+            <a:fillRect/>
+          </a:stretch>
+        </p:blipFill>
+        <p:spPr>
+          <a:xfrm>
+            <a:off x="3308350" y="4959985"/>
+            <a:ext cx="4787900" cy="448945"/>
+          </a:xfrm>
+          <a:prstGeom prst="rect">
+            <a:avLst/>
+          </a:prstGeom>
+        </p:spPr>
+      </p:pic>
+      <p:sp>
+        <p:nvSpPr>
+          <p:cNvPr id="18" name="文本框 17"/>
+          <p:cNvSpPr txBox="1"/>
+          <p:nvPr/>
+        </p:nvSpPr>
+        <p:spPr>
+          <a:xfrm>
+            <a:off x="1012825" y="4274820"/>
+            <a:ext cx="2531110" cy="368300"/>
+          </a:xfrm>
+          <a:prstGeom prst="rect">
+            <a:avLst/>
+          </a:prstGeom>
+          <a:noFill/>
+        </p:spPr>
+        <p:txBody>
+          <a:bodyPr wrap="square" rtlCol="0">
+            <a:spAutoFit/>
+          </a:bodyPr>
+          <a:p>
+            <a:pPr marL="285750" indent="-285750" fontAlgn="auto">
+              <a:lnSpc>
+                <a:spcPct val="100000"/>
+              </a:lnSpc>
+              <a:buFont typeface="Arial" panose="020B0604020202020204" pitchFamily="34" charset="0"/>
+              <a:buChar char="•"/>
+            </a:pPr>
+            <a:r>
+              <a:rPr lang="en-US" altLang="zh-CN"/>
+              <a:t>Hamlitonian:</a:t>
+            </a:r>
+            <a:endParaRPr lang="en-US" altLang="zh-CN"/>
+          </a:p>
+        </p:txBody>
+      </p:sp>
+      <p:sp>
+        <p:nvSpPr>
+          <p:cNvPr id="19" name="文本框 18"/>
+          <p:cNvSpPr txBox="1"/>
+          <p:nvPr/>
+        </p:nvSpPr>
+        <p:spPr>
+          <a:xfrm>
+            <a:off x="1012825" y="5032375"/>
+            <a:ext cx="2531110" cy="368300"/>
+          </a:xfrm>
+          <a:prstGeom prst="rect">
+            <a:avLst/>
+          </a:prstGeom>
+          <a:noFill/>
+        </p:spPr>
+        <p:txBody>
+          <a:bodyPr wrap="square" rtlCol="0">
+            <a:spAutoFit/>
+          </a:bodyPr>
+          <a:p>
+            <a:pPr marL="285750" indent="-285750" fontAlgn="auto">
+              <a:lnSpc>
+                <a:spcPct val="100000"/>
+              </a:lnSpc>
+              <a:buFont typeface="Arial" panose="020B0604020202020204" pitchFamily="34" charset="0"/>
+              <a:buChar char="•"/>
+            </a:pPr>
+            <a:r>
+              <a:rPr lang="en-US" altLang="zh-CN"/>
+              <a:t>Time evolution:</a:t>
+            </a:r>
+            <a:endParaRPr lang="en-US" altLang="zh-CN"/>
+          </a:p>
+        </p:txBody>
+      </p:sp>
+      <p:sp>
+        <p:nvSpPr>
+          <p:cNvPr id="20" name="文本框 19"/>
+          <p:cNvSpPr txBox="1"/>
+          <p:nvPr/>
+        </p:nvSpPr>
+        <p:spPr>
+          <a:xfrm>
+            <a:off x="1012825" y="5725795"/>
+            <a:ext cx="3296285" cy="368300"/>
+          </a:xfrm>
+          <a:prstGeom prst="rect">
+            <a:avLst/>
+          </a:prstGeom>
+          <a:noFill/>
+        </p:spPr>
+        <p:txBody>
+          <a:bodyPr wrap="square" rtlCol="0">
+            <a:spAutoFit/>
+          </a:bodyPr>
+          <a:p>
+            <a:pPr marL="285750" indent="-285750" fontAlgn="auto">
+              <a:lnSpc>
+                <a:spcPct val="100000"/>
+              </a:lnSpc>
+              <a:buFont typeface="Arial" panose="020B0604020202020204" pitchFamily="34" charset="0"/>
+              <a:buChar char="•"/>
+            </a:pPr>
+            <a:r>
+              <a:rPr lang="en-US" altLang="zh-CN"/>
+              <a:t>Unitary CX:</a:t>
+            </a:r>
+            <a:endParaRPr lang="en-US" altLang="zh-CN"/>
+          </a:p>
+        </p:txBody>
+      </p:sp>
+      <p:pic>
+        <p:nvPicPr>
+          <p:cNvPr id="21" name="图片 20" descr="Unitary_CX"/>
+          <p:cNvPicPr>
+            <a:picLocks noChangeAspect="1"/>
+          </p:cNvPicPr>
+          <p:nvPr/>
+        </p:nvPicPr>
+        <p:blipFill>
+          <a:blip r:embed="rId7">
+            <a:extLst>
+              <a:ext uri="{96DAC541-7B7A-43D3-8B79-37D633B846F1}">
+                <asvg:svgBlip xmlns:asvg="http://schemas.microsoft.com/office/drawing/2016/SVG/main" r:embed="rId8"/>
+              </a:ext>
+            </a:extLst>
+          </a:blip>
+          <a:stretch>
+            <a:fillRect/>
+          </a:stretch>
+        </p:blipFill>
+        <p:spPr>
+          <a:xfrm>
+            <a:off x="2823845" y="5645150"/>
+            <a:ext cx="4932045" cy="434340"/>
+          </a:xfrm>
+          <a:prstGeom prst="rect">
+            <a:avLst/>
+          </a:prstGeom>
+        </p:spPr>
+      </p:pic>
+    </p:spTree>
+  </p:cSld>
+  <p:clrMapOvr>
+    <a:masterClrMapping/>
+  </p:clrMapOvr>
+  <p:timing>
+    <p:tnLst>
+      <p:par>
+        <p:cTn id="1" dur="indefinite" restart="never" nodeType="tmRoot"/>
+      </p:par>
+    </p:tnLst>
+  </p:timing>
+</p:sld>
+</file>
+
+<file path=ppt/slides/slide9.xml><?xml version="1.0" encoding="utf-8"?>
+<p:sld xmlns:a="http://schemas.openxmlformats.org/drawingml/2006/main" xmlns:r="http://schemas.openxmlformats.org/officeDocument/2006/relationships" xmlns:p="http://schemas.openxmlformats.org/presentationml/2006/main">
+  <p:cSld>
+    <p:spTree>
+      <p:nvGrpSpPr>
+        <p:cNvPr id="1" name=""/>
+        <p:cNvGrpSpPr/>
+        <p:nvPr/>
+      </p:nvGrpSpPr>
+      <p:grpSpPr>
+        <a:xfrm>
+          <a:off x="0" y="0"/>
+          <a:ext cx="0" cy="0"/>
+          <a:chOff x="0" y="0"/>
+          <a:chExt cx="0" cy="0"/>
+        </a:xfrm>
+      </p:grpSpPr>
+      <p:sp>
+        <p:nvSpPr>
+          <p:cNvPr id="5" name="标题 1"/>
+          <p:cNvSpPr txBox="1"/>
+          <p:nvPr/>
+        </p:nvSpPr>
+        <p:spPr>
+          <a:xfrm>
+            <a:off x="1858577" y="197440"/>
+            <a:ext cx="5426846" cy="493394"/>
+          </a:xfrm>
+          <a:prstGeom prst="rect">
+            <a:avLst/>
+          </a:prstGeom>
+          <a:gradFill>
+            <a:gsLst>
+              <a:gs pos="19000">
+                <a:srgbClr val="FE4444"/>
+              </a:gs>
+              <a:gs pos="57000">
+                <a:srgbClr val="832B2B"/>
+              </a:gs>
+            </a:gsLst>
+            <a:lin ang="5400000" scaled="0"/>
+          </a:gradFill>
+        </p:spPr>
+        <p:txBody>
+          <a:bodyPr anchor="ctr" anchorCtr="0"/>
+          <a:lstStyle>
+            <a:lvl1pPr algn="l" defTabSz="914400" rtl="0" eaLnBrk="1" latinLnBrk="0" hangingPunct="1">
+              <a:lnSpc>
+                <a:spcPct val="90000"/>
+              </a:lnSpc>
+              <a:spcBef>
+                <a:spcPct val="0"/>
+              </a:spcBef>
+              <a:buNone/>
+              <a:defRPr sz="4400" kern="1200">
+                <a:solidFill>
+                  <a:schemeClr val="tx1"/>
+                </a:solidFill>
+                <a:latin typeface="+mj-lt"/>
+                <a:ea typeface="+mj-ea"/>
+                <a:cs typeface="+mj-cs"/>
+              </a:defRPr>
+            </a:lvl1pPr>
+          </a:lstStyle>
+          <a:p>
+            <a:pPr marL="0" marR="0" lvl="0" indent="0" algn="ctr" defTabSz="914400" rtl="0" eaLnBrk="1" fontAlgn="auto" latinLnBrk="0" hangingPunct="1">
+              <a:lnSpc>
+                <a:spcPct val="100000"/>
+              </a:lnSpc>
+              <a:spcBef>
+                <a:spcPts val="0"/>
+              </a:spcBef>
+              <a:spcAft>
+                <a:spcPts val="0"/>
+              </a:spcAft>
+              <a:buClrTx/>
+              <a:buSzTx/>
+              <a:buFontTx/>
+              <a:buNone/>
+              <a:defRPr/>
+            </a:pPr>
+            <a:r>
+              <a:rPr kumimoji="0" lang="en-US" altLang="zh-CN" sz="2800" b="0" i="0" u="none" strike="noStrike" kern="1200" cap="none" spc="0" normalizeH="0" baseline="0" noProof="0" dirty="0">
+                <a:ln>
+                  <a:noFill/>
+                </a:ln>
+                <a:solidFill>
+                  <a:prstClr val="white"/>
+                </a:solidFill>
+                <a:effectLst/>
+                <a:uLnTx/>
+                <a:uFillTx/>
+                <a:latin typeface="微软雅黑" panose="020B0503020204020204" charset="-122"/>
+                <a:ea typeface="微软雅黑" panose="020B0503020204020204" charset="-122"/>
+                <a:cs typeface="+mj-cs"/>
+              </a:rPr>
+              <a:t>Bias-noise</a:t>
+            </a:r>
+            <a:endParaRPr kumimoji="0" lang="en-US" altLang="zh-CN" sz="2800" b="0" i="0" u="none" strike="noStrike" kern="1200" cap="none" spc="0" normalizeH="0" baseline="0" noProof="0" dirty="0">
+              <a:ln>
+                <a:noFill/>
+              </a:ln>
+              <a:solidFill>
+                <a:prstClr val="white"/>
+              </a:solidFill>
+              <a:effectLst/>
+              <a:uLnTx/>
+              <a:uFillTx/>
+              <a:latin typeface="微软雅黑" panose="020B0503020204020204" charset="-122"/>
+              <a:ea typeface="微软雅黑" panose="020B0503020204020204" charset="-122"/>
+              <a:cs typeface="+mj-cs"/>
+            </a:endParaRPr>
+          </a:p>
+        </p:txBody>
+      </p:sp>
+      <p:cxnSp>
+        <p:nvCxnSpPr>
+          <p:cNvPr id="6" name="直接连接符 5"/>
+          <p:cNvCxnSpPr>
+            <a:endCxn id="5" idx="1"/>
+          </p:cNvCxnSpPr>
+          <p:nvPr/>
+        </p:nvCxnSpPr>
+        <p:spPr>
+          <a:xfrm>
+            <a:off x="0" y="444137"/>
+            <a:ext cx="1858577" cy="0"/>
+          </a:xfrm>
+          <a:prstGeom prst="line">
+            <a:avLst/>
+          </a:prstGeom>
+          <a:ln w="25400">
+            <a:solidFill>
+              <a:srgbClr val="C00000"/>
+            </a:solidFill>
+          </a:ln>
+        </p:spPr>
+        <p:style>
+          <a:lnRef idx="1">
+            <a:schemeClr val="accent1"/>
+          </a:lnRef>
+          <a:fillRef idx="0">
+            <a:schemeClr val="accent1"/>
+          </a:fillRef>
+          <a:effectRef idx="0">
+            <a:schemeClr val="accent1"/>
+          </a:effectRef>
+          <a:fontRef idx="minor">
+            <a:schemeClr val="tx1"/>
+          </a:fontRef>
+        </p:style>
+      </p:cxnSp>
+      <p:cxnSp>
+        <p:nvCxnSpPr>
+          <p:cNvPr id="7" name="直接连接符 6"/>
+          <p:cNvCxnSpPr>
+            <a:stCxn id="5" idx="3"/>
+          </p:cNvCxnSpPr>
+          <p:nvPr/>
+        </p:nvCxnSpPr>
+        <p:spPr>
+          <a:xfrm>
+            <a:off x="7285423" y="444137"/>
+            <a:ext cx="1858577" cy="1"/>
+          </a:xfrm>
+          <a:prstGeom prst="line">
+            <a:avLst/>
+          </a:prstGeom>
+          <a:ln w="25400">
+            <a:solidFill>
+              <a:srgbClr val="C00000"/>
+            </a:solidFill>
+          </a:ln>
+        </p:spPr>
+        <p:style>
+          <a:lnRef idx="1">
+            <a:schemeClr val="accent1"/>
+          </a:lnRef>
+          <a:fillRef idx="0">
+            <a:schemeClr val="accent1"/>
+          </a:fillRef>
+          <a:effectRef idx="0">
+            <a:schemeClr val="accent1"/>
+          </a:effectRef>
+          <a:fontRef idx="minor">
+            <a:schemeClr val="tx1"/>
+          </a:fontRef>
+        </p:style>
+      </p:cxnSp>
+      <p:sp>
+        <p:nvSpPr>
+          <p:cNvPr id="20" name="文本框 19"/>
+          <p:cNvSpPr txBox="1"/>
+          <p:nvPr/>
+        </p:nvSpPr>
+        <p:spPr>
+          <a:xfrm>
+            <a:off x="866775" y="1302385"/>
+            <a:ext cx="1811655" cy="368300"/>
+          </a:xfrm>
+          <a:prstGeom prst="rect">
+            <a:avLst/>
+          </a:prstGeom>
+          <a:noFill/>
+        </p:spPr>
+        <p:txBody>
+          <a:bodyPr wrap="square" rtlCol="0">
+            <a:spAutoFit/>
+          </a:bodyPr>
+          <a:p>
+            <a:pPr marL="285750" indent="-285750" fontAlgn="auto">
+              <a:lnSpc>
+                <a:spcPct val="100000"/>
+              </a:lnSpc>
+              <a:buFont typeface="Arial" panose="020B0604020202020204" pitchFamily="34" charset="0"/>
+              <a:buChar char="•"/>
+            </a:pPr>
+            <a:r>
+              <a:rPr lang="en-US" altLang="zh-CN"/>
+              <a:t>Unitary CX:</a:t>
+            </a:r>
+            <a:endParaRPr lang="en-US" altLang="zh-CN"/>
+          </a:p>
+        </p:txBody>
+      </p:sp>
+      <p:pic>
+        <p:nvPicPr>
+          <p:cNvPr id="21" name="图片 20" descr="Unitary_CX"/>
+          <p:cNvPicPr>
+            <a:picLocks noChangeAspect="1"/>
+          </p:cNvPicPr>
+          <p:nvPr/>
+        </p:nvPicPr>
+        <p:blipFill>
+          <a:blip r:embed="rId1">
+            <a:extLst>
+              <a:ext uri="{96DAC541-7B7A-43D3-8B79-37D633B846F1}">
+                <asvg:svgBlip xmlns:asvg="http://schemas.microsoft.com/office/drawing/2016/SVG/main" r:embed="rId2"/>
+              </a:ext>
+            </a:extLst>
+          </a:blip>
+          <a:stretch>
+            <a:fillRect/>
+          </a:stretch>
+        </p:blipFill>
+        <p:spPr>
+          <a:xfrm>
+            <a:off x="2677795" y="1221740"/>
+            <a:ext cx="4932045" cy="434340"/>
+          </a:xfrm>
+          <a:prstGeom prst="rect">
+            <a:avLst/>
+          </a:prstGeom>
+        </p:spPr>
+      </p:pic>
+      <p:sp>
+        <p:nvSpPr>
+          <p:cNvPr id="2" name="文本框 1"/>
+          <p:cNvSpPr txBox="1"/>
+          <p:nvPr/>
+        </p:nvSpPr>
+        <p:spPr>
+          <a:xfrm>
+            <a:off x="1339850" y="1966595"/>
+            <a:ext cx="5945505" cy="368300"/>
+          </a:xfrm>
+          <a:prstGeom prst="rect">
+            <a:avLst/>
+          </a:prstGeom>
+          <a:noFill/>
+        </p:spPr>
+        <p:txBody>
+          <a:bodyPr wrap="square" rtlCol="0">
+            <a:spAutoFit/>
+          </a:bodyPr>
+          <a:p>
+            <a:pPr indent="0" fontAlgn="auto">
+              <a:lnSpc>
+                <a:spcPct val="100000"/>
+              </a:lnSpc>
+              <a:buFont typeface="Arial" panose="020B0604020202020204" pitchFamily="34" charset="0"/>
+              <a:buNone/>
+            </a:pPr>
+            <a:r>
+              <a:rPr lang="en-US" altLang="zh-CN"/>
+              <a:t>Using the exponential function of Pauli operators</a:t>
+            </a:r>
+            <a:endParaRPr lang="en-US" altLang="zh-CN"/>
+          </a:p>
+        </p:txBody>
+      </p:sp>
+      <p:pic>
+        <p:nvPicPr>
+          <p:cNvPr id="3" name="图片 2" descr="Exp_Oprt"/>
+          <p:cNvPicPr>
+            <a:picLocks noChangeAspect="1"/>
+          </p:cNvPicPr>
+          <p:nvPr/>
+        </p:nvPicPr>
+        <p:blipFill>
+          <a:blip r:embed="rId3">
+            <a:extLst>
+              <a:ext uri="{96DAC541-7B7A-43D3-8B79-37D633B846F1}">
+                <asvg:svgBlip xmlns:asvg="http://schemas.microsoft.com/office/drawing/2016/SVG/main" r:embed="rId4"/>
+              </a:ext>
+            </a:extLst>
+          </a:blip>
+          <a:stretch>
+            <a:fillRect/>
+          </a:stretch>
+        </p:blipFill>
+        <p:spPr>
+          <a:xfrm>
+            <a:off x="2162810" y="2529205"/>
+            <a:ext cx="3342005" cy="421005"/>
+          </a:xfrm>
+          <a:prstGeom prst="rect">
+            <a:avLst/>
+          </a:prstGeom>
+        </p:spPr>
+      </p:pic>
+      <p:sp>
+        <p:nvSpPr>
+          <p:cNvPr id="9" name="文本框 8"/>
+          <p:cNvSpPr txBox="1"/>
+          <p:nvPr/>
+        </p:nvSpPr>
+        <p:spPr>
+          <a:xfrm>
+            <a:off x="1339850" y="3108960"/>
+            <a:ext cx="5945505" cy="368300"/>
+          </a:xfrm>
+          <a:prstGeom prst="rect">
+            <a:avLst/>
+          </a:prstGeom>
+          <a:noFill/>
+        </p:spPr>
+        <p:txBody>
+          <a:bodyPr wrap="square" rtlCol="0">
+            <a:spAutoFit/>
+          </a:bodyPr>
+          <a:p>
+            <a:pPr indent="0" fontAlgn="auto">
+              <a:lnSpc>
+                <a:spcPct val="100000"/>
+              </a:lnSpc>
+              <a:buFont typeface="Arial" panose="020B0604020202020204" pitchFamily="34" charset="0"/>
+              <a:buNone/>
+            </a:pPr>
+            <a:r>
+              <a:rPr lang="en-US" altLang="zh-CN"/>
+              <a:t>We can get</a:t>
+            </a:r>
+            <a:endParaRPr lang="en-US" altLang="zh-CN"/>
+          </a:p>
+        </p:txBody>
+      </p:sp>
+      <p:pic>
+        <p:nvPicPr>
+          <p:cNvPr id="10" name="图片 9" descr="pi_2"/>
+          <p:cNvPicPr>
+            <a:picLocks noChangeAspect="1"/>
+          </p:cNvPicPr>
+          <p:nvPr/>
+        </p:nvPicPr>
+        <p:blipFill>
+          <a:blip r:embed="rId5">
+            <a:extLst>
+              <a:ext uri="{96DAC541-7B7A-43D3-8B79-37D633B846F1}">
+                <asvg:svgBlip xmlns:asvg="http://schemas.microsoft.com/office/drawing/2016/SVG/main" r:embed="rId6"/>
+              </a:ext>
+            </a:extLst>
+          </a:blip>
+          <a:stretch>
+            <a:fillRect/>
+          </a:stretch>
+        </p:blipFill>
+        <p:spPr>
+          <a:xfrm>
+            <a:off x="1686560" y="3636010"/>
+            <a:ext cx="6316980" cy="459740"/>
+          </a:xfrm>
+          <a:prstGeom prst="rect">
+            <a:avLst/>
+          </a:prstGeom>
+        </p:spPr>
+      </p:pic>
+      <mc:AlternateContent xmlns:mc="http://schemas.openxmlformats.org/markup-compatibility/2006">
+        <mc:Choice xmlns:a14="http://schemas.microsoft.com/office/drawing/2010/main" Requires="a14">
+          <p:sp>
+            <p:nvSpPr>
+              <p:cNvPr id="13" name="文本框 12"/>
+              <p:cNvSpPr txBox="1"/>
+              <p:nvPr/>
+            </p:nvSpPr>
+            <p:spPr>
+              <a:xfrm>
+                <a:off x="7536751" y="4200144"/>
+                <a:ext cx="1701800" cy="645160"/>
+              </a:xfrm>
+              <a:prstGeom prst="rect">
+                <a:avLst/>
+              </a:prstGeom>
+              <a:noFill/>
+            </p:spPr>
+            <p:txBody>
+              <a:bodyPr wrap="none" rtlCol="0" anchor="t">
+                <a:spAutoFit/>
+              </a:bodyPr>
+              <a:p>
+                <a:pPr algn="l"/>
+                <a14:m>
+                  <m:oMathPara xmlns:m="http://schemas.openxmlformats.org/officeDocument/2006/math">
+                    <m:oMathParaPr>
+                      <m:jc m:val="centerGroup"/>
+                    </m:oMathParaPr>
+                    <m:oMath xmlns:m="http://schemas.openxmlformats.org/officeDocument/2006/math">
+                      <m:r>
+                        <a:rPr lang="en-US" altLang="zh-CN" i="1">
+                          <a:latin typeface="Cambria Math" panose="02040503050406030204" charset="0"/>
+                          <a:cs typeface="Cambria Math" panose="02040503050406030204" charset="0"/>
+                        </a:rPr>
+                        <m:t> </m:t>
+                      </m:r>
+                      <m:r>
+                        <a:rPr lang="en-US" altLang="zh-CN" i="1">
+                          <a:latin typeface="Cambria Math" panose="02040503050406030204" charset="0"/>
+                          <a:cs typeface="Cambria Math" panose="02040503050406030204" charset="0"/>
+                        </a:rPr>
+                        <m:t>𝑖𝑓</m:t>
+                      </m:r>
+                      <m:r>
+                        <a:rPr lang="en-US" altLang="zh-CN" i="1">
+                          <a:latin typeface="Cambria Math" panose="02040503050406030204" charset="0"/>
+                          <a:cs typeface="Cambria Math" panose="02040503050406030204" charset="0"/>
+                        </a:rPr>
+                        <m:t> </m:t>
+                      </m:r>
+                      <m:r>
+                        <a:rPr lang="en-US" altLang="zh-CN" i="1">
+                          <a:latin typeface="Cambria Math" panose="02040503050406030204" charset="0"/>
+                          <a:cs typeface="Cambria Math" panose="02040503050406030204" charset="0"/>
+                        </a:rPr>
+                        <m:t>𝑉</m:t>
+                      </m:r>
+                      <m:r>
+                        <a:rPr lang="en-US" altLang="zh-CN" i="1">
+                          <a:latin typeface="Cambria Math" panose="02040503050406030204" charset="0"/>
+                          <a:cs typeface="Cambria Math" panose="02040503050406030204" charset="0"/>
+                        </a:rPr>
+                        <m:t> = </m:t>
+                      </m:r>
+                      <m:r>
+                        <a:rPr lang="en-US" altLang="zh-CN" i="1">
+                          <a:latin typeface="Cambria Math" panose="02040503050406030204" charset="0"/>
+                          <a:cs typeface="Cambria Math" panose="02040503050406030204" charset="0"/>
+                        </a:rPr>
+                        <m:t>1</m:t>
+                      </m:r>
+                      <m:r>
+                        <a:rPr lang="en-US" altLang="zh-CN" i="1">
+                          <a:latin typeface="Cambria Math" panose="02040503050406030204" charset="0"/>
+                          <a:cs typeface="Cambria Math" panose="02040503050406030204" charset="0"/>
+                        </a:rPr>
+                        <m:t>,</m:t>
+                      </m:r>
+                    </m:oMath>
+                  </m:oMathPara>
+                </a14:m>
+                <a:endParaRPr lang="en-US" altLang="zh-CN" i="1">
+                  <a:latin typeface="Cambria Math" panose="02040503050406030204" charset="0"/>
+                  <a:cs typeface="Cambria Math" panose="02040503050406030204" charset="0"/>
+                </a:endParaRPr>
+              </a:p>
+              <a:p>
+                <a:pPr algn="l"/>
+                <a14:m>
+                  <m:oMathPara xmlns:m="http://schemas.openxmlformats.org/officeDocument/2006/math">
+                    <m:oMathParaPr>
+                      <m:jc m:val="centerGroup"/>
+                    </m:oMathParaPr>
+                    <m:oMath xmlns:m="http://schemas.openxmlformats.org/officeDocument/2006/math">
+                      <m:r>
+                        <a:rPr lang="en-US" altLang="zh-CN" i="1">
+                          <a:latin typeface="Cambria Math" panose="02040503050406030204" charset="0"/>
+                          <a:cs typeface="Cambria Math" panose="02040503050406030204" charset="0"/>
+                        </a:rPr>
+                        <m:t>𝜋</m:t>
+                      </m:r>
+                      <m:r>
+                        <a:rPr lang="en-US" altLang="zh-CN" i="1">
+                          <a:latin typeface="Cambria Math" panose="02040503050406030204" charset="0"/>
+                          <a:cs typeface="Cambria Math" panose="02040503050406030204" charset="0"/>
+                        </a:rPr>
+                        <m:t>/</m:t>
+                      </m:r>
+                      <m:r>
+                        <a:rPr lang="en-US" altLang="zh-CN" i="1">
+                          <a:latin typeface="Cambria Math" panose="02040503050406030204" charset="0"/>
+                          <a:cs typeface="Cambria Math" panose="02040503050406030204" charset="0"/>
+                        </a:rPr>
+                        <m:t>2</m:t>
+                      </m:r>
+                      <m:r>
+                        <a:rPr lang="en-US" altLang="zh-CN" i="1">
+                          <a:latin typeface="Cambria Math" panose="02040503050406030204" charset="0"/>
+                          <a:cs typeface="Cambria Math" panose="02040503050406030204" charset="0"/>
+                        </a:rPr>
+                        <m:t> </m:t>
+                      </m:r>
+                      <m:r>
+                        <a:rPr lang="en-US" altLang="zh-CN" i="1">
+                          <a:latin typeface="Cambria Math" panose="02040503050406030204" charset="0"/>
+                          <a:cs typeface="Cambria Math" panose="02040503050406030204" charset="0"/>
+                        </a:rPr>
+                        <m:t>𝑝𝑢𝑙𝑠𝑒</m:t>
+                      </m:r>
+                    </m:oMath>
+                  </m:oMathPara>
+                </a14:m>
+                <a:endParaRPr lang="zh-CN" altLang="en-US"/>
+              </a:p>
+            </p:txBody>
+          </p:sp>
+        </mc:Choice>
+        <mc:Fallback>
+          <p:sp>
+            <p:nvSpPr>
+              <p:cNvPr id="13" name="文本框 12"/>
+              <p:cNvSpPr txBox="1">
+                <a:spLocks noRot="1" noChangeAspect="1" noMove="1" noResize="1" noEditPoints="1" noAdjustHandles="1" noChangeArrowheads="1" noChangeShapeType="1" noTextEdit="1"/>
+              </p:cNvSpPr>
+              <p:nvPr/>
+            </p:nvSpPr>
+            <p:spPr>
+              <a:xfrm>
+                <a:off x="7536751" y="4200144"/>
+                <a:ext cx="1701800" cy="645160"/>
+              </a:xfrm>
+              <a:prstGeom prst="rect">
+                <a:avLst/>
+              </a:prstGeom>
+              <a:blipFill rotWithShape="1">
+                <a:blip r:embed="rId7"/>
+                <a:stretch>
+                  <a:fillRect l="-34" t="-39" r="34" b="39"/>
+                </a:stretch>
+              </a:blipFill>
+            </p:spPr>
+            <p:txBody>
+              <a:bodyPr/>
+              <a:lstStyle/>
+              <a:p>
+                <a:r>
+                  <a:rPr lang="zh-CN" altLang="en-US">
+                    <a:noFill/>
+                  </a:rPr>
+                  <a:t> </a:t>
+                </a:r>
+              </a:p>
+            </p:txBody>
+          </p:sp>
+        </mc:Fallback>
+      </mc:AlternateContent>
+      <p:sp>
+        <p:nvSpPr>
+          <p:cNvPr id="22" name="圆角矩形 21"/>
+          <p:cNvSpPr/>
+          <p:nvPr/>
+        </p:nvSpPr>
+        <p:spPr>
+          <a:xfrm>
+            <a:off x="6978015" y="3488055"/>
+            <a:ext cx="1102360" cy="701040"/>
+          </a:xfrm>
+          <a:prstGeom prst="roundRect">
+            <a:avLst/>
+          </a:prstGeom>
+          <a:noFill/>
+          <a:ln w="28575" cmpd="sng">
+            <a:solidFill>
+              <a:schemeClr val="accent1">
+                <a:shade val="50000"/>
+              </a:schemeClr>
+            </a:solidFill>
+            <a:prstDash val="sysDot"/>
+          </a:ln>
+        </p:spPr>
+        <p:style>
+          <a:lnRef idx="2">
+            <a:schemeClr val="accent1">
+              <a:shade val="50000"/>
+            </a:schemeClr>
+          </a:lnRef>
+          <a:fillRef idx="1">
+            <a:schemeClr val="accent1"/>
+          </a:fillRef>
+          <a:effectRef idx="0">
+            <a:schemeClr val="accent1"/>
+          </a:effectRef>
+          <a:fontRef idx="minor">
+            <a:schemeClr val="lt1"/>
+          </a:fontRef>
+        </p:style>
+        <p:txBody>
+          <a:bodyPr rtlCol="0" anchor="ctr"/>
+          <a:p>
+            <a:pPr algn="ctr"/>
+            <a:endParaRPr lang="zh-CN" altLang="en-US"/>
+          </a:p>
+        </p:txBody>
+      </p:sp>
+      <p:sp>
+        <p:nvSpPr>
+          <p:cNvPr id="23" name="文本框 22"/>
+          <p:cNvSpPr txBox="1"/>
+          <p:nvPr/>
+        </p:nvSpPr>
+        <p:spPr>
+          <a:xfrm>
+            <a:off x="528320" y="4912360"/>
+            <a:ext cx="7011670" cy="398780"/>
+          </a:xfrm>
+          <a:prstGeom prst="rect">
+            <a:avLst/>
+          </a:prstGeom>
+          <a:noFill/>
+        </p:spPr>
+        <p:txBody>
+          <a:bodyPr wrap="square" rtlCol="0">
+            <a:spAutoFit/>
+          </a:bodyPr>
+          <a:p>
+            <a:pPr indent="0" fontAlgn="auto">
+              <a:lnSpc>
+                <a:spcPct val="100000"/>
+              </a:lnSpc>
+              <a:buNone/>
+            </a:pPr>
+            <a:r>
+              <a:rPr lang="en-US" altLang="zh-CN" sz="2000" b="1">
+                <a:solidFill>
+                  <a:srgbClr val="FF0000"/>
+                </a:solidFill>
+              </a:rPr>
+              <a:t>Noisy</a:t>
+            </a:r>
+            <a:r>
+              <a:rPr lang="en-US" altLang="zh-CN" sz="2000"/>
+              <a:t> CX gate</a:t>
+            </a:r>
+            <a:r>
+              <a:rPr lang="en-US" altLang="zh-CN"/>
+              <a:t> (phase-flip error occurs in </a:t>
+            </a:r>
+            <a:r>
+              <a:rPr lang="en-US" altLang="zh-CN" b="1"/>
+              <a:t>qubit 2</a:t>
+            </a:r>
+            <a:r>
+              <a:rPr lang="en-US" altLang="zh-CN"/>
+              <a:t> at time </a:t>
+            </a:r>
+            <a:r>
+              <a:rPr lang="en-US" altLang="zh-CN" b="1"/>
+              <a:t>τ</a:t>
+            </a:r>
+            <a:r>
+              <a:rPr lang="en-US" altLang="zh-CN"/>
+              <a:t>)</a:t>
+            </a:r>
+            <a:endParaRPr lang="en-US" altLang="zh-CN"/>
+          </a:p>
+        </p:txBody>
+      </p:sp>
+      <mc:AlternateContent xmlns:mc="http://schemas.openxmlformats.org/markup-compatibility/2006">
+        <mc:Choice xmlns:a14="http://schemas.microsoft.com/office/drawing/2010/main" Requires="a14">
+          <p:sp>
+            <p:nvSpPr>
+              <p:cNvPr id="24" name="文本框 23"/>
+              <p:cNvSpPr txBox="1"/>
+              <p:nvPr/>
+            </p:nvSpPr>
+            <p:spPr>
+              <a:xfrm>
+                <a:off x="7275131" y="4950714"/>
+                <a:ext cx="1336040" cy="368300"/>
+              </a:xfrm>
+              <a:prstGeom prst="rect">
+                <a:avLst/>
+              </a:prstGeom>
+              <a:noFill/>
+            </p:spPr>
+            <p:txBody>
+              <a:bodyPr wrap="none" rtlCol="0" anchor="t">
+                <a:spAutoFit/>
+              </a:bodyPr>
+              <a:p>
+                <a:pPr algn="l"/>
+                <a14:m>
+                  <m:oMathPara xmlns:m="http://schemas.openxmlformats.org/officeDocument/2006/math">
+                    <m:oMathParaPr>
+                      <m:jc m:val="centerGroup"/>
+                    </m:oMathParaPr>
+                    <m:oMath xmlns:m="http://schemas.openxmlformats.org/officeDocument/2006/math">
+                      <m:r>
+                        <a:rPr lang="en-US" altLang="zh-CN" i="1">
+                          <a:solidFill>
+                            <a:srgbClr val="FF0000"/>
+                          </a:solidFill>
+                          <a:latin typeface="Cambria Math" panose="02040503050406030204" charset="0"/>
+                          <a:cs typeface="Cambria Math" panose="02040503050406030204" charset="0"/>
+                        </a:rPr>
+                        <m:t>(</m:t>
+                      </m:r>
+                      <m:r>
+                        <a:rPr lang="en-US" altLang="zh-CN" i="1">
+                          <a:solidFill>
+                            <a:srgbClr val="FF0000"/>
+                          </a:solidFill>
+                          <a:latin typeface="Cambria Math" panose="02040503050406030204" charset="0"/>
+                          <a:cs typeface="Cambria Math" panose="02040503050406030204" charset="0"/>
+                        </a:rPr>
+                        <m:t>0</m:t>
+                      </m:r>
+                      <m:r>
+                        <a:rPr lang="en-US" altLang="zh-CN" i="1">
+                          <a:solidFill>
+                            <a:srgbClr val="FF0000"/>
+                          </a:solidFill>
+                          <a:latin typeface="Cambria Math" panose="02040503050406030204" charset="0"/>
+                          <a:cs typeface="Cambria Math" panose="02040503050406030204" charset="0"/>
+                        </a:rPr>
+                        <m:t>&lt;</m:t>
+                      </m:r>
+                      <m:r>
+                        <a:rPr lang="en-US" altLang="zh-CN" i="1">
+                          <a:solidFill>
+                            <a:srgbClr val="FF0000"/>
+                          </a:solidFill>
+                          <a:latin typeface="Cambria Math" panose="02040503050406030204" charset="0"/>
+                          <a:cs typeface="Cambria Math" panose="02040503050406030204" charset="0"/>
+                        </a:rPr>
+                        <m:t>𝜏</m:t>
+                      </m:r>
+                      <m:r>
+                        <a:rPr lang="en-US" altLang="zh-CN" i="1">
+                          <a:solidFill>
+                            <a:srgbClr val="FF0000"/>
+                          </a:solidFill>
+                          <a:latin typeface="Cambria Math" panose="02040503050406030204" charset="0"/>
+                          <a:cs typeface="Cambria Math" panose="02040503050406030204" charset="0"/>
+                        </a:rPr>
+                        <m:t>&lt;</m:t>
+                      </m:r>
+                      <m:r>
+                        <a:rPr lang="en-US" altLang="zh-CN" i="1">
+                          <a:solidFill>
+                            <a:srgbClr val="FF0000"/>
+                          </a:solidFill>
+                          <a:latin typeface="Cambria Math" panose="02040503050406030204" charset="0"/>
+                          <a:cs typeface="Cambria Math" panose="02040503050406030204" charset="0"/>
+                        </a:rPr>
+                        <m:t>𝑇</m:t>
+                      </m:r>
+                      <m:r>
+                        <a:rPr lang="en-US" altLang="zh-CN" i="1">
+                          <a:solidFill>
+                            <a:srgbClr val="FF0000"/>
+                          </a:solidFill>
+                          <a:latin typeface="Cambria Math" panose="02040503050406030204" charset="0"/>
+                          <a:ea typeface="MS Mincho" charset="0"/>
+                          <a:cs typeface="Cambria Math" panose="02040503050406030204" charset="0"/>
+                        </a:rPr>
+                        <m:t>)</m:t>
+                      </m:r>
+                    </m:oMath>
+                  </m:oMathPara>
+                </a14:m>
+                <a:endParaRPr lang="en-US" altLang="zh-CN" i="1">
+                  <a:solidFill>
+                    <a:srgbClr val="FF0000"/>
+                  </a:solidFill>
+                  <a:latin typeface="Cambria Math" panose="02040503050406030204" charset="0"/>
+                  <a:ea typeface="MS Mincho" charset="0"/>
+                  <a:cs typeface="Cambria Math" panose="02040503050406030204" charset="0"/>
+                </a:endParaRPr>
+              </a:p>
+            </p:txBody>
+          </p:sp>
+        </mc:Choice>
+        <mc:Fallback>
+          <p:sp>
+            <p:nvSpPr>
+              <p:cNvPr id="24" name="文本框 23"/>
+              <p:cNvSpPr txBox="1">
+                <a:spLocks noRot="1" noChangeAspect="1" noMove="1" noResize="1" noEditPoints="1" noAdjustHandles="1" noChangeArrowheads="1" noChangeShapeType="1" noTextEdit="1"/>
+              </p:cNvSpPr>
+              <p:nvPr/>
+            </p:nvSpPr>
+            <p:spPr>
+              <a:xfrm>
+                <a:off x="7275131" y="4950714"/>
+                <a:ext cx="1336040" cy="368300"/>
+              </a:xfrm>
+              <a:prstGeom prst="rect">
+                <a:avLst/>
+              </a:prstGeom>
+              <a:blipFill rotWithShape="1">
+                <a:blip r:embed="rId8"/>
+                <a:stretch>
+                  <a:fillRect l="-43" t="-69" r="43" b="69"/>
+                </a:stretch>
+              </a:blipFill>
+            </p:spPr>
+            <p:txBody>
+              <a:bodyPr/>
+              <a:lstStyle/>
+              <a:p>
+                <a:r>
+                  <a:rPr lang="zh-CN" altLang="en-US">
+                    <a:noFill/>
+                  </a:rPr>
+                  <a:t> </a:t>
+                </a:r>
+              </a:p>
+            </p:txBody>
+          </p:sp>
+        </mc:Fallback>
+      </mc:AlternateContent>
+      <p:pic>
+        <p:nvPicPr>
+          <p:cNvPr id="25" name="图片 24" descr="CX_error"/>
+          <p:cNvPicPr>
+            <a:picLocks noChangeAspect="1"/>
+          </p:cNvPicPr>
+          <p:nvPr/>
+        </p:nvPicPr>
+        <p:blipFill>
+          <a:blip r:embed="rId9">
+            <a:extLst>
+              <a:ext uri="{96DAC541-7B7A-43D3-8B79-37D633B846F1}">
+                <asvg:svgBlip xmlns:asvg="http://schemas.microsoft.com/office/drawing/2016/SVG/main" r:embed="rId10"/>
+              </a:ext>
+            </a:extLst>
+          </a:blip>
+          <a:stretch>
+            <a:fillRect/>
+          </a:stretch>
+        </p:blipFill>
+        <p:spPr>
+          <a:xfrm>
+            <a:off x="1683385" y="5460365"/>
+            <a:ext cx="5137150" cy="824865"/>
+          </a:xfrm>
+          <a:prstGeom prst="rect">
+            <a:avLst/>
+          </a:prstGeom>
+        </p:spPr>
+      </p:pic>
+    </p:spTree>
+  </p:cSld>
+  <p:clrMapOvr>
+    <a:masterClrMapping/>
+  </p:clrMapOvr>
+  <p:timing>
+    <p:tnLst>
+      <p:par>
+        <p:cTn id="1" dur="indefinite" restart="never" nodeType="tmRoot"/>
+      </p:par>
+    </p:tnLst>
+  </p:timing>
 </p:sld>
 </file>
 

--- a/cat qubit/Group Meeting/Report_Cat qubit.pptx
+++ b/cat qubit/Group Meeting/Report_Cat qubit.pptx
@@ -5,10 +5,10 @@
     <p:sldMasterId id="2147483648" r:id="rId1"/>
   </p:sldMasterIdLst>
   <p:notesMasterIdLst>
-    <p:notesMasterId r:id="rId14"/>
+    <p:notesMasterId r:id="rId19"/>
   </p:notesMasterIdLst>
   <p:handoutMasterIdLst>
-    <p:handoutMasterId r:id="rId15"/>
+    <p:handoutMasterId r:id="rId20"/>
   </p:handoutMasterIdLst>
   <p:sldIdLst>
     <p:sldId id="258" r:id="rId3"/>
@@ -21,7 +21,12 @@
     <p:sldId id="386" r:id="rId10"/>
     <p:sldId id="387" r:id="rId11"/>
     <p:sldId id="388" r:id="rId12"/>
-    <p:sldId id="307" r:id="rId13"/>
+    <p:sldId id="390" r:id="rId13"/>
+    <p:sldId id="391" r:id="rId14"/>
+    <p:sldId id="392" r:id="rId15"/>
+    <p:sldId id="393" r:id="rId16"/>
+    <p:sldId id="394" r:id="rId17"/>
+    <p:sldId id="307" r:id="rId18"/>
   </p:sldIdLst>
   <p:sldSz cx="9144000" cy="6858000" type="screen4x3"/>
   <p:notesSz cx="9942195" cy="6760845"/>
@@ -1909,6 +1914,3234 @@
 </file>
 
 <file path=ppt/slides/slide11.xml><?xml version="1.0" encoding="utf-8"?>
+<p:sld xmlns:a="http://schemas.openxmlformats.org/drawingml/2006/main" xmlns:r="http://schemas.openxmlformats.org/officeDocument/2006/relationships" xmlns:p="http://schemas.openxmlformats.org/presentationml/2006/main">
+  <p:cSld>
+    <p:spTree>
+      <p:nvGrpSpPr>
+        <p:cNvPr id="1" name=""/>
+        <p:cNvGrpSpPr/>
+        <p:nvPr/>
+      </p:nvGrpSpPr>
+      <p:grpSpPr>
+        <a:xfrm>
+          <a:off x="0" y="0"/>
+          <a:ext cx="0" cy="0"/>
+          <a:chOff x="0" y="0"/>
+          <a:chExt cx="0" cy="0"/>
+        </a:xfrm>
+      </p:grpSpPr>
+      <p:sp>
+        <p:nvSpPr>
+          <p:cNvPr id="5" name="标题 1"/>
+          <p:cNvSpPr txBox="1"/>
+          <p:nvPr/>
+        </p:nvSpPr>
+        <p:spPr>
+          <a:xfrm>
+            <a:off x="1858577" y="197440"/>
+            <a:ext cx="5426846" cy="493394"/>
+          </a:xfrm>
+          <a:prstGeom prst="rect">
+            <a:avLst/>
+          </a:prstGeom>
+          <a:gradFill>
+            <a:gsLst>
+              <a:gs pos="19000">
+                <a:srgbClr val="FE4444"/>
+              </a:gs>
+              <a:gs pos="57000">
+                <a:srgbClr val="832B2B"/>
+              </a:gs>
+            </a:gsLst>
+            <a:lin ang="5400000" scaled="0"/>
+          </a:gradFill>
+        </p:spPr>
+        <p:txBody>
+          <a:bodyPr anchor="ctr" anchorCtr="0"/>
+          <a:lstStyle>
+            <a:lvl1pPr algn="l" defTabSz="914400" rtl="0" eaLnBrk="1" latinLnBrk="0" hangingPunct="1">
+              <a:lnSpc>
+                <a:spcPct val="90000"/>
+              </a:lnSpc>
+              <a:spcBef>
+                <a:spcPct val="0"/>
+              </a:spcBef>
+              <a:buNone/>
+              <a:defRPr sz="4400" kern="1200">
+                <a:solidFill>
+                  <a:schemeClr val="tx1"/>
+                </a:solidFill>
+                <a:latin typeface="+mj-lt"/>
+                <a:ea typeface="+mj-ea"/>
+                <a:cs typeface="+mj-cs"/>
+              </a:defRPr>
+            </a:lvl1pPr>
+          </a:lstStyle>
+          <a:p>
+            <a:pPr marL="0" marR="0" lvl="0" indent="0" algn="ctr" defTabSz="914400" rtl="0" eaLnBrk="1" fontAlgn="auto" latinLnBrk="0" hangingPunct="1">
+              <a:lnSpc>
+                <a:spcPct val="100000"/>
+              </a:lnSpc>
+              <a:spcBef>
+                <a:spcPts val="0"/>
+              </a:spcBef>
+              <a:spcAft>
+                <a:spcPts val="0"/>
+              </a:spcAft>
+              <a:buClrTx/>
+              <a:buSzTx/>
+              <a:buFontTx/>
+              <a:buNone/>
+              <a:defRPr/>
+            </a:pPr>
+            <a:r>
+              <a:rPr kumimoji="0" lang="en-US" altLang="zh-CN" sz="2800" b="0" i="0" u="none" strike="noStrike" kern="1200" cap="none" spc="0" normalizeH="0" baseline="0" noProof="0" dirty="0">
+                <a:ln>
+                  <a:noFill/>
+                </a:ln>
+                <a:solidFill>
+                  <a:prstClr val="white"/>
+                </a:solidFill>
+                <a:effectLst/>
+                <a:uLnTx/>
+                <a:uFillTx/>
+                <a:latin typeface="微软雅黑" panose="020B0503020204020204" charset="-122"/>
+                <a:ea typeface="微软雅黑" panose="020B0503020204020204" charset="-122"/>
+                <a:cs typeface="+mj-cs"/>
+              </a:rPr>
+              <a:t>Cat qubit</a:t>
+            </a:r>
+            <a:endParaRPr kumimoji="0" lang="en-US" altLang="zh-CN" sz="2800" b="0" i="0" u="none" strike="noStrike" kern="1200" cap="none" spc="0" normalizeH="0" baseline="0" noProof="0" dirty="0">
+              <a:ln>
+                <a:noFill/>
+              </a:ln>
+              <a:solidFill>
+                <a:prstClr val="white"/>
+              </a:solidFill>
+              <a:effectLst/>
+              <a:uLnTx/>
+              <a:uFillTx/>
+              <a:latin typeface="微软雅黑" panose="020B0503020204020204" charset="-122"/>
+              <a:ea typeface="微软雅黑" panose="020B0503020204020204" charset="-122"/>
+              <a:cs typeface="+mj-cs"/>
+            </a:endParaRPr>
+          </a:p>
+        </p:txBody>
+      </p:sp>
+      <p:cxnSp>
+        <p:nvCxnSpPr>
+          <p:cNvPr id="6" name="直接连接符 5"/>
+          <p:cNvCxnSpPr>
+            <a:endCxn id="5" idx="1"/>
+          </p:cNvCxnSpPr>
+          <p:nvPr/>
+        </p:nvCxnSpPr>
+        <p:spPr>
+          <a:xfrm>
+            <a:off x="0" y="444772"/>
+            <a:ext cx="1858577" cy="0"/>
+          </a:xfrm>
+          <a:prstGeom prst="line">
+            <a:avLst/>
+          </a:prstGeom>
+          <a:ln w="25400">
+            <a:solidFill>
+              <a:srgbClr val="C00000"/>
+            </a:solidFill>
+          </a:ln>
+        </p:spPr>
+        <p:style>
+          <a:lnRef idx="1">
+            <a:schemeClr val="accent1"/>
+          </a:lnRef>
+          <a:fillRef idx="0">
+            <a:schemeClr val="accent1"/>
+          </a:fillRef>
+          <a:effectRef idx="0">
+            <a:schemeClr val="accent1"/>
+          </a:effectRef>
+          <a:fontRef idx="minor">
+            <a:schemeClr val="tx1"/>
+          </a:fontRef>
+        </p:style>
+      </p:cxnSp>
+      <p:cxnSp>
+        <p:nvCxnSpPr>
+          <p:cNvPr id="7" name="直接连接符 6"/>
+          <p:cNvCxnSpPr>
+            <a:stCxn id="5" idx="3"/>
+          </p:cNvCxnSpPr>
+          <p:nvPr/>
+        </p:nvCxnSpPr>
+        <p:spPr>
+          <a:xfrm>
+            <a:off x="7285423" y="444772"/>
+            <a:ext cx="1858577" cy="1"/>
+          </a:xfrm>
+          <a:prstGeom prst="line">
+            <a:avLst/>
+          </a:prstGeom>
+          <a:ln w="25400">
+            <a:solidFill>
+              <a:srgbClr val="C00000"/>
+            </a:solidFill>
+          </a:ln>
+        </p:spPr>
+        <p:style>
+          <a:lnRef idx="1">
+            <a:schemeClr val="accent1"/>
+          </a:lnRef>
+          <a:fillRef idx="0">
+            <a:schemeClr val="accent1"/>
+          </a:fillRef>
+          <a:effectRef idx="0">
+            <a:schemeClr val="accent1"/>
+          </a:effectRef>
+          <a:fontRef idx="minor">
+            <a:schemeClr val="tx1"/>
+          </a:fontRef>
+        </p:style>
+      </p:cxnSp>
+      <p:sp>
+        <p:nvSpPr>
+          <p:cNvPr id="2" name="矩形 1"/>
+          <p:cNvSpPr/>
+          <p:nvPr/>
+        </p:nvSpPr>
+        <p:spPr>
+          <a:xfrm>
+            <a:off x="360680" y="901065"/>
+            <a:ext cx="7437755" cy="521970"/>
+          </a:xfrm>
+          <a:prstGeom prst="rect">
+            <a:avLst/>
+          </a:prstGeom>
+          <a:noFill/>
+          <a:ln>
+            <a:noFill/>
+          </a:ln>
+        </p:spPr>
+        <p:txBody>
+          <a:bodyPr wrap="square" rtlCol="0" anchor="t">
+            <a:spAutoFit/>
+          </a:bodyPr>
+          <a:p>
+            <a:pPr algn="l"/>
+            <a:r>
+              <a:rPr lang="en-US" altLang="zh-CN" sz="2800">
+                <a:solidFill>
+                  <a:srgbClr val="FF0000"/>
+                </a:solidFill>
+                <a:effectLst>
+                  <a:outerShdw blurRad="38100" dist="19050" dir="2700000" algn="tl" rotWithShape="0">
+                    <a:schemeClr val="dk1">
+                      <a:alpha val="40000"/>
+                    </a:schemeClr>
+                  </a:outerShdw>
+                </a:effectLst>
+              </a:rPr>
+              <a:t>How can we address these challenges ?</a:t>
+            </a:r>
+            <a:endParaRPr lang="en-US" altLang="zh-CN" sz="2800">
+              <a:solidFill>
+                <a:srgbClr val="FF0000"/>
+              </a:solidFill>
+              <a:effectLst>
+                <a:outerShdw blurRad="38100" dist="19050" dir="2700000" algn="tl" rotWithShape="0">
+                  <a:schemeClr val="dk1">
+                    <a:alpha val="40000"/>
+                  </a:schemeClr>
+                </a:outerShdw>
+              </a:effectLst>
+            </a:endParaRPr>
+          </a:p>
+        </p:txBody>
+      </p:sp>
+      <p:sp>
+        <p:nvSpPr>
+          <p:cNvPr id="9" name="文本框 8"/>
+          <p:cNvSpPr txBox="1"/>
+          <p:nvPr/>
+        </p:nvSpPr>
+        <p:spPr>
+          <a:xfrm>
+            <a:off x="596265" y="1425575"/>
+            <a:ext cx="7385050" cy="645160"/>
+          </a:xfrm>
+          <a:prstGeom prst="rect">
+            <a:avLst/>
+          </a:prstGeom>
+          <a:noFill/>
+        </p:spPr>
+        <p:txBody>
+          <a:bodyPr wrap="square" rtlCol="0">
+            <a:spAutoFit/>
+          </a:bodyPr>
+          <a:p>
+            <a:pPr indent="0">
+              <a:buNone/>
+            </a:pPr>
+            <a:r>
+              <a:rPr lang="zh-CN" altLang="en-US"/>
+              <a:t>In order to take advantage of </a:t>
+            </a:r>
+            <a:r>
+              <a:rPr lang="en-US" altLang="zh-CN"/>
+              <a:t>biased noise</a:t>
+            </a:r>
+            <a:r>
+              <a:rPr lang="zh-CN" altLang="en-US"/>
+              <a:t>, we need something </a:t>
+            </a:r>
+            <a:r>
+              <a:rPr lang="en-US" altLang="zh-CN"/>
+              <a:t>that acting all universal gate sets in this biased channel.</a:t>
+            </a:r>
+            <a:endParaRPr lang="en-US" altLang="zh-CN"/>
+          </a:p>
+        </p:txBody>
+      </p:sp>
+      <p:sp>
+        <p:nvSpPr>
+          <p:cNvPr id="10" name="矩形 9"/>
+          <p:cNvSpPr/>
+          <p:nvPr/>
+        </p:nvSpPr>
+        <p:spPr>
+          <a:xfrm>
+            <a:off x="2929255" y="2125345"/>
+            <a:ext cx="3285490" cy="1076325"/>
+          </a:xfrm>
+          <a:prstGeom prst="rect">
+            <a:avLst/>
+          </a:prstGeom>
+          <a:noFill/>
+          <a:ln>
+            <a:noFill/>
+          </a:ln>
+        </p:spPr>
+        <p:txBody>
+          <a:bodyPr wrap="none" rtlCol="0" anchor="t">
+            <a:spAutoFit/>
+          </a:bodyPr>
+          <a:p>
+            <a:pPr algn="ctr"/>
+            <a:r>
+              <a:rPr lang="en-US" altLang="zh-CN" sz="2800" b="1">
+                <a:gradFill>
+                  <a:gsLst>
+                    <a:gs pos="0">
+                      <a:schemeClr val="accent5">
+                        <a:lumMod val="50000"/>
+                      </a:schemeClr>
+                    </a:gs>
+                    <a:gs pos="50000">
+                      <a:schemeClr val="accent5"/>
+                    </a:gs>
+                    <a:gs pos="100000">
+                      <a:schemeClr val="accent5">
+                        <a:lumMod val="60000"/>
+                        <a:lumOff val="40000"/>
+                      </a:schemeClr>
+                    </a:gs>
+                  </a:gsLst>
+                  <a:lin ang="5400000"/>
+                </a:gradFill>
+                <a:effectLst>
+                  <a:reflection blurRad="6350" stA="53000" endA="300" endPos="35500" dir="5400000" sy="-90000" algn="bl" rotWithShape="0"/>
+                </a:effectLst>
+              </a:rPr>
+              <a:t>A better choice is</a:t>
+            </a:r>
+            <a:endParaRPr lang="en-US" altLang="zh-CN" sz="2800" b="1">
+              <a:gradFill>
+                <a:gsLst>
+                  <a:gs pos="0">
+                    <a:schemeClr val="accent5">
+                      <a:lumMod val="50000"/>
+                    </a:schemeClr>
+                  </a:gs>
+                  <a:gs pos="50000">
+                    <a:schemeClr val="accent5"/>
+                  </a:gs>
+                  <a:gs pos="100000">
+                    <a:schemeClr val="accent5">
+                      <a:lumMod val="60000"/>
+                      <a:lumOff val="40000"/>
+                    </a:schemeClr>
+                  </a:gs>
+                </a:gsLst>
+                <a:lin ang="5400000"/>
+              </a:gradFill>
+              <a:effectLst>
+                <a:reflection blurRad="6350" stA="53000" endA="300" endPos="35500" dir="5400000" sy="-90000" algn="bl" rotWithShape="0"/>
+              </a:effectLst>
+            </a:endParaRPr>
+          </a:p>
+          <a:p>
+            <a:pPr algn="ctr"/>
+            <a:r>
+              <a:rPr lang="en-US" altLang="zh-CN" sz="3600" b="1">
+                <a:solidFill>
+                  <a:schemeClr val="tx1"/>
+                </a:solidFill>
+                <a:effectLst>
+                  <a:outerShdw blurRad="38100" dist="19050" dir="2700000" algn="tl" rotWithShape="0">
+                    <a:schemeClr val="dk1">
+                      <a:alpha val="40000"/>
+                    </a:schemeClr>
+                  </a:outerShdw>
+                </a:effectLst>
+              </a:rPr>
+              <a:t>Cat qubit</a:t>
+            </a:r>
+            <a:endParaRPr lang="en-US" altLang="zh-CN" sz="3600" b="1">
+              <a:solidFill>
+                <a:schemeClr val="tx1"/>
+              </a:solidFill>
+              <a:effectLst>
+                <a:outerShdw blurRad="38100" dist="19050" dir="2700000" algn="tl" rotWithShape="0">
+                  <a:schemeClr val="dk1">
+                    <a:alpha val="40000"/>
+                  </a:schemeClr>
+                </a:outerShdw>
+              </a:effectLst>
+            </a:endParaRPr>
+          </a:p>
+        </p:txBody>
+      </p:sp>
+      <p:pic>
+        <p:nvPicPr>
+          <p:cNvPr id="14" name="图片 13" descr="Shrodinger_cat"/>
+          <p:cNvPicPr>
+            <a:picLocks noChangeAspect="1"/>
+          </p:cNvPicPr>
+          <p:nvPr/>
+        </p:nvPicPr>
+        <p:blipFill>
+          <a:blip r:embed="rId1"/>
+          <a:stretch>
+            <a:fillRect/>
+          </a:stretch>
+        </p:blipFill>
+        <p:spPr>
+          <a:xfrm>
+            <a:off x="1232535" y="3318510"/>
+            <a:ext cx="6757035" cy="3092450"/>
+          </a:xfrm>
+          <a:prstGeom prst="rect">
+            <a:avLst/>
+          </a:prstGeom>
+        </p:spPr>
+      </p:pic>
+    </p:spTree>
+  </p:cSld>
+  <p:clrMapOvr>
+    <a:masterClrMapping/>
+  </p:clrMapOvr>
+  <p:timing>
+    <p:tnLst>
+      <p:par>
+        <p:cTn id="1" dur="indefinite" restart="never" nodeType="tmRoot">
+          <p:childTnLst>
+            <p:seq concurrent="1" nextAc="seek">
+              <p:cTn id="2" dur="indefinite" nodeType="mainSeq">
+                <p:childTnLst>
+                  <p:par>
+                    <p:cTn id="3" fill="hold">
+                      <p:stCondLst>
+                        <p:cond delay="indefinite"/>
+                      </p:stCondLst>
+                      <p:childTnLst>
+                        <p:par>
+                          <p:cTn id="4" fill="hold">
+                            <p:stCondLst>
+                              <p:cond delay="0"/>
+                            </p:stCondLst>
+                            <p:childTnLst>
+                              <p:par>
+                                <p:cTn id="5" presetID="2" presetClass="entr" presetSubtype="8" fill="hold" grpId="0" nodeType="clickEffect">
+                                  <p:stCondLst>
+                                    <p:cond delay="0"/>
+                                  </p:stCondLst>
+                                  <p:childTnLst>
+                                    <p:set>
+                                      <p:cBhvr>
+                                        <p:cTn id="6" dur="1" fill="hold">
+                                          <p:stCondLst>
+                                            <p:cond delay="0"/>
+                                          </p:stCondLst>
+                                        </p:cTn>
+                                        <p:tgtEl>
+                                          <p:spTgt spid="2"/>
+                                        </p:tgtEl>
+                                        <p:attrNameLst>
+                                          <p:attrName>style.visibility</p:attrName>
+                                        </p:attrNameLst>
+                                      </p:cBhvr>
+                                      <p:to>
+                                        <p:strVal val="visible"/>
+                                      </p:to>
+                                    </p:set>
+                                    <p:anim calcmode="lin" valueType="num">
+                                      <p:cBhvr additive="base">
+                                        <p:cTn id="7" dur="500" fill="hold"/>
+                                        <p:tgtEl>
+                                          <p:spTgt spid="2"/>
+                                        </p:tgtEl>
+                                        <p:attrNameLst>
+                                          <p:attrName>ppt_x</p:attrName>
+                                        </p:attrNameLst>
+                                      </p:cBhvr>
+                                      <p:tavLst>
+                                        <p:tav tm="0">
+                                          <p:val>
+                                            <p:strVal val="0-#ppt_w/2"/>
+                                          </p:val>
+                                        </p:tav>
+                                        <p:tav tm="100000">
+                                          <p:val>
+                                            <p:strVal val="#ppt_x"/>
+                                          </p:val>
+                                        </p:tav>
+                                      </p:tavLst>
+                                    </p:anim>
+                                    <p:anim calcmode="lin" valueType="num">
+                                      <p:cBhvr additive="base">
+                                        <p:cTn id="8" dur="500" fill="hold"/>
+                                        <p:tgtEl>
+                                          <p:spTgt spid="2"/>
+                                        </p:tgtEl>
+                                        <p:attrNameLst>
+                                          <p:attrName>ppt_y</p:attrName>
+                                        </p:attrNameLst>
+                                      </p:cBhvr>
+                                      <p:tavLst>
+                                        <p:tav tm="0">
+                                          <p:val>
+                                            <p:strVal val="#ppt_y"/>
+                                          </p:val>
+                                        </p:tav>
+                                        <p:tav tm="100000">
+                                          <p:val>
+                                            <p:strVal val="#ppt_y"/>
+                                          </p:val>
+                                        </p:tav>
+                                      </p:tavLst>
+                                    </p:anim>
+                                  </p:childTnLst>
+                                </p:cTn>
+                              </p:par>
+                            </p:childTnLst>
+                          </p:cTn>
+                        </p:par>
+                      </p:childTnLst>
+                    </p:cTn>
+                  </p:par>
+                  <p:par>
+                    <p:cTn id="9" fill="hold">
+                      <p:stCondLst>
+                        <p:cond delay="indefinite"/>
+                      </p:stCondLst>
+                      <p:childTnLst>
+                        <p:par>
+                          <p:cTn id="10" fill="hold">
+                            <p:stCondLst>
+                              <p:cond delay="0"/>
+                            </p:stCondLst>
+                            <p:childTnLst>
+                              <p:par>
+                                <p:cTn id="11" presetID="2" presetClass="entr" presetSubtype="2" fill="hold" grpId="0" nodeType="clickEffect">
+                                  <p:stCondLst>
+                                    <p:cond delay="0"/>
+                                  </p:stCondLst>
+                                  <p:childTnLst>
+                                    <p:set>
+                                      <p:cBhvr>
+                                        <p:cTn id="12" dur="1" fill="hold">
+                                          <p:stCondLst>
+                                            <p:cond delay="0"/>
+                                          </p:stCondLst>
+                                        </p:cTn>
+                                        <p:tgtEl>
+                                          <p:spTgt spid="9"/>
+                                        </p:tgtEl>
+                                        <p:attrNameLst>
+                                          <p:attrName>style.visibility</p:attrName>
+                                        </p:attrNameLst>
+                                      </p:cBhvr>
+                                      <p:to>
+                                        <p:strVal val="visible"/>
+                                      </p:to>
+                                    </p:set>
+                                    <p:anim calcmode="lin" valueType="num">
+                                      <p:cBhvr additive="base">
+                                        <p:cTn id="13" dur="500" fill="hold"/>
+                                        <p:tgtEl>
+                                          <p:spTgt spid="9"/>
+                                        </p:tgtEl>
+                                        <p:attrNameLst>
+                                          <p:attrName>ppt_x</p:attrName>
+                                        </p:attrNameLst>
+                                      </p:cBhvr>
+                                      <p:tavLst>
+                                        <p:tav tm="0">
+                                          <p:val>
+                                            <p:strVal val="1+#ppt_w/2"/>
+                                          </p:val>
+                                        </p:tav>
+                                        <p:tav tm="100000">
+                                          <p:val>
+                                            <p:strVal val="#ppt_x"/>
+                                          </p:val>
+                                        </p:tav>
+                                      </p:tavLst>
+                                    </p:anim>
+                                    <p:anim calcmode="lin" valueType="num">
+                                      <p:cBhvr additive="base">
+                                        <p:cTn id="14" dur="500" fill="hold"/>
+                                        <p:tgtEl>
+                                          <p:spTgt spid="9"/>
+                                        </p:tgtEl>
+                                        <p:attrNameLst>
+                                          <p:attrName>ppt_y</p:attrName>
+                                        </p:attrNameLst>
+                                      </p:cBhvr>
+                                      <p:tavLst>
+                                        <p:tav tm="0">
+                                          <p:val>
+                                            <p:strVal val="#ppt_y"/>
+                                          </p:val>
+                                        </p:tav>
+                                        <p:tav tm="100000">
+                                          <p:val>
+                                            <p:strVal val="#ppt_y"/>
+                                          </p:val>
+                                        </p:tav>
+                                      </p:tavLst>
+                                    </p:anim>
+                                  </p:childTnLst>
+                                </p:cTn>
+                              </p:par>
+                            </p:childTnLst>
+                          </p:cTn>
+                        </p:par>
+                      </p:childTnLst>
+                    </p:cTn>
+                  </p:par>
+                  <p:par>
+                    <p:cTn id="15" fill="hold">
+                      <p:stCondLst>
+                        <p:cond delay="indefinite"/>
+                      </p:stCondLst>
+                      <p:childTnLst>
+                        <p:par>
+                          <p:cTn id="16" fill="hold">
+                            <p:stCondLst>
+                              <p:cond delay="0"/>
+                            </p:stCondLst>
+                            <p:childTnLst>
+                              <p:par>
+                                <p:cTn id="17" presetID="3" presetClass="entr" presetSubtype="10" fill="hold" grpId="0" nodeType="clickEffect">
+                                  <p:stCondLst>
+                                    <p:cond delay="0"/>
+                                  </p:stCondLst>
+                                  <p:childTnLst>
+                                    <p:set>
+                                      <p:cBhvr>
+                                        <p:cTn id="18" dur="1" fill="hold">
+                                          <p:stCondLst>
+                                            <p:cond delay="0"/>
+                                          </p:stCondLst>
+                                        </p:cTn>
+                                        <p:tgtEl>
+                                          <p:spTgt spid="10"/>
+                                        </p:tgtEl>
+                                        <p:attrNameLst>
+                                          <p:attrName>style.visibility</p:attrName>
+                                        </p:attrNameLst>
+                                      </p:cBhvr>
+                                      <p:to>
+                                        <p:strVal val="visible"/>
+                                      </p:to>
+                                    </p:set>
+                                    <p:animEffect transition="in" filter="blinds(horizontal)">
+                                      <p:cBhvr>
+                                        <p:cTn id="19" dur="500"/>
+                                        <p:tgtEl>
+                                          <p:spTgt spid="10"/>
+                                        </p:tgtEl>
+                                      </p:cBhvr>
+                                    </p:animEffect>
+                                  </p:childTnLst>
+                                </p:cTn>
+                              </p:par>
+                              <p:par>
+                                <p:cTn id="20" presetID="3" presetClass="entr" presetSubtype="10" fill="hold" nodeType="withEffect">
+                                  <p:stCondLst>
+                                    <p:cond delay="0"/>
+                                  </p:stCondLst>
+                                  <p:childTnLst>
+                                    <p:set>
+                                      <p:cBhvr>
+                                        <p:cTn id="21" dur="1" fill="hold">
+                                          <p:stCondLst>
+                                            <p:cond delay="0"/>
+                                          </p:stCondLst>
+                                        </p:cTn>
+                                        <p:tgtEl>
+                                          <p:spTgt spid="14"/>
+                                        </p:tgtEl>
+                                        <p:attrNameLst>
+                                          <p:attrName>style.visibility</p:attrName>
+                                        </p:attrNameLst>
+                                      </p:cBhvr>
+                                      <p:to>
+                                        <p:strVal val="visible"/>
+                                      </p:to>
+                                    </p:set>
+                                    <p:animEffect transition="in" filter="blinds(horizontal)">
+                                      <p:cBhvr>
+                                        <p:cTn id="22" dur="500"/>
+                                        <p:tgtEl>
+                                          <p:spTgt spid="14"/>
+                                        </p:tgtEl>
+                                      </p:cBhvr>
+                                    </p:animEffect>
+                                  </p:childTnLst>
+                                </p:cTn>
+                              </p:par>
+                            </p:childTnLst>
+                          </p:cTn>
+                        </p:par>
+                      </p:childTnLst>
+                    </p:cTn>
+                  </p:par>
+                </p:childTnLst>
+              </p:cTn>
+              <p:prevCondLst>
+                <p:cond evt="onPrev" delay="0">
+                  <p:tgtEl>
+                    <p:sldTgt/>
+                  </p:tgtEl>
+                </p:cond>
+              </p:prevCondLst>
+              <p:nextCondLst>
+                <p:cond evt="onNext" delay="0">
+                  <p:tgtEl>
+                    <p:sldTgt/>
+                  </p:tgtEl>
+                </p:cond>
+              </p:nextCondLst>
+            </p:seq>
+          </p:childTnLst>
+        </p:cTn>
+      </p:par>
+    </p:tnLst>
+    <p:bldLst>
+      <p:bldP spid="10" grpId="0"/>
+      <p:bldP spid="10" grpId="1"/>
+      <p:bldP spid="2" grpId="0"/>
+      <p:bldP spid="2" grpId="1"/>
+      <p:bldP spid="9" grpId="0"/>
+      <p:bldP spid="9" grpId="1"/>
+    </p:bldLst>
+  </p:timing>
+</p:sld>
+</file>
+
+<file path=ppt/slides/slide12.xml><?xml version="1.0" encoding="utf-8"?>
+<p:sld xmlns:a="http://schemas.openxmlformats.org/drawingml/2006/main" xmlns:r="http://schemas.openxmlformats.org/officeDocument/2006/relationships" xmlns:p="http://schemas.openxmlformats.org/presentationml/2006/main">
+  <p:cSld>
+    <p:spTree>
+      <p:nvGrpSpPr>
+        <p:cNvPr id="1" name=""/>
+        <p:cNvGrpSpPr/>
+        <p:nvPr/>
+      </p:nvGrpSpPr>
+      <p:grpSpPr>
+        <a:xfrm>
+          <a:off x="0" y="0"/>
+          <a:ext cx="0" cy="0"/>
+          <a:chOff x="0" y="0"/>
+          <a:chExt cx="0" cy="0"/>
+        </a:xfrm>
+      </p:grpSpPr>
+      <p:sp>
+        <p:nvSpPr>
+          <p:cNvPr id="5" name="标题 1"/>
+          <p:cNvSpPr txBox="1"/>
+          <p:nvPr/>
+        </p:nvSpPr>
+        <p:spPr>
+          <a:xfrm>
+            <a:off x="1858577" y="197440"/>
+            <a:ext cx="5426846" cy="493394"/>
+          </a:xfrm>
+          <a:prstGeom prst="rect">
+            <a:avLst/>
+          </a:prstGeom>
+          <a:gradFill>
+            <a:gsLst>
+              <a:gs pos="19000">
+                <a:srgbClr val="FE4444"/>
+              </a:gs>
+              <a:gs pos="57000">
+                <a:srgbClr val="832B2B"/>
+              </a:gs>
+            </a:gsLst>
+            <a:lin ang="5400000" scaled="0"/>
+          </a:gradFill>
+        </p:spPr>
+        <p:txBody>
+          <a:bodyPr anchor="ctr" anchorCtr="0"/>
+          <a:lstStyle>
+            <a:lvl1pPr algn="l" defTabSz="914400" rtl="0" eaLnBrk="1" latinLnBrk="0" hangingPunct="1">
+              <a:lnSpc>
+                <a:spcPct val="90000"/>
+              </a:lnSpc>
+              <a:spcBef>
+                <a:spcPct val="0"/>
+              </a:spcBef>
+              <a:buNone/>
+              <a:defRPr sz="4400" kern="1200">
+                <a:solidFill>
+                  <a:schemeClr val="tx1"/>
+                </a:solidFill>
+                <a:latin typeface="+mj-lt"/>
+                <a:ea typeface="+mj-ea"/>
+                <a:cs typeface="+mj-cs"/>
+              </a:defRPr>
+            </a:lvl1pPr>
+          </a:lstStyle>
+          <a:p>
+            <a:pPr marL="0" marR="0" lvl="0" indent="0" algn="ctr" defTabSz="914400" rtl="0" eaLnBrk="1" fontAlgn="auto" latinLnBrk="0" hangingPunct="1">
+              <a:lnSpc>
+                <a:spcPct val="100000"/>
+              </a:lnSpc>
+              <a:spcBef>
+                <a:spcPts val="0"/>
+              </a:spcBef>
+              <a:spcAft>
+                <a:spcPts val="0"/>
+              </a:spcAft>
+              <a:buClrTx/>
+              <a:buSzTx/>
+              <a:buFontTx/>
+              <a:buNone/>
+              <a:defRPr/>
+            </a:pPr>
+            <a:r>
+              <a:rPr kumimoji="0" lang="en-US" altLang="zh-CN" sz="2800" b="0" i="0" u="none" strike="noStrike" kern="1200" cap="none" spc="0" normalizeH="0" baseline="0" noProof="0" dirty="0">
+                <a:ln>
+                  <a:noFill/>
+                </a:ln>
+                <a:solidFill>
+                  <a:prstClr val="white"/>
+                </a:solidFill>
+                <a:effectLst/>
+                <a:uLnTx/>
+                <a:uFillTx/>
+                <a:latin typeface="微软雅黑" panose="020B0503020204020204" charset="-122"/>
+                <a:ea typeface="微软雅黑" panose="020B0503020204020204" charset="-122"/>
+                <a:cs typeface="+mj-cs"/>
+              </a:rPr>
+              <a:t>Cat state</a:t>
+            </a:r>
+            <a:endParaRPr kumimoji="0" lang="en-US" altLang="zh-CN" sz="2800" b="0" i="0" u="none" strike="noStrike" kern="1200" cap="none" spc="0" normalizeH="0" baseline="0" noProof="0" dirty="0">
+              <a:ln>
+                <a:noFill/>
+              </a:ln>
+              <a:solidFill>
+                <a:prstClr val="white"/>
+              </a:solidFill>
+              <a:effectLst/>
+              <a:uLnTx/>
+              <a:uFillTx/>
+              <a:latin typeface="微软雅黑" panose="020B0503020204020204" charset="-122"/>
+              <a:ea typeface="微软雅黑" panose="020B0503020204020204" charset="-122"/>
+              <a:cs typeface="+mj-cs"/>
+            </a:endParaRPr>
+          </a:p>
+        </p:txBody>
+      </p:sp>
+      <p:cxnSp>
+        <p:nvCxnSpPr>
+          <p:cNvPr id="6" name="直接连接符 5"/>
+          <p:cNvCxnSpPr>
+            <a:endCxn id="5" idx="1"/>
+          </p:cNvCxnSpPr>
+          <p:nvPr/>
+        </p:nvCxnSpPr>
+        <p:spPr>
+          <a:xfrm>
+            <a:off x="0" y="444772"/>
+            <a:ext cx="1858577" cy="0"/>
+          </a:xfrm>
+          <a:prstGeom prst="line">
+            <a:avLst/>
+          </a:prstGeom>
+          <a:ln w="25400">
+            <a:solidFill>
+              <a:srgbClr val="C00000"/>
+            </a:solidFill>
+          </a:ln>
+        </p:spPr>
+        <p:style>
+          <a:lnRef idx="1">
+            <a:schemeClr val="accent1"/>
+          </a:lnRef>
+          <a:fillRef idx="0">
+            <a:schemeClr val="accent1"/>
+          </a:fillRef>
+          <a:effectRef idx="0">
+            <a:schemeClr val="accent1"/>
+          </a:effectRef>
+          <a:fontRef idx="minor">
+            <a:schemeClr val="tx1"/>
+          </a:fontRef>
+        </p:style>
+      </p:cxnSp>
+      <p:cxnSp>
+        <p:nvCxnSpPr>
+          <p:cNvPr id="7" name="直接连接符 6"/>
+          <p:cNvCxnSpPr>
+            <a:stCxn id="5" idx="3"/>
+          </p:cNvCxnSpPr>
+          <p:nvPr/>
+        </p:nvCxnSpPr>
+        <p:spPr>
+          <a:xfrm>
+            <a:off x="7285423" y="444772"/>
+            <a:ext cx="1858577" cy="1"/>
+          </a:xfrm>
+          <a:prstGeom prst="line">
+            <a:avLst/>
+          </a:prstGeom>
+          <a:ln w="25400">
+            <a:solidFill>
+              <a:srgbClr val="C00000"/>
+            </a:solidFill>
+          </a:ln>
+        </p:spPr>
+        <p:style>
+          <a:lnRef idx="1">
+            <a:schemeClr val="accent1"/>
+          </a:lnRef>
+          <a:fillRef idx="0">
+            <a:schemeClr val="accent1"/>
+          </a:fillRef>
+          <a:effectRef idx="0">
+            <a:schemeClr val="accent1"/>
+          </a:effectRef>
+          <a:fontRef idx="minor">
+            <a:schemeClr val="tx1"/>
+          </a:fontRef>
+        </p:style>
+      </p:cxnSp>
+      <p:sp>
+        <p:nvSpPr>
+          <p:cNvPr id="2" name="矩形 1"/>
+          <p:cNvSpPr/>
+          <p:nvPr/>
+        </p:nvSpPr>
+        <p:spPr>
+          <a:xfrm>
+            <a:off x="360680" y="901065"/>
+            <a:ext cx="7437755" cy="521970"/>
+          </a:xfrm>
+          <a:prstGeom prst="rect">
+            <a:avLst/>
+          </a:prstGeom>
+          <a:noFill/>
+          <a:ln>
+            <a:noFill/>
+          </a:ln>
+        </p:spPr>
+        <p:txBody>
+          <a:bodyPr wrap="square" rtlCol="0" anchor="t">
+            <a:spAutoFit/>
+          </a:bodyPr>
+          <a:p>
+            <a:pPr algn="l"/>
+            <a:r>
+              <a:rPr lang="en-US" altLang="zh-CN" sz="2800">
+                <a:solidFill>
+                  <a:srgbClr val="FF0000"/>
+                </a:solidFill>
+                <a:effectLst>
+                  <a:outerShdw blurRad="38100" dist="19050" dir="2700000" algn="tl" rotWithShape="0">
+                    <a:schemeClr val="dk1">
+                      <a:alpha val="40000"/>
+                    </a:schemeClr>
+                  </a:outerShdw>
+                </a:effectLst>
+              </a:rPr>
+              <a:t>What is cat state ?</a:t>
+            </a:r>
+            <a:endParaRPr lang="en-US" altLang="zh-CN" sz="2800">
+              <a:solidFill>
+                <a:srgbClr val="FF0000"/>
+              </a:solidFill>
+              <a:effectLst>
+                <a:outerShdw blurRad="38100" dist="19050" dir="2700000" algn="tl" rotWithShape="0">
+                  <a:schemeClr val="dk1">
+                    <a:alpha val="40000"/>
+                  </a:schemeClr>
+                </a:outerShdw>
+              </a:effectLst>
+            </a:endParaRPr>
+          </a:p>
+        </p:txBody>
+      </p:sp>
+      <p:sp>
+        <p:nvSpPr>
+          <p:cNvPr id="3" name="文本框 2"/>
+          <p:cNvSpPr txBox="1"/>
+          <p:nvPr/>
+        </p:nvSpPr>
+        <p:spPr>
+          <a:xfrm>
+            <a:off x="674370" y="1476375"/>
+            <a:ext cx="7124700" cy="783590"/>
+          </a:xfrm>
+          <a:prstGeom prst="rect">
+            <a:avLst/>
+          </a:prstGeom>
+          <a:noFill/>
+        </p:spPr>
+        <p:txBody>
+          <a:bodyPr wrap="square" rtlCol="0">
+            <a:spAutoFit/>
+          </a:bodyPr>
+          <a:p>
+            <a:pPr>
+              <a:lnSpc>
+                <a:spcPct val="125000"/>
+              </a:lnSpc>
+              <a:spcBef>
+                <a:spcPts val="0"/>
+              </a:spcBef>
+              <a:spcAft>
+                <a:spcPts val="0"/>
+              </a:spcAft>
+            </a:pPr>
+            <a:r>
+              <a:rPr lang="en-US" altLang="zh-CN"/>
+              <a:t>Cat state, g</a:t>
+            </a:r>
+            <a:r>
+              <a:rPr lang="en-US" altLang="zh-CN">
+                <a:sym typeface="+mn-ea"/>
+              </a:rPr>
+              <a:t>enerally, </a:t>
+            </a:r>
+            <a:r>
+              <a:rPr lang="en-US" altLang="zh-CN"/>
+              <a:t>is a quantum state that is a superposition of two completely opposite states.</a:t>
+            </a:r>
+            <a:endParaRPr lang="en-US" altLang="zh-CN"/>
+          </a:p>
+        </p:txBody>
+      </p:sp>
+      <p:sp>
+        <p:nvSpPr>
+          <p:cNvPr id="4" name="文本框 3"/>
+          <p:cNvSpPr txBox="1"/>
+          <p:nvPr/>
+        </p:nvSpPr>
+        <p:spPr>
+          <a:xfrm>
+            <a:off x="1106805" y="2121535"/>
+            <a:ext cx="3489960" cy="1337945"/>
+          </a:xfrm>
+          <a:prstGeom prst="rect">
+            <a:avLst/>
+          </a:prstGeom>
+          <a:noFill/>
+        </p:spPr>
+        <p:txBody>
+          <a:bodyPr wrap="square" rtlCol="0">
+            <a:spAutoFit/>
+          </a:bodyPr>
+          <a:p>
+            <a:pPr>
+              <a:lnSpc>
+                <a:spcPct val="150000"/>
+              </a:lnSpc>
+            </a:pPr>
+            <a:r>
+              <a:rPr lang="en-US" altLang="zh-CN"/>
+              <a:t>e.g.</a:t>
+            </a:r>
+            <a:endParaRPr lang="en-US" altLang="zh-CN"/>
+          </a:p>
+          <a:p>
+            <a:pPr>
+              <a:lnSpc>
+                <a:spcPct val="150000"/>
+              </a:lnSpc>
+            </a:pPr>
+            <a:r>
+              <a:rPr lang="en-US" altLang="zh-CN"/>
+              <a:t> Cats are both alive and dead at the same time</a:t>
+            </a:r>
+            <a:endParaRPr lang="en-US" altLang="zh-CN"/>
+          </a:p>
+        </p:txBody>
+      </p:sp>
+      <p:pic>
+        <p:nvPicPr>
+          <p:cNvPr id="8" name="图片 7" descr="cat_state_pic"/>
+          <p:cNvPicPr>
+            <a:picLocks noChangeAspect="1"/>
+          </p:cNvPicPr>
+          <p:nvPr/>
+        </p:nvPicPr>
+        <p:blipFill>
+          <a:blip r:embed="rId1"/>
+          <a:stretch>
+            <a:fillRect/>
+          </a:stretch>
+        </p:blipFill>
+        <p:spPr>
+          <a:xfrm>
+            <a:off x="4621530" y="2595245"/>
+            <a:ext cx="2600960" cy="909320"/>
+          </a:xfrm>
+          <a:prstGeom prst="rect">
+            <a:avLst/>
+          </a:prstGeom>
+        </p:spPr>
+      </p:pic>
+      <p:sp>
+        <p:nvSpPr>
+          <p:cNvPr id="11" name="矩形 10"/>
+          <p:cNvSpPr/>
+          <p:nvPr/>
+        </p:nvSpPr>
+        <p:spPr>
+          <a:xfrm>
+            <a:off x="360680" y="3668395"/>
+            <a:ext cx="7437755" cy="521970"/>
+          </a:xfrm>
+          <a:prstGeom prst="rect">
+            <a:avLst/>
+          </a:prstGeom>
+          <a:noFill/>
+          <a:ln>
+            <a:noFill/>
+          </a:ln>
+        </p:spPr>
+        <p:txBody>
+          <a:bodyPr wrap="square" rtlCol="0" anchor="t">
+            <a:spAutoFit/>
+          </a:bodyPr>
+          <a:p>
+            <a:pPr algn="l"/>
+            <a:r>
+              <a:rPr lang="en-US" altLang="zh-CN" sz="2800">
+                <a:solidFill>
+                  <a:srgbClr val="FF0000"/>
+                </a:solidFill>
+                <a:effectLst>
+                  <a:outerShdw blurRad="38100" dist="19050" dir="2700000" algn="tl" rotWithShape="0">
+                    <a:schemeClr val="dk1">
+                      <a:alpha val="40000"/>
+                    </a:schemeClr>
+                  </a:outerShdw>
+                </a:effectLst>
+              </a:rPr>
+              <a:t>Cat state in quantum optics</a:t>
+            </a:r>
+            <a:endParaRPr lang="en-US" altLang="zh-CN" sz="2800">
+              <a:solidFill>
+                <a:srgbClr val="FF0000"/>
+              </a:solidFill>
+              <a:effectLst>
+                <a:outerShdw blurRad="38100" dist="19050" dir="2700000" algn="tl" rotWithShape="0">
+                  <a:schemeClr val="dk1">
+                    <a:alpha val="40000"/>
+                  </a:schemeClr>
+                </a:outerShdw>
+              </a:effectLst>
+            </a:endParaRPr>
+          </a:p>
+        </p:txBody>
+      </p:sp>
+      <p:sp>
+        <p:nvSpPr>
+          <p:cNvPr id="12" name="文本框 11"/>
+          <p:cNvSpPr txBox="1"/>
+          <p:nvPr/>
+        </p:nvSpPr>
+        <p:spPr>
+          <a:xfrm>
+            <a:off x="674370" y="4262120"/>
+            <a:ext cx="6195060" cy="783590"/>
+          </a:xfrm>
+          <a:prstGeom prst="rect">
+            <a:avLst/>
+          </a:prstGeom>
+          <a:noFill/>
+        </p:spPr>
+        <p:txBody>
+          <a:bodyPr wrap="square" rtlCol="0">
+            <a:spAutoFit/>
+          </a:bodyPr>
+          <a:p>
+            <a:pPr>
+              <a:lnSpc>
+                <a:spcPct val="125000"/>
+              </a:lnSpc>
+              <a:spcBef>
+                <a:spcPts val="0"/>
+              </a:spcBef>
+              <a:spcAft>
+                <a:spcPts val="0"/>
+              </a:spcAft>
+            </a:pPr>
+            <a:r>
+              <a:rPr lang="en-US" altLang="zh-CN"/>
+              <a:t>C</a:t>
+            </a:r>
+            <a:r>
+              <a:rPr lang="zh-CN" altLang="en-US"/>
+              <a:t>at state </a:t>
+            </a:r>
+            <a:r>
+              <a:rPr lang="en-US" altLang="zh-CN"/>
+              <a:t>is a</a:t>
+            </a:r>
+            <a:r>
+              <a:rPr lang="zh-CN" altLang="en-US"/>
+              <a:t> superposition of two opposite-phase </a:t>
+            </a:r>
+            <a:r>
+              <a:rPr lang="zh-CN" altLang="en-US" b="1">
+                <a:solidFill>
+                  <a:srgbClr val="FF0000"/>
+                </a:solidFill>
+              </a:rPr>
+              <a:t>coherent states</a:t>
+            </a:r>
+            <a:r>
+              <a:rPr lang="zh-CN" altLang="en-US"/>
+              <a:t> of a single mode</a:t>
+            </a:r>
+            <a:endParaRPr lang="zh-CN" altLang="en-US"/>
+          </a:p>
+        </p:txBody>
+      </p:sp>
+      <p:pic>
+        <p:nvPicPr>
+          <p:cNvPr id="13" name="图片 12" descr="coherent_state"/>
+          <p:cNvPicPr>
+            <a:picLocks noChangeAspect="1"/>
+          </p:cNvPicPr>
+          <p:nvPr/>
+        </p:nvPicPr>
+        <p:blipFill>
+          <a:blip r:embed="rId2">
+            <a:extLst>
+              <a:ext uri="{96DAC541-7B7A-43D3-8B79-37D633B846F1}">
+                <asvg:svgBlip xmlns:asvg="http://schemas.microsoft.com/office/drawing/2016/SVG/main" r:embed="rId3"/>
+              </a:ext>
+            </a:extLst>
+          </a:blip>
+          <a:stretch>
+            <a:fillRect/>
+          </a:stretch>
+        </p:blipFill>
+        <p:spPr>
+          <a:xfrm>
+            <a:off x="2527300" y="5274310"/>
+            <a:ext cx="3235325" cy="791845"/>
+          </a:xfrm>
+          <a:prstGeom prst="rect">
+            <a:avLst/>
+          </a:prstGeom>
+        </p:spPr>
+      </p:pic>
+    </p:spTree>
+  </p:cSld>
+  <p:clrMapOvr>
+    <a:masterClrMapping/>
+  </p:clrMapOvr>
+  <p:timing>
+    <p:tnLst>
+      <p:par>
+        <p:cTn id="1" dur="indefinite" restart="never" nodeType="tmRoot"/>
+      </p:par>
+    </p:tnLst>
+    <p:bldLst>
+      <p:bldP spid="2" grpId="1"/>
+    </p:bldLst>
+  </p:timing>
+</p:sld>
+</file>
+
+<file path=ppt/slides/slide13.xml><?xml version="1.0" encoding="utf-8"?>
+<p:sld xmlns:a="http://schemas.openxmlformats.org/drawingml/2006/main" xmlns:r="http://schemas.openxmlformats.org/officeDocument/2006/relationships" xmlns:p="http://schemas.openxmlformats.org/presentationml/2006/main">
+  <p:cSld>
+    <p:spTree>
+      <p:nvGrpSpPr>
+        <p:cNvPr id="1" name=""/>
+        <p:cNvGrpSpPr/>
+        <p:nvPr/>
+      </p:nvGrpSpPr>
+      <p:grpSpPr>
+        <a:xfrm>
+          <a:off x="0" y="0"/>
+          <a:ext cx="0" cy="0"/>
+          <a:chOff x="0" y="0"/>
+          <a:chExt cx="0" cy="0"/>
+        </a:xfrm>
+      </p:grpSpPr>
+      <p:sp>
+        <p:nvSpPr>
+          <p:cNvPr id="5" name="标题 1"/>
+          <p:cNvSpPr txBox="1"/>
+          <p:nvPr/>
+        </p:nvSpPr>
+        <p:spPr>
+          <a:xfrm>
+            <a:off x="1858577" y="197440"/>
+            <a:ext cx="5426846" cy="493394"/>
+          </a:xfrm>
+          <a:prstGeom prst="rect">
+            <a:avLst/>
+          </a:prstGeom>
+          <a:gradFill>
+            <a:gsLst>
+              <a:gs pos="19000">
+                <a:srgbClr val="FE4444"/>
+              </a:gs>
+              <a:gs pos="57000">
+                <a:srgbClr val="832B2B"/>
+              </a:gs>
+            </a:gsLst>
+            <a:lin ang="5400000" scaled="0"/>
+          </a:gradFill>
+        </p:spPr>
+        <p:txBody>
+          <a:bodyPr anchor="ctr" anchorCtr="0"/>
+          <a:lstStyle>
+            <a:lvl1pPr algn="l" defTabSz="914400" rtl="0" eaLnBrk="1" latinLnBrk="0" hangingPunct="1">
+              <a:lnSpc>
+                <a:spcPct val="90000"/>
+              </a:lnSpc>
+              <a:spcBef>
+                <a:spcPct val="0"/>
+              </a:spcBef>
+              <a:buNone/>
+              <a:defRPr sz="4400" kern="1200">
+                <a:solidFill>
+                  <a:schemeClr val="tx1"/>
+                </a:solidFill>
+                <a:latin typeface="+mj-lt"/>
+                <a:ea typeface="+mj-ea"/>
+                <a:cs typeface="+mj-cs"/>
+              </a:defRPr>
+            </a:lvl1pPr>
+          </a:lstStyle>
+          <a:p>
+            <a:pPr marL="0" marR="0" lvl="0" indent="0" algn="ctr" defTabSz="914400" rtl="0" eaLnBrk="1" fontAlgn="auto" latinLnBrk="0" hangingPunct="1">
+              <a:lnSpc>
+                <a:spcPct val="100000"/>
+              </a:lnSpc>
+              <a:spcBef>
+                <a:spcPts val="0"/>
+              </a:spcBef>
+              <a:spcAft>
+                <a:spcPts val="0"/>
+              </a:spcAft>
+              <a:buClrTx/>
+              <a:buSzTx/>
+              <a:buFontTx/>
+              <a:buNone/>
+              <a:defRPr/>
+            </a:pPr>
+            <a:r>
+              <a:rPr kumimoji="0" lang="en-US" altLang="zh-CN" sz="2800" b="0" i="0" u="none" strike="noStrike" kern="1200" cap="none" spc="0" normalizeH="0" baseline="0" noProof="0" dirty="0">
+                <a:ln>
+                  <a:noFill/>
+                </a:ln>
+                <a:solidFill>
+                  <a:prstClr val="white"/>
+                </a:solidFill>
+                <a:effectLst/>
+                <a:uLnTx/>
+                <a:uFillTx/>
+                <a:latin typeface="微软雅黑" panose="020B0503020204020204" charset="-122"/>
+                <a:ea typeface="微软雅黑" panose="020B0503020204020204" charset="-122"/>
+                <a:cs typeface="+mj-cs"/>
+              </a:rPr>
+              <a:t>Cat state</a:t>
+            </a:r>
+            <a:endParaRPr kumimoji="0" lang="en-US" altLang="zh-CN" sz="2800" b="0" i="0" u="none" strike="noStrike" kern="1200" cap="none" spc="0" normalizeH="0" baseline="0" noProof="0" dirty="0">
+              <a:ln>
+                <a:noFill/>
+              </a:ln>
+              <a:solidFill>
+                <a:prstClr val="white"/>
+              </a:solidFill>
+              <a:effectLst/>
+              <a:uLnTx/>
+              <a:uFillTx/>
+              <a:latin typeface="微软雅黑" panose="020B0503020204020204" charset="-122"/>
+              <a:ea typeface="微软雅黑" panose="020B0503020204020204" charset="-122"/>
+              <a:cs typeface="+mj-cs"/>
+            </a:endParaRPr>
+          </a:p>
+        </p:txBody>
+      </p:sp>
+      <p:cxnSp>
+        <p:nvCxnSpPr>
+          <p:cNvPr id="6" name="直接连接符 5"/>
+          <p:cNvCxnSpPr>
+            <a:endCxn id="5" idx="1"/>
+          </p:cNvCxnSpPr>
+          <p:nvPr/>
+        </p:nvCxnSpPr>
+        <p:spPr>
+          <a:xfrm>
+            <a:off x="0" y="444772"/>
+            <a:ext cx="1858577" cy="0"/>
+          </a:xfrm>
+          <a:prstGeom prst="line">
+            <a:avLst/>
+          </a:prstGeom>
+          <a:ln w="25400">
+            <a:solidFill>
+              <a:srgbClr val="C00000"/>
+            </a:solidFill>
+          </a:ln>
+        </p:spPr>
+        <p:style>
+          <a:lnRef idx="1">
+            <a:schemeClr val="accent1"/>
+          </a:lnRef>
+          <a:fillRef idx="0">
+            <a:schemeClr val="accent1"/>
+          </a:fillRef>
+          <a:effectRef idx="0">
+            <a:schemeClr val="accent1"/>
+          </a:effectRef>
+          <a:fontRef idx="minor">
+            <a:schemeClr val="tx1"/>
+          </a:fontRef>
+        </p:style>
+      </p:cxnSp>
+      <p:cxnSp>
+        <p:nvCxnSpPr>
+          <p:cNvPr id="7" name="直接连接符 6"/>
+          <p:cNvCxnSpPr>
+            <a:stCxn id="5" idx="3"/>
+          </p:cNvCxnSpPr>
+          <p:nvPr/>
+        </p:nvCxnSpPr>
+        <p:spPr>
+          <a:xfrm>
+            <a:off x="7285423" y="444772"/>
+            <a:ext cx="1858577" cy="1"/>
+          </a:xfrm>
+          <a:prstGeom prst="line">
+            <a:avLst/>
+          </a:prstGeom>
+          <a:ln w="25400">
+            <a:solidFill>
+              <a:srgbClr val="C00000"/>
+            </a:solidFill>
+          </a:ln>
+        </p:spPr>
+        <p:style>
+          <a:lnRef idx="1">
+            <a:schemeClr val="accent1"/>
+          </a:lnRef>
+          <a:fillRef idx="0">
+            <a:schemeClr val="accent1"/>
+          </a:fillRef>
+          <a:effectRef idx="0">
+            <a:schemeClr val="accent1"/>
+          </a:effectRef>
+          <a:fontRef idx="minor">
+            <a:schemeClr val="tx1"/>
+          </a:fontRef>
+        </p:style>
+      </p:cxnSp>
+      <p:sp>
+        <p:nvSpPr>
+          <p:cNvPr id="2" name="矩形 1"/>
+          <p:cNvSpPr/>
+          <p:nvPr/>
+        </p:nvSpPr>
+        <p:spPr>
+          <a:xfrm>
+            <a:off x="504190" y="3401695"/>
+            <a:ext cx="1886585" cy="521970"/>
+          </a:xfrm>
+          <a:prstGeom prst="rect">
+            <a:avLst/>
+          </a:prstGeom>
+          <a:noFill/>
+          <a:ln>
+            <a:noFill/>
+          </a:ln>
+        </p:spPr>
+        <p:txBody>
+          <a:bodyPr wrap="square" rtlCol="0" anchor="t">
+            <a:spAutoFit/>
+          </a:bodyPr>
+          <a:p>
+            <a:pPr algn="l"/>
+            <a:r>
+              <a:rPr lang="en-US" altLang="zh-CN" sz="2800">
+                <a:solidFill>
+                  <a:srgbClr val="FF0000"/>
+                </a:solidFill>
+                <a:effectLst>
+                  <a:outerShdw blurRad="38100" dist="19050" dir="2700000" algn="tl" rotWithShape="0">
+                    <a:schemeClr val="dk1">
+                      <a:alpha val="40000"/>
+                    </a:schemeClr>
+                  </a:outerShdw>
+                </a:effectLst>
+              </a:rPr>
+              <a:t>Cat state</a:t>
+            </a:r>
+            <a:endParaRPr lang="en-US" altLang="zh-CN" sz="2800">
+              <a:solidFill>
+                <a:srgbClr val="FF0000"/>
+              </a:solidFill>
+              <a:effectLst>
+                <a:outerShdw blurRad="38100" dist="19050" dir="2700000" algn="tl" rotWithShape="0">
+                  <a:schemeClr val="dk1">
+                    <a:alpha val="40000"/>
+                  </a:schemeClr>
+                </a:outerShdw>
+              </a:effectLst>
+            </a:endParaRPr>
+          </a:p>
+        </p:txBody>
+      </p:sp>
+      <p:sp>
+        <p:nvSpPr>
+          <p:cNvPr id="9" name="左大括号 8"/>
+          <p:cNvSpPr/>
+          <p:nvPr/>
+        </p:nvSpPr>
+        <p:spPr>
+          <a:xfrm>
+            <a:off x="2308860" y="1004570"/>
+            <a:ext cx="500380" cy="5319395"/>
+          </a:xfrm>
+          <a:prstGeom prst="leftBrace">
+            <a:avLst/>
+          </a:prstGeom>
+          <a:ln w="28575" cmpd="sng">
+            <a:solidFill>
+              <a:schemeClr val="accent1">
+                <a:lumMod val="75000"/>
+              </a:schemeClr>
+            </a:solidFill>
+            <a:prstDash val="solid"/>
+          </a:ln>
+        </p:spPr>
+        <p:style>
+          <a:lnRef idx="1">
+            <a:schemeClr val="accent1"/>
+          </a:lnRef>
+          <a:fillRef idx="0">
+            <a:schemeClr val="accent1"/>
+          </a:fillRef>
+          <a:effectRef idx="0">
+            <a:schemeClr val="accent1"/>
+          </a:effectRef>
+          <a:fontRef idx="minor">
+            <a:schemeClr val="tx1"/>
+          </a:fontRef>
+        </p:style>
+        <p:txBody>
+          <a:bodyPr rtlCol="0" anchor="ctr"/>
+          <a:p>
+            <a:pPr algn="ctr"/>
+            <a:endParaRPr lang="zh-CN" altLang="en-US"/>
+          </a:p>
+        </p:txBody>
+      </p:sp>
+      <p:sp>
+        <p:nvSpPr>
+          <p:cNvPr id="10" name="文本框 9"/>
+          <p:cNvSpPr txBox="1"/>
+          <p:nvPr/>
+        </p:nvSpPr>
+        <p:spPr>
+          <a:xfrm>
+            <a:off x="3003550" y="804545"/>
+            <a:ext cx="1942465" cy="398780"/>
+          </a:xfrm>
+          <a:prstGeom prst="rect">
+            <a:avLst/>
+          </a:prstGeom>
+          <a:noFill/>
+        </p:spPr>
+        <p:txBody>
+          <a:bodyPr wrap="square" rtlCol="0">
+            <a:spAutoFit/>
+            <a:scene3d>
+              <a:camera prst="orthographicFront"/>
+              <a:lightRig rig="threePt" dir="t"/>
+            </a:scene3d>
+          </a:bodyPr>
+          <a:p>
+            <a:r>
+              <a:rPr lang="en-US" altLang="zh-CN" sz="2000">
+                <a:ln/>
+                <a:solidFill>
+                  <a:schemeClr val="accent5">
+                    <a:lumMod val="75000"/>
+                  </a:schemeClr>
+                </a:solidFill>
+                <a:effectLst>
+                  <a:outerShdw blurRad="38100" dist="19050" dir="2700000" algn="tl" rotWithShape="0">
+                    <a:schemeClr val="dk1">
+                      <a:alpha val="40000"/>
+                    </a:schemeClr>
+                  </a:outerShdw>
+                </a:effectLst>
+              </a:rPr>
+              <a:t>Even cat state</a:t>
+            </a:r>
+            <a:endParaRPr lang="en-US" altLang="zh-CN" sz="2000">
+              <a:ln/>
+              <a:solidFill>
+                <a:schemeClr val="accent5">
+                  <a:lumMod val="75000"/>
+                </a:schemeClr>
+              </a:solidFill>
+              <a:effectLst>
+                <a:outerShdw blurRad="38100" dist="19050" dir="2700000" algn="tl" rotWithShape="0">
+                  <a:schemeClr val="dk1">
+                    <a:alpha val="40000"/>
+                  </a:schemeClr>
+                </a:outerShdw>
+              </a:effectLst>
+            </a:endParaRPr>
+          </a:p>
+        </p:txBody>
+      </p:sp>
+      <p:sp>
+        <p:nvSpPr>
+          <p:cNvPr id="14" name="文本框 13"/>
+          <p:cNvSpPr txBox="1"/>
+          <p:nvPr/>
+        </p:nvSpPr>
+        <p:spPr>
+          <a:xfrm>
+            <a:off x="3269615" y="1234440"/>
+            <a:ext cx="2028190" cy="368300"/>
+          </a:xfrm>
+          <a:prstGeom prst="rect">
+            <a:avLst/>
+          </a:prstGeom>
+          <a:noFill/>
+        </p:spPr>
+        <p:txBody>
+          <a:bodyPr wrap="square" rtlCol="0">
+            <a:spAutoFit/>
+          </a:bodyPr>
+          <a:p>
+            <a:pPr marL="285750" indent="-285750">
+              <a:buFont typeface="Arial" panose="020B0604020202020204" pitchFamily="34" charset="0"/>
+              <a:buChar char="•"/>
+            </a:pPr>
+            <a:r>
+              <a:rPr lang="en-US" altLang="zh-CN"/>
+              <a:t>Define</a:t>
+            </a:r>
+            <a:endParaRPr lang="en-US" altLang="zh-CN"/>
+          </a:p>
+        </p:txBody>
+      </p:sp>
+      <p:pic>
+        <p:nvPicPr>
+          <p:cNvPr id="15" name="图片 14" descr="even_cat"/>
+          <p:cNvPicPr>
+            <a:picLocks noChangeAspect="1"/>
+          </p:cNvPicPr>
+          <p:nvPr/>
+        </p:nvPicPr>
+        <p:blipFill>
+          <a:blip r:embed="rId1">
+            <a:extLst>
+              <a:ext uri="{96DAC541-7B7A-43D3-8B79-37D633B846F1}">
+                <asvg:svgBlip xmlns:asvg="http://schemas.microsoft.com/office/drawing/2016/SVG/main" r:embed="rId2"/>
+              </a:ext>
+            </a:extLst>
+          </a:blip>
+          <a:stretch>
+            <a:fillRect/>
+          </a:stretch>
+        </p:blipFill>
+        <p:spPr>
+          <a:xfrm>
+            <a:off x="4013835" y="1732280"/>
+            <a:ext cx="2039620" cy="221615"/>
+          </a:xfrm>
+          <a:prstGeom prst="rect">
+            <a:avLst/>
+          </a:prstGeom>
+        </p:spPr>
+      </p:pic>
+      <p:sp>
+        <p:nvSpPr>
+          <p:cNvPr id="16" name="文本框 15"/>
+          <p:cNvSpPr txBox="1"/>
+          <p:nvPr/>
+        </p:nvSpPr>
+        <p:spPr>
+          <a:xfrm>
+            <a:off x="3269615" y="2083435"/>
+            <a:ext cx="2028190" cy="368300"/>
+          </a:xfrm>
+          <a:prstGeom prst="rect">
+            <a:avLst/>
+          </a:prstGeom>
+          <a:noFill/>
+        </p:spPr>
+        <p:txBody>
+          <a:bodyPr wrap="square" rtlCol="0">
+            <a:spAutoFit/>
+          </a:bodyPr>
+          <a:p>
+            <a:pPr marL="285750" indent="-285750">
+              <a:buFont typeface="Arial" panose="020B0604020202020204" pitchFamily="34" charset="0"/>
+              <a:buChar char="•"/>
+            </a:pPr>
+            <a:r>
+              <a:rPr lang="en-US" altLang="zh-CN"/>
+              <a:t>Why </a:t>
+            </a:r>
+            <a:r>
+              <a:rPr lang="en-US" altLang="zh-CN" b="1">
+                <a:solidFill>
+                  <a:schemeClr val="accent5">
+                    <a:lumMod val="75000"/>
+                  </a:schemeClr>
+                </a:solidFill>
+              </a:rPr>
+              <a:t>even</a:t>
+            </a:r>
+            <a:r>
+              <a:rPr lang="en-US" altLang="zh-CN" b="1">
+                <a:solidFill>
+                  <a:srgbClr val="FF0000"/>
+                </a:solidFill>
+              </a:rPr>
+              <a:t> </a:t>
+            </a:r>
+            <a:r>
+              <a:rPr lang="en-US" altLang="zh-CN"/>
+              <a:t>?</a:t>
+            </a:r>
+            <a:endParaRPr lang="en-US" altLang="zh-CN"/>
+          </a:p>
+        </p:txBody>
+      </p:sp>
+      <p:pic>
+        <p:nvPicPr>
+          <p:cNvPr id="17" name="图片 16" descr="even_cat_detail"/>
+          <p:cNvPicPr>
+            <a:picLocks noChangeAspect="1"/>
+          </p:cNvPicPr>
+          <p:nvPr/>
+        </p:nvPicPr>
+        <p:blipFill>
+          <a:blip r:embed="rId3">
+            <a:extLst>
+              <a:ext uri="{96DAC541-7B7A-43D3-8B79-37D633B846F1}">
+                <asvg:svgBlip xmlns:asvg="http://schemas.microsoft.com/office/drawing/2016/SVG/main" r:embed="rId4"/>
+              </a:ext>
+            </a:extLst>
+          </a:blip>
+          <a:stretch>
+            <a:fillRect/>
+          </a:stretch>
+        </p:blipFill>
+        <p:spPr>
+          <a:xfrm>
+            <a:off x="3877310" y="2545080"/>
+            <a:ext cx="4394200" cy="1088390"/>
+          </a:xfrm>
+          <a:prstGeom prst="rect">
+            <a:avLst/>
+          </a:prstGeom>
+        </p:spPr>
+      </p:pic>
+      <p:sp>
+        <p:nvSpPr>
+          <p:cNvPr id="18" name="文本框 17"/>
+          <p:cNvSpPr txBox="1"/>
+          <p:nvPr/>
+        </p:nvSpPr>
+        <p:spPr>
+          <a:xfrm>
+            <a:off x="3003550" y="3684270"/>
+            <a:ext cx="1942465" cy="398780"/>
+          </a:xfrm>
+          <a:prstGeom prst="rect">
+            <a:avLst/>
+          </a:prstGeom>
+          <a:noFill/>
+        </p:spPr>
+        <p:txBody>
+          <a:bodyPr wrap="square" rtlCol="0">
+            <a:spAutoFit/>
+            <a:scene3d>
+              <a:camera prst="orthographicFront"/>
+              <a:lightRig rig="threePt" dir="t"/>
+            </a:scene3d>
+          </a:bodyPr>
+          <a:p>
+            <a:r>
+              <a:rPr lang="en-US" altLang="zh-CN" sz="2000">
+                <a:solidFill>
+                  <a:schemeClr val="accent2">
+                    <a:lumMod val="75000"/>
+                  </a:schemeClr>
+                </a:solidFill>
+                <a:effectLst>
+                  <a:outerShdw blurRad="38100" dist="19050" dir="2700000" algn="tl" rotWithShape="0">
+                    <a:schemeClr val="dk1">
+                      <a:alpha val="40000"/>
+                    </a:schemeClr>
+                  </a:outerShdw>
+                </a:effectLst>
+              </a:rPr>
+              <a:t>Odd cat state</a:t>
+            </a:r>
+            <a:endParaRPr lang="en-US" altLang="zh-CN" sz="2000">
+              <a:solidFill>
+                <a:schemeClr val="accent2">
+                  <a:lumMod val="75000"/>
+                </a:schemeClr>
+              </a:solidFill>
+              <a:effectLst>
+                <a:outerShdw blurRad="38100" dist="19050" dir="2700000" algn="tl" rotWithShape="0">
+                  <a:schemeClr val="dk1">
+                    <a:alpha val="40000"/>
+                  </a:schemeClr>
+                </a:outerShdw>
+              </a:effectLst>
+            </a:endParaRPr>
+          </a:p>
+        </p:txBody>
+      </p:sp>
+      <p:sp>
+        <p:nvSpPr>
+          <p:cNvPr id="19" name="文本框 18"/>
+          <p:cNvSpPr txBox="1"/>
+          <p:nvPr/>
+        </p:nvSpPr>
+        <p:spPr>
+          <a:xfrm>
+            <a:off x="3269615" y="4114165"/>
+            <a:ext cx="2028190" cy="368300"/>
+          </a:xfrm>
+          <a:prstGeom prst="rect">
+            <a:avLst/>
+          </a:prstGeom>
+          <a:noFill/>
+        </p:spPr>
+        <p:txBody>
+          <a:bodyPr wrap="square" rtlCol="0">
+            <a:spAutoFit/>
+          </a:bodyPr>
+          <a:p>
+            <a:pPr marL="285750" indent="-285750">
+              <a:buFont typeface="Arial" panose="020B0604020202020204" pitchFamily="34" charset="0"/>
+              <a:buChar char="•"/>
+            </a:pPr>
+            <a:r>
+              <a:rPr lang="en-US" altLang="zh-CN"/>
+              <a:t>Define</a:t>
+            </a:r>
+            <a:endParaRPr lang="en-US" altLang="zh-CN"/>
+          </a:p>
+        </p:txBody>
+      </p:sp>
+      <p:sp>
+        <p:nvSpPr>
+          <p:cNvPr id="20" name="文本框 19"/>
+          <p:cNvSpPr txBox="1"/>
+          <p:nvPr/>
+        </p:nvSpPr>
+        <p:spPr>
+          <a:xfrm>
+            <a:off x="3269615" y="4963160"/>
+            <a:ext cx="2028190" cy="368300"/>
+          </a:xfrm>
+          <a:prstGeom prst="rect">
+            <a:avLst/>
+          </a:prstGeom>
+          <a:noFill/>
+        </p:spPr>
+        <p:txBody>
+          <a:bodyPr wrap="square" rtlCol="0">
+            <a:spAutoFit/>
+          </a:bodyPr>
+          <a:p>
+            <a:pPr marL="285750" indent="-285750">
+              <a:buFont typeface="Arial" panose="020B0604020202020204" pitchFamily="34" charset="0"/>
+              <a:buChar char="•"/>
+            </a:pPr>
+            <a:r>
+              <a:rPr lang="en-US" altLang="zh-CN"/>
+              <a:t>Why </a:t>
+            </a:r>
+            <a:r>
+              <a:rPr lang="en-US" altLang="zh-CN" b="1">
+                <a:solidFill>
+                  <a:schemeClr val="accent2">
+                    <a:lumMod val="75000"/>
+                  </a:schemeClr>
+                </a:solidFill>
+              </a:rPr>
+              <a:t>odd</a:t>
+            </a:r>
+            <a:r>
+              <a:rPr lang="en-US" altLang="zh-CN" b="1">
+                <a:solidFill>
+                  <a:srgbClr val="FF0000"/>
+                </a:solidFill>
+              </a:rPr>
+              <a:t> </a:t>
+            </a:r>
+            <a:r>
+              <a:rPr lang="en-US" altLang="zh-CN"/>
+              <a:t>?</a:t>
+            </a:r>
+            <a:endParaRPr lang="en-US" altLang="zh-CN"/>
+          </a:p>
+        </p:txBody>
+      </p:sp>
+      <p:pic>
+        <p:nvPicPr>
+          <p:cNvPr id="21" name="图片 20" descr="odd_cat"/>
+          <p:cNvPicPr>
+            <a:picLocks noChangeAspect="1"/>
+          </p:cNvPicPr>
+          <p:nvPr/>
+        </p:nvPicPr>
+        <p:blipFill>
+          <a:blip r:embed="rId5">
+            <a:extLst>
+              <a:ext uri="{96DAC541-7B7A-43D3-8B79-37D633B846F1}">
+                <asvg:svgBlip xmlns:asvg="http://schemas.microsoft.com/office/drawing/2016/SVG/main" r:embed="rId6"/>
+              </a:ext>
+            </a:extLst>
+          </a:blip>
+          <a:stretch>
+            <a:fillRect/>
+          </a:stretch>
+        </p:blipFill>
+        <p:spPr>
+          <a:xfrm>
+            <a:off x="4013835" y="4601845"/>
+            <a:ext cx="2039620" cy="221615"/>
+          </a:xfrm>
+          <a:prstGeom prst="rect">
+            <a:avLst/>
+          </a:prstGeom>
+        </p:spPr>
+      </p:pic>
+      <p:pic>
+        <p:nvPicPr>
+          <p:cNvPr id="22" name="图片 21" descr="odd_cat_detail"/>
+          <p:cNvPicPr>
+            <a:picLocks noChangeAspect="1"/>
+          </p:cNvPicPr>
+          <p:nvPr/>
+        </p:nvPicPr>
+        <p:blipFill>
+          <a:blip r:embed="rId7">
+            <a:extLst>
+              <a:ext uri="{96DAC541-7B7A-43D3-8B79-37D633B846F1}">
+                <asvg:svgBlip xmlns:asvg="http://schemas.microsoft.com/office/drawing/2016/SVG/main" r:embed="rId8"/>
+              </a:ext>
+            </a:extLst>
+          </a:blip>
+          <a:stretch>
+            <a:fillRect/>
+          </a:stretch>
+        </p:blipFill>
+        <p:spPr>
+          <a:xfrm>
+            <a:off x="3877310" y="5363845"/>
+            <a:ext cx="4394835" cy="1086485"/>
+          </a:xfrm>
+          <a:prstGeom prst="rect">
+            <a:avLst/>
+          </a:prstGeom>
+        </p:spPr>
+      </p:pic>
+    </p:spTree>
+  </p:cSld>
+  <p:clrMapOvr>
+    <a:masterClrMapping/>
+  </p:clrMapOvr>
+  <p:timing>
+    <p:tnLst>
+      <p:par>
+        <p:cTn id="1" dur="indefinite" restart="never" nodeType="tmRoot"/>
+      </p:par>
+    </p:tnLst>
+    <p:bldLst>
+      <p:bldP spid="2" grpId="1"/>
+    </p:bldLst>
+  </p:timing>
+</p:sld>
+</file>
+
+<file path=ppt/slides/slide14.xml><?xml version="1.0" encoding="utf-8"?>
+<p:sld xmlns:a="http://schemas.openxmlformats.org/drawingml/2006/main" xmlns:r="http://schemas.openxmlformats.org/officeDocument/2006/relationships" xmlns:p="http://schemas.openxmlformats.org/presentationml/2006/main">
+  <p:cSld>
+    <p:spTree>
+      <p:nvGrpSpPr>
+        <p:cNvPr id="1" name=""/>
+        <p:cNvGrpSpPr/>
+        <p:nvPr/>
+      </p:nvGrpSpPr>
+      <p:grpSpPr>
+        <a:xfrm>
+          <a:off x="0" y="0"/>
+          <a:ext cx="0" cy="0"/>
+          <a:chOff x="0" y="0"/>
+          <a:chExt cx="0" cy="0"/>
+        </a:xfrm>
+      </p:grpSpPr>
+      <p:sp>
+        <p:nvSpPr>
+          <p:cNvPr id="5" name="标题 1"/>
+          <p:cNvSpPr txBox="1"/>
+          <p:nvPr/>
+        </p:nvSpPr>
+        <p:spPr>
+          <a:xfrm>
+            <a:off x="1858577" y="197440"/>
+            <a:ext cx="5426846" cy="493394"/>
+          </a:xfrm>
+          <a:prstGeom prst="rect">
+            <a:avLst/>
+          </a:prstGeom>
+          <a:gradFill>
+            <a:gsLst>
+              <a:gs pos="19000">
+                <a:srgbClr val="FE4444"/>
+              </a:gs>
+              <a:gs pos="57000">
+                <a:srgbClr val="832B2B"/>
+              </a:gs>
+            </a:gsLst>
+            <a:lin ang="5400000" scaled="0"/>
+          </a:gradFill>
+        </p:spPr>
+        <p:txBody>
+          <a:bodyPr anchor="ctr" anchorCtr="0"/>
+          <a:lstStyle>
+            <a:lvl1pPr algn="l" defTabSz="914400" rtl="0" eaLnBrk="1" latinLnBrk="0" hangingPunct="1">
+              <a:lnSpc>
+                <a:spcPct val="90000"/>
+              </a:lnSpc>
+              <a:spcBef>
+                <a:spcPct val="0"/>
+              </a:spcBef>
+              <a:buNone/>
+              <a:defRPr sz="4400" kern="1200">
+                <a:solidFill>
+                  <a:schemeClr val="tx1"/>
+                </a:solidFill>
+                <a:latin typeface="+mj-lt"/>
+                <a:ea typeface="+mj-ea"/>
+                <a:cs typeface="+mj-cs"/>
+              </a:defRPr>
+            </a:lvl1pPr>
+          </a:lstStyle>
+          <a:p>
+            <a:pPr marL="0" marR="0" lvl="0" indent="0" algn="ctr" defTabSz="914400" rtl="0" eaLnBrk="1" fontAlgn="auto" latinLnBrk="0" hangingPunct="1">
+              <a:lnSpc>
+                <a:spcPct val="100000"/>
+              </a:lnSpc>
+              <a:spcBef>
+                <a:spcPts val="0"/>
+              </a:spcBef>
+              <a:spcAft>
+                <a:spcPts val="0"/>
+              </a:spcAft>
+              <a:buClrTx/>
+              <a:buSzTx/>
+              <a:buFontTx/>
+              <a:buNone/>
+              <a:defRPr/>
+            </a:pPr>
+            <a:r>
+              <a:rPr kumimoji="0" lang="en-US" altLang="zh-CN" sz="2800" b="0" i="0" u="none" strike="noStrike" kern="1200" cap="none" spc="0" normalizeH="0" baseline="0" noProof="0" dirty="0">
+                <a:ln>
+                  <a:noFill/>
+                </a:ln>
+                <a:solidFill>
+                  <a:prstClr val="white"/>
+                </a:solidFill>
+                <a:effectLst/>
+                <a:uLnTx/>
+                <a:uFillTx/>
+                <a:latin typeface="微软雅黑" panose="020B0503020204020204" charset="-122"/>
+                <a:ea typeface="微软雅黑" panose="020B0503020204020204" charset="-122"/>
+                <a:cs typeface="+mj-cs"/>
+              </a:rPr>
+              <a:t>Cat state</a:t>
+            </a:r>
+            <a:endParaRPr kumimoji="0" lang="en-US" altLang="zh-CN" sz="2800" b="0" i="0" u="none" strike="noStrike" kern="1200" cap="none" spc="0" normalizeH="0" baseline="0" noProof="0" dirty="0">
+              <a:ln>
+                <a:noFill/>
+              </a:ln>
+              <a:solidFill>
+                <a:prstClr val="white"/>
+              </a:solidFill>
+              <a:effectLst/>
+              <a:uLnTx/>
+              <a:uFillTx/>
+              <a:latin typeface="微软雅黑" panose="020B0503020204020204" charset="-122"/>
+              <a:ea typeface="微软雅黑" panose="020B0503020204020204" charset="-122"/>
+              <a:cs typeface="+mj-cs"/>
+            </a:endParaRPr>
+          </a:p>
+        </p:txBody>
+      </p:sp>
+      <p:cxnSp>
+        <p:nvCxnSpPr>
+          <p:cNvPr id="6" name="直接连接符 5"/>
+          <p:cNvCxnSpPr>
+            <a:endCxn id="5" idx="1"/>
+          </p:cNvCxnSpPr>
+          <p:nvPr/>
+        </p:nvCxnSpPr>
+        <p:spPr>
+          <a:xfrm>
+            <a:off x="0" y="444772"/>
+            <a:ext cx="1858577" cy="0"/>
+          </a:xfrm>
+          <a:prstGeom prst="line">
+            <a:avLst/>
+          </a:prstGeom>
+          <a:ln w="25400">
+            <a:solidFill>
+              <a:srgbClr val="C00000"/>
+            </a:solidFill>
+          </a:ln>
+        </p:spPr>
+        <p:style>
+          <a:lnRef idx="1">
+            <a:schemeClr val="accent1"/>
+          </a:lnRef>
+          <a:fillRef idx="0">
+            <a:schemeClr val="accent1"/>
+          </a:fillRef>
+          <a:effectRef idx="0">
+            <a:schemeClr val="accent1"/>
+          </a:effectRef>
+          <a:fontRef idx="minor">
+            <a:schemeClr val="tx1"/>
+          </a:fontRef>
+        </p:style>
+      </p:cxnSp>
+      <p:cxnSp>
+        <p:nvCxnSpPr>
+          <p:cNvPr id="7" name="直接连接符 6"/>
+          <p:cNvCxnSpPr>
+            <a:stCxn id="5" idx="3"/>
+          </p:cNvCxnSpPr>
+          <p:nvPr/>
+        </p:nvCxnSpPr>
+        <p:spPr>
+          <a:xfrm>
+            <a:off x="7285423" y="444772"/>
+            <a:ext cx="1858577" cy="1"/>
+          </a:xfrm>
+          <a:prstGeom prst="line">
+            <a:avLst/>
+          </a:prstGeom>
+          <a:ln w="25400">
+            <a:solidFill>
+              <a:srgbClr val="C00000"/>
+            </a:solidFill>
+          </a:ln>
+        </p:spPr>
+        <p:style>
+          <a:lnRef idx="1">
+            <a:schemeClr val="accent1"/>
+          </a:lnRef>
+          <a:fillRef idx="0">
+            <a:schemeClr val="accent1"/>
+          </a:fillRef>
+          <a:effectRef idx="0">
+            <a:schemeClr val="accent1"/>
+          </a:effectRef>
+          <a:fontRef idx="minor">
+            <a:schemeClr val="tx1"/>
+          </a:fontRef>
+        </p:style>
+      </p:cxnSp>
+      <p:sp>
+        <p:nvSpPr>
+          <p:cNvPr id="3" name="文本框 2"/>
+          <p:cNvSpPr txBox="1"/>
+          <p:nvPr/>
+        </p:nvSpPr>
+        <p:spPr>
+          <a:xfrm>
+            <a:off x="571500" y="953135"/>
+            <a:ext cx="2879090" cy="521970"/>
+          </a:xfrm>
+          <a:prstGeom prst="rect">
+            <a:avLst/>
+          </a:prstGeom>
+          <a:noFill/>
+        </p:spPr>
+        <p:txBody>
+          <a:bodyPr wrap="square" rtlCol="0">
+            <a:spAutoFit/>
+          </a:bodyPr>
+          <a:p>
+            <a:r>
+              <a:rPr lang="en-US" altLang="zh-CN" sz="2800">
+                <a:ln/>
+                <a:solidFill>
+                  <a:srgbClr val="FF0000"/>
+                </a:solidFill>
+                <a:effectLst>
+                  <a:outerShdw blurRad="38100" dist="19050" dir="2700000" algn="tl" rotWithShape="0">
+                    <a:schemeClr val="dk1">
+                      <a:alpha val="40000"/>
+                    </a:schemeClr>
+                  </a:outerShdw>
+                </a:effectLst>
+              </a:rPr>
+              <a:t>Features</a:t>
+            </a:r>
+            <a:endParaRPr lang="en-US" altLang="zh-CN" sz="2800">
+              <a:ln/>
+              <a:solidFill>
+                <a:srgbClr val="FF0000"/>
+              </a:solidFill>
+              <a:effectLst>
+                <a:outerShdw blurRad="38100" dist="19050" dir="2700000" algn="tl" rotWithShape="0">
+                  <a:schemeClr val="dk1">
+                    <a:alpha val="40000"/>
+                  </a:schemeClr>
+                </a:outerShdw>
+              </a:effectLst>
+            </a:endParaRPr>
+          </a:p>
+        </p:txBody>
+      </p:sp>
+      <mc:AlternateContent xmlns:mc="http://schemas.openxmlformats.org/markup-compatibility/2006">
+        <mc:Choice xmlns:a14="http://schemas.microsoft.com/office/drawing/2010/main" Requires="a14">
+          <p:sp>
+            <p:nvSpPr>
+              <p:cNvPr id="4" name="文本框 3"/>
+              <p:cNvSpPr txBox="1"/>
+              <p:nvPr/>
+            </p:nvSpPr>
+            <p:spPr>
+              <a:xfrm>
+                <a:off x="1146810" y="1630045"/>
+                <a:ext cx="7089140" cy="4256405"/>
+              </a:xfrm>
+              <a:prstGeom prst="rect">
+                <a:avLst/>
+              </a:prstGeom>
+              <a:noFill/>
+            </p:spPr>
+            <p:txBody>
+              <a:bodyPr wrap="square" rtlCol="0">
+                <a:spAutoFit/>
+              </a:bodyPr>
+              <a:p>
+                <a:pPr marL="285750" indent="-285750">
+                  <a:lnSpc>
+                    <a:spcPct val="150000"/>
+                  </a:lnSpc>
+                  <a:buFont typeface="Arial" panose="020B0604020202020204" pitchFamily="34" charset="0"/>
+                  <a:buChar char="•"/>
+                </a:pPr>
+                <a:r>
+                  <a:rPr lang="zh-CN" altLang="en-US"/>
+                  <a:t>The larger </a:t>
+                </a:r>
+                <a:r>
+                  <a:rPr lang="en-US" altLang="zh-CN" b="1" i="1">
+                    <a:solidFill>
+                      <a:srgbClr val="FF0000"/>
+                    </a:solidFill>
+                  </a:rPr>
+                  <a:t>α</a:t>
+                </a:r>
+                <a:r>
+                  <a:rPr lang="zh-CN" altLang="en-US"/>
+                  <a:t> is, the less </a:t>
+                </a:r>
+                <a:r>
+                  <a:rPr lang="zh-CN" altLang="en-US" b="1">
+                    <a:solidFill>
+                      <a:srgbClr val="FF0000"/>
+                    </a:solidFill>
+                  </a:rPr>
+                  <a:t>overlap</a:t>
+                </a:r>
+                <a:r>
+                  <a:rPr lang="zh-CN" altLang="en-US"/>
+                  <a:t> the two coherent states have, and the closer they are to the </a:t>
+                </a:r>
+                <a:r>
+                  <a:rPr lang="zh-CN" altLang="en-US" b="1">
+                    <a:solidFill>
+                      <a:srgbClr val="FF0000"/>
+                    </a:solidFill>
+                  </a:rPr>
+                  <a:t>ideal</a:t>
+                </a:r>
+                <a:r>
+                  <a:rPr lang="en-US" altLang="zh-CN" b="1">
+                    <a:solidFill>
+                      <a:srgbClr val="FF0000"/>
+                    </a:solidFill>
+                  </a:rPr>
+                  <a:t> cat</a:t>
+                </a:r>
+                <a:r>
+                  <a:rPr lang="zh-CN" altLang="en-US" b="1">
+                    <a:solidFill>
+                      <a:srgbClr val="FF0000"/>
+                    </a:solidFill>
+                  </a:rPr>
+                  <a:t> state</a:t>
+                </a:r>
+                <a:r>
+                  <a:rPr lang="en-US" altLang="zh-CN">
+                    <a:solidFill>
+                      <a:schemeClr val="tx1"/>
+                    </a:solidFill>
+                  </a:rPr>
+                  <a:t>.</a:t>
+                </a:r>
+                <a:r>
+                  <a:rPr lang="zh-CN" altLang="en-US"/>
+                  <a:t> </a:t>
+                </a:r>
+                <a:endParaRPr lang="zh-CN" altLang="en-US"/>
+              </a:p>
+              <a:p>
+                <a:pPr marL="285750" indent="-285750">
+                  <a:lnSpc>
+                    <a:spcPct val="150000"/>
+                  </a:lnSpc>
+                  <a:buFont typeface="Arial" panose="020B0604020202020204" pitchFamily="34" charset="0"/>
+                  <a:buChar char="•"/>
+                </a:pPr>
+                <a:r>
+                  <a:rPr lang="zh-CN" altLang="en-US"/>
+                  <a:t>It is difficult to realize large </a:t>
+                </a:r>
+                <a:r>
+                  <a:rPr lang="en-US" altLang="zh-CN"/>
+                  <a:t>mean</a:t>
+                </a:r>
+                <a:r>
+                  <a:rPr lang="zh-CN" altLang="en-US"/>
+                  <a:t> photon number</a:t>
+                </a:r>
+                <a:r>
+                  <a:rPr lang="en-US" altLang="zh-CN"/>
+                  <a:t> (       )</a:t>
+                </a:r>
+                <a:r>
+                  <a:rPr lang="zh-CN" altLang="en-US"/>
+                  <a:t>.</a:t>
+                </a:r>
+                <a:r>
+                  <a:rPr lang="en-US" altLang="zh-CN"/>
+                  <a:t>       </a:t>
+                </a:r>
+                <a:r>
+                  <a:rPr lang="zh-CN" altLang="en-US"/>
+                  <a:t>A typical method is to approximate cat state by photon subtraction from a squeezed vacuum state</a:t>
+                </a:r>
+                <a:r>
+                  <a:rPr lang="en-US" altLang="zh-CN"/>
+                  <a:t>.</a:t>
+                </a:r>
+                <a:endParaRPr lang="en-US" altLang="zh-CN"/>
+              </a:p>
+              <a:p>
+                <a:pPr marL="285750" indent="-285750">
+                  <a:lnSpc>
+                    <a:spcPct val="150000"/>
+                  </a:lnSpc>
+                  <a:buFont typeface="Arial" panose="020B0604020202020204" pitchFamily="34" charset="0"/>
+                  <a:buChar char="•"/>
+                </a:pPr>
+                <a:r>
+                  <a:rPr lang="en-US" altLang="zh-CN"/>
+                  <a:t>We can using “</a:t>
+                </a:r>
+                <a:r>
+                  <a:rPr lang="en-US" altLang="zh-CN" b="1"/>
+                  <a:t>kitten state</a:t>
+                </a:r>
+                <a:r>
+                  <a:rPr lang="en-US" altLang="zh-CN"/>
+                  <a:t>”to generate larger cat state:</a:t>
+                </a:r>
+                <a:endParaRPr lang="en-US" altLang="zh-CN"/>
+              </a:p>
+              <a:p>
+                <a:pPr marL="742950" lvl="1" indent="-285750">
+                  <a:lnSpc>
+                    <a:spcPct val="150000"/>
+                  </a:lnSpc>
+                  <a:buFont typeface="Arial" panose="020B0604020202020204" pitchFamily="34" charset="0"/>
+                  <a:buChar char="•"/>
+                </a:pPr>
+                <a:r>
+                  <a:rPr lang="en-US" altLang="zh-CN"/>
+                  <a:t>Entangling two “kittens”with size </a:t>
+                </a:r>
+                <a:r>
+                  <a:rPr lang="en-US" altLang="zh-CN" b="1" i="1"/>
+                  <a:t>α </a:t>
+                </a:r>
+                <a:r>
+                  <a:rPr lang="en-US" altLang="zh-CN"/>
+                  <a:t>on a beamsplitter</a:t>
+                </a:r>
+                <a:endParaRPr lang="en-US" altLang="zh-CN" b="1" i="1"/>
+              </a:p>
+              <a:p>
+                <a:pPr marL="742950" lvl="1" indent="-285750">
+                  <a:lnSpc>
+                    <a:spcPct val="150000"/>
+                  </a:lnSpc>
+                  <a:buFont typeface="Arial" panose="020B0604020202020204" pitchFamily="34" charset="0"/>
+                  <a:buChar char="•"/>
+                </a:pPr>
+                <a:r>
+                  <a:rPr lang="en-US" altLang="zh-CN"/>
+                  <a:t>Performing a homodyne measurement on one output</a:t>
+                </a:r>
+                <a:endParaRPr lang="en-US" altLang="zh-CN"/>
+              </a:p>
+              <a:p>
+                <a:pPr marL="742950" lvl="1" indent="-285750">
+                  <a:lnSpc>
+                    <a:spcPct val="150000"/>
+                  </a:lnSpc>
+                  <a:buFont typeface="Arial" panose="020B0604020202020204" pitchFamily="34" charset="0"/>
+                  <a:buChar char="•"/>
+                </a:pPr>
+                <a:r>
+                  <a:rPr lang="en-US" altLang="zh-CN"/>
+                  <a:t>Measurement of </a:t>
+                </a:r>
+                <a:r>
+                  <a:rPr lang="en-US" altLang="zh-CN" b="1"/>
+                  <a:t>Q = 0</a:t>
+                </a:r>
+                <a:r>
+                  <a:rPr lang="en-US" altLang="zh-CN"/>
+                  <a:t>, the remaining output is projected to a larger cat state with size increased to </a:t>
+                </a:r>
+                <a14:m>
+                  <m:oMath xmlns:m="http://schemas.openxmlformats.org/officeDocument/2006/math">
+                    <m:rad>
+                      <m:radPr>
+                        <m:degHide m:val="on"/>
+                        <m:ctrlPr>
+                          <a:rPr lang="en-US" altLang="zh-CN" b="1" i="1">
+                            <a:latin typeface="Cambria Math" panose="02040503050406030204" charset="0"/>
+                            <a:cs typeface="Cambria Math" panose="02040503050406030204" charset="0"/>
+                          </a:rPr>
+                        </m:ctrlPr>
+                      </m:radPr>
+                      <m:deg/>
+                      <m:e>
+                        <m:r>
+                          <a:rPr lang="en-US" altLang="zh-CN" b="1" i="1">
+                            <a:latin typeface="Cambria Math" panose="02040503050406030204" charset="0"/>
+                            <a:cs typeface="Cambria Math" panose="02040503050406030204" charset="0"/>
+                          </a:rPr>
+                          <m:t>𝟐</m:t>
+                        </m:r>
+                      </m:e>
+                    </m:rad>
+                    <m:r>
+                      <a:rPr lang="en-US" altLang="zh-CN" b="1" i="1">
+                        <a:latin typeface="Cambria Math" panose="02040503050406030204" charset="0"/>
+                        <a:cs typeface="Cambria Math" panose="02040503050406030204" charset="0"/>
+                      </a:rPr>
+                      <m:t>𝜶</m:t>
+                    </m:r>
+                  </m:oMath>
+                </a14:m>
+                <a:endParaRPr lang="en-US" altLang="zh-CN" b="1"/>
+              </a:p>
+            </p:txBody>
+          </p:sp>
+        </mc:Choice>
+        <mc:Fallback>
+          <p:sp>
+            <p:nvSpPr>
+              <p:cNvPr id="4" name="文本框 3"/>
+              <p:cNvSpPr txBox="1">
+                <a:spLocks noRot="1" noChangeAspect="1" noMove="1" noResize="1" noEditPoints="1" noAdjustHandles="1" noChangeArrowheads="1" noChangeShapeType="1" noTextEdit="1"/>
+              </p:cNvSpPr>
+              <p:nvPr/>
+            </p:nvSpPr>
+            <p:spPr>
+              <a:xfrm>
+                <a:off x="1146810" y="1630045"/>
+                <a:ext cx="7089140" cy="4256405"/>
+              </a:xfrm>
+              <a:prstGeom prst="rect">
+                <a:avLst/>
+              </a:prstGeom>
+              <a:blipFill rotWithShape="1">
+                <a:blip r:embed="rId1"/>
+                <a:stretch>
+                  <a:fillRect/>
+                </a:stretch>
+              </a:blipFill>
+            </p:spPr>
+            <p:txBody>
+              <a:bodyPr/>
+              <a:lstStyle/>
+              <a:p>
+                <a:r>
+                  <a:rPr lang="zh-CN" altLang="en-US">
+                    <a:noFill/>
+                  </a:rPr>
+                  <a:t> </a:t>
+                </a:r>
+              </a:p>
+            </p:txBody>
+          </p:sp>
+        </mc:Fallback>
+      </mc:AlternateContent>
+      <p:pic>
+        <p:nvPicPr>
+          <p:cNvPr id="11" name="图片 10" descr="pm_coherent"/>
+          <p:cNvPicPr>
+            <a:picLocks noChangeAspect="1"/>
+          </p:cNvPicPr>
+          <p:nvPr/>
+        </p:nvPicPr>
+        <p:blipFill>
+          <a:blip r:embed="rId2">
+            <a:extLst>
+              <a:ext uri="{96DAC541-7B7A-43D3-8B79-37D633B846F1}">
+                <asvg:svgBlip xmlns:asvg="http://schemas.microsoft.com/office/drawing/2016/SVG/main" r:embed="rId3"/>
+              </a:ext>
+            </a:extLst>
+          </a:blip>
+          <a:stretch>
+            <a:fillRect/>
+          </a:stretch>
+        </p:blipFill>
+        <p:spPr>
+          <a:xfrm>
+            <a:off x="7661910" y="1816100"/>
+            <a:ext cx="506095" cy="238125"/>
+          </a:xfrm>
+          <a:prstGeom prst="rect">
+            <a:avLst/>
+          </a:prstGeom>
+        </p:spPr>
+      </p:pic>
+      <p:pic>
+        <p:nvPicPr>
+          <p:cNvPr id="12" name="图片 11" descr="mean_photon"/>
+          <p:cNvPicPr>
+            <a:picLocks noChangeAspect="1"/>
+          </p:cNvPicPr>
+          <p:nvPr/>
+        </p:nvPicPr>
+        <p:blipFill>
+          <a:blip r:embed="rId4">
+            <a:extLst>
+              <a:ext uri="{96DAC541-7B7A-43D3-8B79-37D633B846F1}">
+                <asvg:svgBlip xmlns:asvg="http://schemas.microsoft.com/office/drawing/2016/SVG/main" r:embed="rId5"/>
+              </a:ext>
+            </a:extLst>
+          </a:blip>
+          <a:stretch>
+            <a:fillRect/>
+          </a:stretch>
+        </p:blipFill>
+        <p:spPr>
+          <a:xfrm>
+            <a:off x="7143750" y="2622550"/>
+            <a:ext cx="410845" cy="266700"/>
+          </a:xfrm>
+          <a:prstGeom prst="rect">
+            <a:avLst/>
+          </a:prstGeom>
+        </p:spPr>
+      </p:pic>
+    </p:spTree>
+  </p:cSld>
+  <p:clrMapOvr>
+    <a:masterClrMapping/>
+  </p:clrMapOvr>
+  <p:timing>
+    <p:tnLst>
+      <p:par>
+        <p:cTn id="1" dur="indefinite" restart="never" nodeType="tmRoot"/>
+      </p:par>
+    </p:tnLst>
+  </p:timing>
+</p:sld>
+</file>
+
+<file path=ppt/slides/slide15.xml><?xml version="1.0" encoding="utf-8"?>
+<p:sld xmlns:a="http://schemas.openxmlformats.org/drawingml/2006/main" xmlns:r="http://schemas.openxmlformats.org/officeDocument/2006/relationships" xmlns:p="http://schemas.openxmlformats.org/presentationml/2006/main">
+  <p:cSld>
+    <p:spTree>
+      <p:nvGrpSpPr>
+        <p:cNvPr id="1" name=""/>
+        <p:cNvGrpSpPr/>
+        <p:nvPr/>
+      </p:nvGrpSpPr>
+      <p:grpSpPr>
+        <a:xfrm>
+          <a:off x="0" y="0"/>
+          <a:ext cx="0" cy="0"/>
+          <a:chOff x="0" y="0"/>
+          <a:chExt cx="0" cy="0"/>
+        </a:xfrm>
+      </p:grpSpPr>
+      <p:sp>
+        <p:nvSpPr>
+          <p:cNvPr id="5" name="标题 1"/>
+          <p:cNvSpPr txBox="1"/>
+          <p:nvPr/>
+        </p:nvSpPr>
+        <p:spPr>
+          <a:xfrm>
+            <a:off x="1858577" y="197440"/>
+            <a:ext cx="5426846" cy="493394"/>
+          </a:xfrm>
+          <a:prstGeom prst="rect">
+            <a:avLst/>
+          </a:prstGeom>
+          <a:gradFill>
+            <a:gsLst>
+              <a:gs pos="19000">
+                <a:srgbClr val="FE4444"/>
+              </a:gs>
+              <a:gs pos="57000">
+                <a:srgbClr val="832B2B"/>
+              </a:gs>
+            </a:gsLst>
+            <a:lin ang="5400000" scaled="0"/>
+          </a:gradFill>
+        </p:spPr>
+        <p:txBody>
+          <a:bodyPr anchor="ctr" anchorCtr="0"/>
+          <a:lstStyle>
+            <a:lvl1pPr algn="l" defTabSz="914400" rtl="0" eaLnBrk="1" latinLnBrk="0" hangingPunct="1">
+              <a:lnSpc>
+                <a:spcPct val="90000"/>
+              </a:lnSpc>
+              <a:spcBef>
+                <a:spcPct val="0"/>
+              </a:spcBef>
+              <a:buNone/>
+              <a:defRPr sz="4400" kern="1200">
+                <a:solidFill>
+                  <a:schemeClr val="tx1"/>
+                </a:solidFill>
+                <a:latin typeface="+mj-lt"/>
+                <a:ea typeface="+mj-ea"/>
+                <a:cs typeface="+mj-cs"/>
+              </a:defRPr>
+            </a:lvl1pPr>
+          </a:lstStyle>
+          <a:p>
+            <a:pPr marL="0" marR="0" lvl="0" indent="0" algn="ctr" defTabSz="914400" rtl="0" eaLnBrk="1" fontAlgn="auto" latinLnBrk="0" hangingPunct="1">
+              <a:lnSpc>
+                <a:spcPct val="100000"/>
+              </a:lnSpc>
+              <a:spcBef>
+                <a:spcPts val="0"/>
+              </a:spcBef>
+              <a:spcAft>
+                <a:spcPts val="0"/>
+              </a:spcAft>
+              <a:buClrTx/>
+              <a:buSzTx/>
+              <a:buFontTx/>
+              <a:buNone/>
+              <a:defRPr/>
+            </a:pPr>
+            <a:r>
+              <a:rPr kumimoji="0" lang="en-US" altLang="zh-CN" sz="2800" b="0" i="0" u="none" strike="noStrike" kern="1200" cap="none" spc="0" normalizeH="0" baseline="0" noProof="0" dirty="0">
+                <a:ln>
+                  <a:noFill/>
+                </a:ln>
+                <a:solidFill>
+                  <a:prstClr val="white"/>
+                </a:solidFill>
+                <a:effectLst/>
+                <a:uLnTx/>
+                <a:uFillTx/>
+                <a:latin typeface="微软雅黑" panose="020B0503020204020204" charset="-122"/>
+                <a:ea typeface="微软雅黑" panose="020B0503020204020204" charset="-122"/>
+                <a:cs typeface="+mj-cs"/>
+              </a:rPr>
+              <a:t>Cat qubit</a:t>
+            </a:r>
+            <a:endParaRPr kumimoji="0" lang="en-US" altLang="zh-CN" sz="2800" b="0" i="0" u="none" strike="noStrike" kern="1200" cap="none" spc="0" normalizeH="0" baseline="0" noProof="0" dirty="0">
+              <a:ln>
+                <a:noFill/>
+              </a:ln>
+              <a:solidFill>
+                <a:prstClr val="white"/>
+              </a:solidFill>
+              <a:effectLst/>
+              <a:uLnTx/>
+              <a:uFillTx/>
+              <a:latin typeface="微软雅黑" panose="020B0503020204020204" charset="-122"/>
+              <a:ea typeface="微软雅黑" panose="020B0503020204020204" charset="-122"/>
+              <a:cs typeface="+mj-cs"/>
+            </a:endParaRPr>
+          </a:p>
+        </p:txBody>
+      </p:sp>
+      <p:cxnSp>
+        <p:nvCxnSpPr>
+          <p:cNvPr id="6" name="直接连接符 5"/>
+          <p:cNvCxnSpPr>
+            <a:endCxn id="5" idx="1"/>
+          </p:cNvCxnSpPr>
+          <p:nvPr/>
+        </p:nvCxnSpPr>
+        <p:spPr>
+          <a:xfrm>
+            <a:off x="0" y="444772"/>
+            <a:ext cx="1858577" cy="0"/>
+          </a:xfrm>
+          <a:prstGeom prst="line">
+            <a:avLst/>
+          </a:prstGeom>
+          <a:ln w="25400">
+            <a:solidFill>
+              <a:srgbClr val="C00000"/>
+            </a:solidFill>
+          </a:ln>
+        </p:spPr>
+        <p:style>
+          <a:lnRef idx="1">
+            <a:schemeClr val="accent1"/>
+          </a:lnRef>
+          <a:fillRef idx="0">
+            <a:schemeClr val="accent1"/>
+          </a:fillRef>
+          <a:effectRef idx="0">
+            <a:schemeClr val="accent1"/>
+          </a:effectRef>
+          <a:fontRef idx="minor">
+            <a:schemeClr val="tx1"/>
+          </a:fontRef>
+        </p:style>
+      </p:cxnSp>
+      <p:cxnSp>
+        <p:nvCxnSpPr>
+          <p:cNvPr id="7" name="直接连接符 6"/>
+          <p:cNvCxnSpPr>
+            <a:stCxn id="5" idx="3"/>
+          </p:cNvCxnSpPr>
+          <p:nvPr/>
+        </p:nvCxnSpPr>
+        <p:spPr>
+          <a:xfrm>
+            <a:off x="7285423" y="444772"/>
+            <a:ext cx="1858577" cy="1"/>
+          </a:xfrm>
+          <a:prstGeom prst="line">
+            <a:avLst/>
+          </a:prstGeom>
+          <a:ln w="25400">
+            <a:solidFill>
+              <a:srgbClr val="C00000"/>
+            </a:solidFill>
+          </a:ln>
+        </p:spPr>
+        <p:style>
+          <a:lnRef idx="1">
+            <a:schemeClr val="accent1"/>
+          </a:lnRef>
+          <a:fillRef idx="0">
+            <a:schemeClr val="accent1"/>
+          </a:fillRef>
+          <a:effectRef idx="0">
+            <a:schemeClr val="accent1"/>
+          </a:effectRef>
+          <a:fontRef idx="minor">
+            <a:schemeClr val="tx1"/>
+          </a:fontRef>
+        </p:style>
+      </p:cxnSp>
+      <p:pic>
+        <p:nvPicPr>
+          <p:cNvPr id="3" name="图片 2" descr="cat_qubit_bloch"/>
+          <p:cNvPicPr>
+            <a:picLocks noChangeAspect="1"/>
+          </p:cNvPicPr>
+          <p:nvPr/>
+        </p:nvPicPr>
+        <p:blipFill>
+          <a:blip r:embed="rId1"/>
+          <a:stretch>
+            <a:fillRect/>
+          </a:stretch>
+        </p:blipFill>
+        <p:spPr>
+          <a:xfrm>
+            <a:off x="633730" y="958850"/>
+            <a:ext cx="3975100" cy="2872740"/>
+          </a:xfrm>
+          <a:prstGeom prst="rect">
+            <a:avLst/>
+          </a:prstGeom>
+        </p:spPr>
+      </p:pic>
+      <p:sp>
+        <p:nvSpPr>
+          <p:cNvPr id="4" name="文本框 3"/>
+          <p:cNvSpPr txBox="1"/>
+          <p:nvPr/>
+        </p:nvSpPr>
+        <p:spPr>
+          <a:xfrm>
+            <a:off x="876935" y="3831590"/>
+            <a:ext cx="3488690" cy="306705"/>
+          </a:xfrm>
+          <a:prstGeom prst="rect">
+            <a:avLst/>
+          </a:prstGeom>
+          <a:noFill/>
+        </p:spPr>
+        <p:txBody>
+          <a:bodyPr wrap="square" rtlCol="0">
+            <a:spAutoFit/>
+          </a:bodyPr>
+          <a:p>
+            <a:pPr algn="ctr"/>
+            <a:r>
+              <a:rPr lang="zh-CN" altLang="en-US" sz="1400"/>
+              <a:t>Bloch sphere of the cat qubit</a:t>
+            </a:r>
+            <a:endParaRPr lang="zh-CN" altLang="en-US" sz="1400"/>
+          </a:p>
+        </p:txBody>
+      </p:sp>
+      <p:sp>
+        <p:nvSpPr>
+          <p:cNvPr id="8" name="文本框 7"/>
+          <p:cNvSpPr txBox="1"/>
+          <p:nvPr/>
+        </p:nvSpPr>
+        <p:spPr>
+          <a:xfrm>
+            <a:off x="432435" y="4209415"/>
+            <a:ext cx="4340225" cy="398780"/>
+          </a:xfrm>
+          <a:prstGeom prst="rect">
+            <a:avLst/>
+          </a:prstGeom>
+          <a:noFill/>
+        </p:spPr>
+        <p:txBody>
+          <a:bodyPr wrap="square" rtlCol="0">
+            <a:spAutoFit/>
+          </a:bodyPr>
+          <a:p>
+            <a:r>
+              <a:rPr lang="en-US" altLang="zh-CN" sz="2000" b="1"/>
+              <a:t>Logical qubit configuration</a:t>
+            </a:r>
+            <a:endParaRPr lang="en-US" altLang="zh-CN" sz="2000" b="1"/>
+          </a:p>
+        </p:txBody>
+      </p:sp>
+      <p:sp>
+        <p:nvSpPr>
+          <p:cNvPr id="12" name="文本框 11"/>
+          <p:cNvSpPr txBox="1"/>
+          <p:nvPr/>
+        </p:nvSpPr>
+        <p:spPr>
+          <a:xfrm>
+            <a:off x="4748530" y="1239520"/>
+            <a:ext cx="3263900" cy="968375"/>
+          </a:xfrm>
+          <a:prstGeom prst="rect">
+            <a:avLst/>
+          </a:prstGeom>
+          <a:noFill/>
+        </p:spPr>
+        <p:txBody>
+          <a:bodyPr wrap="square" rtlCol="0">
+            <a:spAutoFit/>
+          </a:bodyPr>
+          <a:p>
+            <a:pPr>
+              <a:lnSpc>
+                <a:spcPct val="150000"/>
+              </a:lnSpc>
+            </a:pPr>
+            <a:r>
+              <a:rPr lang="en-US" altLang="zh-CN" sz="2000" b="1"/>
+              <a:t>Physical qubit</a:t>
+            </a:r>
+            <a:r>
+              <a:rPr lang="en-US" altLang="zh-CN"/>
+              <a:t>: </a:t>
+            </a:r>
+            <a:endParaRPr lang="en-US" altLang="zh-CN"/>
+          </a:p>
+          <a:p>
+            <a:pPr>
+              <a:lnSpc>
+                <a:spcPct val="150000"/>
+              </a:lnSpc>
+            </a:pPr>
+            <a:r>
+              <a:rPr lang="en-US" altLang="zh-CN"/>
+              <a:t>2-component cat state</a:t>
+            </a:r>
+            <a:endParaRPr lang="en-US" altLang="zh-CN"/>
+          </a:p>
+        </p:txBody>
+      </p:sp>
+      <p:pic>
+        <p:nvPicPr>
+          <p:cNvPr id="24" name="图片 23" descr="2component_cat"/>
+          <p:cNvPicPr>
+            <a:picLocks noChangeAspect="1"/>
+          </p:cNvPicPr>
+          <p:nvPr/>
+        </p:nvPicPr>
+        <p:blipFill>
+          <a:blip r:embed="rId2">
+            <a:extLst>
+              <a:ext uri="{96DAC541-7B7A-43D3-8B79-37D633B846F1}">
+                <asvg:svgBlip xmlns:asvg="http://schemas.microsoft.com/office/drawing/2016/SVG/main" r:embed="rId3"/>
+              </a:ext>
+            </a:extLst>
+          </a:blip>
+          <a:stretch>
+            <a:fillRect/>
+          </a:stretch>
+        </p:blipFill>
+        <p:spPr>
+          <a:xfrm>
+            <a:off x="5116830" y="2301875"/>
+            <a:ext cx="2877185" cy="1215390"/>
+          </a:xfrm>
+          <a:prstGeom prst="rect">
+            <a:avLst/>
+          </a:prstGeom>
+        </p:spPr>
+      </p:pic>
+      <p:cxnSp>
+        <p:nvCxnSpPr>
+          <p:cNvPr id="25" name="直接连接符 24"/>
+          <p:cNvCxnSpPr/>
+          <p:nvPr/>
+        </p:nvCxnSpPr>
+        <p:spPr>
+          <a:xfrm>
+            <a:off x="5141595" y="4705350"/>
+            <a:ext cx="0" cy="1800000"/>
+          </a:xfrm>
+          <a:prstGeom prst="line">
+            <a:avLst/>
+          </a:prstGeom>
+          <a:ln w="12700">
+            <a:solidFill>
+              <a:schemeClr val="tx1"/>
+            </a:solidFill>
+            <a:prstDash val="dash"/>
+          </a:ln>
+        </p:spPr>
+        <p:style>
+          <a:lnRef idx="1">
+            <a:schemeClr val="accent1"/>
+          </a:lnRef>
+          <a:fillRef idx="0">
+            <a:schemeClr val="accent1"/>
+          </a:fillRef>
+          <a:effectRef idx="0">
+            <a:schemeClr val="accent1"/>
+          </a:effectRef>
+          <a:fontRef idx="minor">
+            <a:schemeClr val="tx1"/>
+          </a:fontRef>
+        </p:style>
+      </p:cxnSp>
+      <p:sp>
+        <p:nvSpPr>
+          <p:cNvPr id="26" name="文本框 25"/>
+          <p:cNvSpPr txBox="1"/>
+          <p:nvPr/>
+        </p:nvSpPr>
+        <p:spPr>
+          <a:xfrm>
+            <a:off x="750570" y="4756150"/>
+            <a:ext cx="1185545" cy="368300"/>
+          </a:xfrm>
+          <a:prstGeom prst="rect">
+            <a:avLst/>
+          </a:prstGeom>
+          <a:noFill/>
+        </p:spPr>
+        <p:txBody>
+          <a:bodyPr wrap="square" rtlCol="0">
+            <a:spAutoFit/>
+          </a:bodyPr>
+          <a:p>
+            <a:r>
+              <a:rPr lang="en-US" altLang="zh-CN"/>
+              <a:t>X-axis: </a:t>
+            </a:r>
+            <a:endParaRPr lang="en-US" altLang="zh-CN"/>
+          </a:p>
+        </p:txBody>
+      </p:sp>
+      <p:pic>
+        <p:nvPicPr>
+          <p:cNvPr id="27" name="图片 26" descr="x_bit"/>
+          <p:cNvPicPr>
+            <a:picLocks noChangeAspect="1"/>
+          </p:cNvPicPr>
+          <p:nvPr/>
+        </p:nvPicPr>
+        <p:blipFill>
+          <a:blip r:embed="rId4">
+            <a:extLst>
+              <a:ext uri="{96DAC541-7B7A-43D3-8B79-37D633B846F1}">
+                <asvg:svgBlip xmlns:asvg="http://schemas.microsoft.com/office/drawing/2016/SVG/main" r:embed="rId5"/>
+              </a:ext>
+            </a:extLst>
+          </a:blip>
+          <a:stretch>
+            <a:fillRect/>
+          </a:stretch>
+        </p:blipFill>
+        <p:spPr>
+          <a:xfrm>
+            <a:off x="1745615" y="4765040"/>
+            <a:ext cx="1283335" cy="300990"/>
+          </a:xfrm>
+          <a:prstGeom prst="rect">
+            <a:avLst/>
+          </a:prstGeom>
+        </p:spPr>
+      </p:pic>
+      <p:sp>
+        <p:nvSpPr>
+          <p:cNvPr id="28" name="文本框 27"/>
+          <p:cNvSpPr txBox="1"/>
+          <p:nvPr/>
+        </p:nvSpPr>
+        <p:spPr>
+          <a:xfrm>
+            <a:off x="750570" y="5222875"/>
+            <a:ext cx="1185545" cy="368300"/>
+          </a:xfrm>
+          <a:prstGeom prst="rect">
+            <a:avLst/>
+          </a:prstGeom>
+          <a:noFill/>
+        </p:spPr>
+        <p:txBody>
+          <a:bodyPr wrap="square" rtlCol="0">
+            <a:spAutoFit/>
+          </a:bodyPr>
+          <a:p>
+            <a:r>
+              <a:rPr lang="en-US" altLang="zh-CN"/>
+              <a:t>Z-axis: </a:t>
+            </a:r>
+            <a:endParaRPr lang="en-US" altLang="zh-CN"/>
+          </a:p>
+        </p:txBody>
+      </p:sp>
+      <p:pic>
+        <p:nvPicPr>
+          <p:cNvPr id="29" name="图片 28" descr="z_bit"/>
+          <p:cNvPicPr>
+            <a:picLocks noChangeAspect="1"/>
+          </p:cNvPicPr>
+          <p:nvPr/>
+        </p:nvPicPr>
+        <p:blipFill>
+          <a:blip r:embed="rId6">
+            <a:extLst>
+              <a:ext uri="{96DAC541-7B7A-43D3-8B79-37D633B846F1}">
+                <asvg:svgBlip xmlns:asvg="http://schemas.microsoft.com/office/drawing/2016/SVG/main" r:embed="rId7"/>
+              </a:ext>
+            </a:extLst>
+          </a:blip>
+          <a:stretch>
+            <a:fillRect/>
+          </a:stretch>
+        </p:blipFill>
+        <p:spPr>
+          <a:xfrm>
+            <a:off x="1745615" y="5240020"/>
+            <a:ext cx="2974340" cy="1113790"/>
+          </a:xfrm>
+          <a:prstGeom prst="rect">
+            <a:avLst/>
+          </a:prstGeom>
+        </p:spPr>
+      </p:pic>
+      <p:sp>
+        <p:nvSpPr>
+          <p:cNvPr id="30" name="文本框 29"/>
+          <p:cNvSpPr txBox="1"/>
+          <p:nvPr/>
+        </p:nvSpPr>
+        <p:spPr>
+          <a:xfrm>
+            <a:off x="5462905" y="4771390"/>
+            <a:ext cx="1666240" cy="368300"/>
+          </a:xfrm>
+          <a:prstGeom prst="rect">
+            <a:avLst/>
+          </a:prstGeom>
+          <a:noFill/>
+        </p:spPr>
+        <p:txBody>
+          <a:bodyPr wrap="square" rtlCol="0">
+            <a:spAutoFit/>
+          </a:bodyPr>
+          <a:p>
+            <a:r>
+              <a:rPr lang="en-US" altLang="zh-CN"/>
+              <a:t>For large </a:t>
+            </a:r>
+            <a:r>
+              <a:rPr lang="en-US" altLang="zh-CN" b="1" i="1">
+                <a:latin typeface="Arial" panose="020B0604020202020204" pitchFamily="34" charset="0"/>
+                <a:cs typeface="Arial" panose="020B0604020202020204" pitchFamily="34" charset="0"/>
+              </a:rPr>
+              <a:t>α </a:t>
+            </a:r>
+            <a:r>
+              <a:rPr lang="en-US" altLang="zh-CN">
+                <a:latin typeface="Arial" panose="020B0604020202020204" pitchFamily="34" charset="0"/>
+                <a:cs typeface="Arial" panose="020B0604020202020204" pitchFamily="34" charset="0"/>
+              </a:rPr>
+              <a:t>,</a:t>
+            </a:r>
+            <a:r>
+              <a:rPr lang="en-US" altLang="zh-CN"/>
+              <a:t> </a:t>
+            </a:r>
+            <a:endParaRPr lang="en-US" altLang="zh-CN"/>
+          </a:p>
+        </p:txBody>
+      </p:sp>
+      <p:pic>
+        <p:nvPicPr>
+          <p:cNvPr id="31" name="图片 30" descr="large_coef"/>
+          <p:cNvPicPr>
+            <a:picLocks noChangeAspect="1"/>
+          </p:cNvPicPr>
+          <p:nvPr/>
+        </p:nvPicPr>
+        <p:blipFill>
+          <a:blip r:embed="rId8">
+            <a:extLst>
+              <a:ext uri="{96DAC541-7B7A-43D3-8B79-37D633B846F1}">
+                <asvg:svgBlip xmlns:asvg="http://schemas.microsoft.com/office/drawing/2016/SVG/main" r:embed="rId9"/>
+              </a:ext>
+            </a:extLst>
+          </a:blip>
+          <a:stretch>
+            <a:fillRect/>
+          </a:stretch>
+        </p:blipFill>
+        <p:spPr>
+          <a:xfrm>
+            <a:off x="6955790" y="4795520"/>
+            <a:ext cx="1253490" cy="309245"/>
+          </a:xfrm>
+          <a:prstGeom prst="rect">
+            <a:avLst/>
+          </a:prstGeom>
+        </p:spPr>
+      </p:pic>
+      <p:pic>
+        <p:nvPicPr>
+          <p:cNvPr id="32" name="图片 31" descr="qubit_0_1_coherent"/>
+          <p:cNvPicPr>
+            <a:picLocks noChangeAspect="1"/>
+          </p:cNvPicPr>
+          <p:nvPr/>
+        </p:nvPicPr>
+        <p:blipFill>
+          <a:blip r:embed="rId10">
+            <a:extLst>
+              <a:ext uri="{96DAC541-7B7A-43D3-8B79-37D633B846F1}">
+                <asvg:svgBlip xmlns:asvg="http://schemas.microsoft.com/office/drawing/2016/SVG/main" r:embed="rId11"/>
+              </a:ext>
+            </a:extLst>
+          </a:blip>
+          <a:stretch>
+            <a:fillRect/>
+          </a:stretch>
+        </p:blipFill>
+        <p:spPr>
+          <a:xfrm>
+            <a:off x="6168390" y="5494020"/>
+            <a:ext cx="1239520" cy="567055"/>
+          </a:xfrm>
+          <a:prstGeom prst="rect">
+            <a:avLst/>
+          </a:prstGeom>
+        </p:spPr>
+      </p:pic>
+    </p:spTree>
+  </p:cSld>
+  <p:clrMapOvr>
+    <a:masterClrMapping/>
+  </p:clrMapOvr>
+  <p:timing>
+    <p:tnLst>
+      <p:par>
+        <p:cTn id="1" dur="indefinite" restart="never" nodeType="tmRoot"/>
+      </p:par>
+    </p:tnLst>
+  </p:timing>
+</p:sld>
+</file>
+
+<file path=ppt/slides/slide16.xml><?xml version="1.0" encoding="utf-8"?>
 <p:sld xmlns:a="http://schemas.openxmlformats.org/drawingml/2006/main" xmlns:r="http://schemas.openxmlformats.org/officeDocument/2006/relationships" xmlns:p="http://schemas.openxmlformats.org/presentationml/2006/main">
   <p:cSld>
     <p:spTree>
@@ -6384,7 +9617,7 @@
         </p:nvSpPr>
         <p:spPr>
           <a:xfrm>
-            <a:off x="609600" y="814070"/>
+            <a:off x="609600" y="1160780"/>
             <a:ext cx="3412490" cy="521970"/>
           </a:xfrm>
           <a:prstGeom prst="rect">
@@ -6439,8 +9672,8 @@
         </p:nvSpPr>
         <p:spPr>
           <a:xfrm>
-            <a:off x="1112520" y="1287780"/>
-            <a:ext cx="6748780" cy="2168525"/>
+            <a:off x="1095375" y="1962785"/>
+            <a:ext cx="6748780" cy="2584450"/>
           </a:xfrm>
           <a:prstGeom prst="rect">
             <a:avLst/>
@@ -6454,7 +9687,7 @@
           <a:p>
             <a:pPr marL="285750" indent="-285750">
               <a:lnSpc>
-                <a:spcPct val="125000"/>
+                <a:spcPct val="150000"/>
               </a:lnSpc>
               <a:spcBef>
                 <a:spcPts val="0"/>
@@ -6486,7 +9719,7 @@
           <a:p>
             <a:pPr marL="285750" indent="-285750">
               <a:lnSpc>
-                <a:spcPct val="125000"/>
+                <a:spcPct val="150000"/>
               </a:lnSpc>
               <a:spcBef>
                 <a:spcPts val="0"/>
@@ -6499,272 +9732,24 @@
             </a:pPr>
             <a:r>
               <a:rPr lang="en-US" altLang="zh-CN"/>
-              <a:t>QEC with noise-biased channel is impossible in a native two-level system.</a:t>
-            </a:r>
-            <a:endParaRPr lang="en-US" altLang="zh-CN"/>
-          </a:p>
-        </p:txBody>
-      </p:sp>
-      <p:sp>
-        <p:nvSpPr>
-          <p:cNvPr id="2" name="矩形 1"/>
-          <p:cNvSpPr/>
-          <p:nvPr/>
-        </p:nvSpPr>
-        <p:spPr>
-          <a:xfrm>
-            <a:off x="609600" y="3427730"/>
-            <a:ext cx="7437755" cy="521970"/>
-          </a:xfrm>
-          <a:prstGeom prst="rect">
-            <a:avLst/>
-          </a:prstGeom>
-          <a:noFill/>
-          <a:ln>
-            <a:noFill/>
-          </a:ln>
-        </p:spPr>
-        <p:txBody>
-          <a:bodyPr wrap="square" rtlCol="0" anchor="t">
-            <a:spAutoFit/>
-          </a:bodyPr>
-          <a:p>
-            <a:pPr algn="l"/>
-            <a:r>
-              <a:rPr lang="en-US" altLang="zh-CN" sz="2800">
+              <a:t>QEC with noise-biased channel is </a:t>
+            </a:r>
+            <a:r>
+              <a:rPr lang="en-US" altLang="zh-CN" b="1">
                 <a:solidFill>
                   <a:srgbClr val="FF0000"/>
                 </a:solidFill>
-                <a:effectLst>
-                  <a:outerShdw blurRad="38100" dist="19050" dir="2700000" algn="tl" rotWithShape="0">
-                    <a:schemeClr val="dk1">
-                      <a:alpha val="40000"/>
-                    </a:schemeClr>
-                  </a:outerShdw>
-                </a:effectLst>
               </a:rPr>
-              <a:t>What can we do for these problems ?</a:t>
-            </a:r>
-            <a:endParaRPr lang="en-US" altLang="zh-CN" sz="2800">
-              <a:solidFill>
-                <a:srgbClr val="FF0000"/>
-              </a:solidFill>
-              <a:effectLst>
-                <a:outerShdw blurRad="38100" dist="19050" dir="2700000" algn="tl" rotWithShape="0">
-                  <a:schemeClr val="dk1">
-                    <a:alpha val="40000"/>
-                  </a:schemeClr>
-                </a:outerShdw>
-              </a:effectLst>
-            </a:endParaRPr>
+              <a:t>impossible</a:t>
+            </a:r>
+            <a:r>
+              <a:rPr lang="en-US" altLang="zh-CN"/>
+              <a:t> in a native two-level system.</a:t>
+            </a:r>
+            <a:endParaRPr lang="en-US" altLang="zh-CN"/>
           </a:p>
         </p:txBody>
       </p:sp>
-      <p:sp>
-        <p:nvSpPr>
-          <p:cNvPr id="9" name="文本框 8"/>
-          <p:cNvSpPr txBox="1"/>
-          <p:nvPr/>
-        </p:nvSpPr>
-        <p:spPr>
-          <a:xfrm>
-            <a:off x="845185" y="3952240"/>
-            <a:ext cx="7385050" cy="645160"/>
-          </a:xfrm>
-          <a:prstGeom prst="rect">
-            <a:avLst/>
-          </a:prstGeom>
-          <a:noFill/>
-        </p:spPr>
-        <p:txBody>
-          <a:bodyPr wrap="square" rtlCol="0">
-            <a:spAutoFit/>
-          </a:bodyPr>
-          <a:p>
-            <a:pPr indent="0">
-              <a:buNone/>
-            </a:pPr>
-            <a:r>
-              <a:rPr lang="zh-CN" altLang="en-US"/>
-              <a:t>In order to take advantage of </a:t>
-            </a:r>
-            <a:r>
-              <a:rPr lang="en-US" altLang="zh-CN"/>
-              <a:t>biased noise</a:t>
-            </a:r>
-            <a:r>
-              <a:rPr lang="zh-CN" altLang="en-US"/>
-              <a:t>, we need something </a:t>
-            </a:r>
-            <a:r>
-              <a:rPr lang="en-US" altLang="zh-CN"/>
-              <a:t>that acting all universal gate sets in this biased channel.</a:t>
-            </a:r>
-            <a:endParaRPr lang="en-US" altLang="zh-CN"/>
-          </a:p>
-        </p:txBody>
-      </p:sp>
-      <p:sp>
-        <p:nvSpPr>
-          <p:cNvPr id="10" name="矩形 9"/>
-          <p:cNvSpPr/>
-          <p:nvPr/>
-        </p:nvSpPr>
-        <p:spPr>
-          <a:xfrm>
-            <a:off x="2950845" y="4942205"/>
-            <a:ext cx="3285490" cy="1076325"/>
-          </a:xfrm>
-          <a:prstGeom prst="rect">
-            <a:avLst/>
-          </a:prstGeom>
-          <a:noFill/>
-          <a:ln>
-            <a:noFill/>
-          </a:ln>
-        </p:spPr>
-        <p:txBody>
-          <a:bodyPr wrap="none" rtlCol="0" anchor="t">
-            <a:spAutoFit/>
-          </a:bodyPr>
-          <a:p>
-            <a:pPr algn="ctr"/>
-            <a:r>
-              <a:rPr lang="en-US" altLang="zh-CN" sz="2800" b="1">
-                <a:ln/>
-                <a:gradFill>
-                  <a:gsLst>
-                    <a:gs pos="0">
-                      <a:schemeClr val="accent5">
-                        <a:lumMod val="50000"/>
-                      </a:schemeClr>
-                    </a:gs>
-                    <a:gs pos="50000">
-                      <a:schemeClr val="accent5"/>
-                    </a:gs>
-                    <a:gs pos="100000">
-                      <a:schemeClr val="accent5">
-                        <a:lumMod val="60000"/>
-                        <a:lumOff val="40000"/>
-                      </a:schemeClr>
-                    </a:gs>
-                  </a:gsLst>
-                  <a:lin ang="5400000"/>
-                </a:gradFill>
-                <a:effectLst>
-                  <a:reflection blurRad="6350" stA="53000" endA="300" endPos="35500" dir="5400000" sy="-90000" algn="bl" rotWithShape="0"/>
-                </a:effectLst>
-              </a:rPr>
-              <a:t>A better choice is</a:t>
-            </a:r>
-            <a:endParaRPr lang="en-US" altLang="zh-CN" sz="2800" b="1">
-              <a:ln/>
-              <a:gradFill>
-                <a:gsLst>
-                  <a:gs pos="0">
-                    <a:schemeClr val="accent5">
-                      <a:lumMod val="50000"/>
-                    </a:schemeClr>
-                  </a:gs>
-                  <a:gs pos="50000">
-                    <a:schemeClr val="accent5"/>
-                  </a:gs>
-                  <a:gs pos="100000">
-                    <a:schemeClr val="accent5">
-                      <a:lumMod val="60000"/>
-                      <a:lumOff val="40000"/>
-                    </a:schemeClr>
-                  </a:gs>
-                </a:gsLst>
-                <a:lin ang="5400000"/>
-              </a:gradFill>
-              <a:effectLst>
-                <a:reflection blurRad="6350" stA="53000" endA="300" endPos="35500" dir="5400000" sy="-90000" algn="bl" rotWithShape="0"/>
-              </a:effectLst>
-            </a:endParaRPr>
-          </a:p>
-          <a:p>
-            <a:pPr algn="ctr"/>
-            <a:r>
-              <a:rPr lang="en-US" altLang="zh-CN" sz="3600" b="1">
-                <a:ln/>
-                <a:solidFill>
-                  <a:schemeClr val="tx1"/>
-                </a:solidFill>
-                <a:effectLst>
-                  <a:outerShdw blurRad="38100" dist="19050" dir="2700000" algn="tl" rotWithShape="0">
-                    <a:schemeClr val="dk1">
-                      <a:alpha val="40000"/>
-                    </a:schemeClr>
-                  </a:outerShdw>
-                </a:effectLst>
-              </a:rPr>
-              <a:t>Cat qubit</a:t>
-            </a:r>
-            <a:endParaRPr lang="en-US" altLang="zh-CN" sz="3600" b="1">
-              <a:ln/>
-              <a:solidFill>
-                <a:schemeClr val="tx1"/>
-              </a:solidFill>
-              <a:effectLst>
-                <a:outerShdw blurRad="38100" dist="19050" dir="2700000" algn="tl" rotWithShape="0">
-                  <a:schemeClr val="dk1">
-                    <a:alpha val="40000"/>
-                  </a:schemeClr>
-                </a:outerShdw>
-              </a:effectLst>
-            </a:endParaRPr>
-          </a:p>
-        </p:txBody>
-      </p:sp>
-      <p:pic>
-        <p:nvPicPr>
-          <p:cNvPr id="11" name="图片 10" descr="death_cat"/>
-          <p:cNvPicPr>
-            <a:picLocks noChangeAspect="1"/>
-          </p:cNvPicPr>
-          <p:nvPr/>
-        </p:nvPicPr>
-        <p:blipFill>
-          <a:blip r:embed="rId1"/>
-          <a:stretch>
-            <a:fillRect/>
-          </a:stretch>
-        </p:blipFill>
-        <p:spPr>
-          <a:xfrm>
-            <a:off x="426720" y="4648835"/>
-            <a:ext cx="2105660" cy="1918335"/>
-          </a:xfrm>
-          <a:prstGeom prst="rect">
-            <a:avLst/>
-          </a:prstGeom>
-        </p:spPr>
-      </p:pic>
-      <p:pic>
-        <p:nvPicPr>
-          <p:cNvPr id="13" name="图片 12" descr="living_cat"/>
-          <p:cNvPicPr>
-            <a:picLocks noChangeAspect="1"/>
-          </p:cNvPicPr>
-          <p:nvPr/>
-        </p:nvPicPr>
-        <p:blipFill>
-          <a:blip r:embed="rId2"/>
-          <a:stretch>
-            <a:fillRect/>
-          </a:stretch>
-        </p:blipFill>
-        <p:spPr>
-          <a:xfrm>
-            <a:off x="6654800" y="4649470"/>
-            <a:ext cx="2104390" cy="1917700"/>
-          </a:xfrm>
-          <a:prstGeom prst="rect">
-            <a:avLst/>
-          </a:prstGeom>
-        </p:spPr>
-      </p:pic>
     </p:spTree>
   </p:cSld>
   <p:clrMapOvr>
@@ -6773,345 +9758,9 @@
   <p:timing>
     <p:tnLst>
       <p:par>
-        <p:cTn id="1" dur="indefinite" restart="never" nodeType="tmRoot">
-          <p:childTnLst>
-            <p:seq concurrent="1" nextAc="seek">
-              <p:cTn id="2" dur="indefinite" nodeType="mainSeq">
-                <p:childTnLst>
-                  <p:par>
-                    <p:cTn id="3" fill="hold">
-                      <p:stCondLst>
-                        <p:cond delay="indefinite"/>
-                      </p:stCondLst>
-                      <p:childTnLst>
-                        <p:par>
-                          <p:cTn id="4" fill="hold">
-                            <p:stCondLst>
-                              <p:cond delay="0"/>
-                            </p:stCondLst>
-                            <p:childTnLst>
-                              <p:par>
-                                <p:cTn id="5" presetID="2" presetClass="entr" presetSubtype="8" fill="hold" grpId="0" nodeType="clickEffect">
-                                  <p:stCondLst>
-                                    <p:cond delay="0"/>
-                                  </p:stCondLst>
-                                  <p:childTnLst>
-                                    <p:set>
-                                      <p:cBhvr>
-                                        <p:cTn id="6" dur="1" fill="hold">
-                                          <p:stCondLst>
-                                            <p:cond delay="0"/>
-                                          </p:stCondLst>
-                                        </p:cTn>
-                                        <p:tgtEl>
-                                          <p:spTgt spid="2"/>
-                                        </p:tgtEl>
-                                        <p:attrNameLst>
-                                          <p:attrName>style.visibility</p:attrName>
-                                        </p:attrNameLst>
-                                      </p:cBhvr>
-                                      <p:to>
-                                        <p:strVal val="visible"/>
-                                      </p:to>
-                                    </p:set>
-                                    <p:anim calcmode="lin" valueType="num">
-                                      <p:cBhvr additive="base">
-                                        <p:cTn id="7" dur="500" fill="hold"/>
-                                        <p:tgtEl>
-                                          <p:spTgt spid="2"/>
-                                        </p:tgtEl>
-                                        <p:attrNameLst>
-                                          <p:attrName>ppt_x</p:attrName>
-                                        </p:attrNameLst>
-                                      </p:cBhvr>
-                                      <p:tavLst>
-                                        <p:tav tm="0">
-                                          <p:val>
-                                            <p:strVal val="0-#ppt_w/2"/>
-                                          </p:val>
-                                        </p:tav>
-                                        <p:tav tm="100000">
-                                          <p:val>
-                                            <p:strVal val="#ppt_x"/>
-                                          </p:val>
-                                        </p:tav>
-                                      </p:tavLst>
-                                    </p:anim>
-                                    <p:anim calcmode="lin" valueType="num">
-                                      <p:cBhvr additive="base">
-                                        <p:cTn id="8" dur="500" fill="hold"/>
-                                        <p:tgtEl>
-                                          <p:spTgt spid="2"/>
-                                        </p:tgtEl>
-                                        <p:attrNameLst>
-                                          <p:attrName>ppt_y</p:attrName>
-                                        </p:attrNameLst>
-                                      </p:cBhvr>
-                                      <p:tavLst>
-                                        <p:tav tm="0">
-                                          <p:val>
-                                            <p:strVal val="#ppt_y"/>
-                                          </p:val>
-                                        </p:tav>
-                                        <p:tav tm="100000">
-                                          <p:val>
-                                            <p:strVal val="#ppt_y"/>
-                                          </p:val>
-                                        </p:tav>
-                                      </p:tavLst>
-                                    </p:anim>
-                                  </p:childTnLst>
-                                </p:cTn>
-                              </p:par>
-                            </p:childTnLst>
-                          </p:cTn>
-                        </p:par>
-                      </p:childTnLst>
-                    </p:cTn>
-                  </p:par>
-                  <p:par>
-                    <p:cTn id="9" fill="hold">
-                      <p:stCondLst>
-                        <p:cond delay="indefinite"/>
-                      </p:stCondLst>
-                      <p:childTnLst>
-                        <p:par>
-                          <p:cTn id="10" fill="hold">
-                            <p:stCondLst>
-                              <p:cond delay="0"/>
-                            </p:stCondLst>
-                            <p:childTnLst>
-                              <p:par>
-                                <p:cTn id="11" presetID="2" presetClass="entr" presetSubtype="2" fill="hold" grpId="0" nodeType="clickEffect">
-                                  <p:stCondLst>
-                                    <p:cond delay="0"/>
-                                  </p:stCondLst>
-                                  <p:childTnLst>
-                                    <p:set>
-                                      <p:cBhvr>
-                                        <p:cTn id="12" dur="1" fill="hold">
-                                          <p:stCondLst>
-                                            <p:cond delay="0"/>
-                                          </p:stCondLst>
-                                        </p:cTn>
-                                        <p:tgtEl>
-                                          <p:spTgt spid="9"/>
-                                        </p:tgtEl>
-                                        <p:attrNameLst>
-                                          <p:attrName>style.visibility</p:attrName>
-                                        </p:attrNameLst>
-                                      </p:cBhvr>
-                                      <p:to>
-                                        <p:strVal val="visible"/>
-                                      </p:to>
-                                    </p:set>
-                                    <p:anim calcmode="lin" valueType="num">
-                                      <p:cBhvr additive="base">
-                                        <p:cTn id="13" dur="500" fill="hold"/>
-                                        <p:tgtEl>
-                                          <p:spTgt spid="9"/>
-                                        </p:tgtEl>
-                                        <p:attrNameLst>
-                                          <p:attrName>ppt_x</p:attrName>
-                                        </p:attrNameLst>
-                                      </p:cBhvr>
-                                      <p:tavLst>
-                                        <p:tav tm="0">
-                                          <p:val>
-                                            <p:strVal val="1+#ppt_w/2"/>
-                                          </p:val>
-                                        </p:tav>
-                                        <p:tav tm="100000">
-                                          <p:val>
-                                            <p:strVal val="#ppt_x"/>
-                                          </p:val>
-                                        </p:tav>
-                                      </p:tavLst>
-                                    </p:anim>
-                                    <p:anim calcmode="lin" valueType="num">
-                                      <p:cBhvr additive="base">
-                                        <p:cTn id="14" dur="500" fill="hold"/>
-                                        <p:tgtEl>
-                                          <p:spTgt spid="9"/>
-                                        </p:tgtEl>
-                                        <p:attrNameLst>
-                                          <p:attrName>ppt_y</p:attrName>
-                                        </p:attrNameLst>
-                                      </p:cBhvr>
-                                      <p:tavLst>
-                                        <p:tav tm="0">
-                                          <p:val>
-                                            <p:strVal val="#ppt_y"/>
-                                          </p:val>
-                                        </p:tav>
-                                        <p:tav tm="100000">
-                                          <p:val>
-                                            <p:strVal val="#ppt_y"/>
-                                          </p:val>
-                                        </p:tav>
-                                      </p:tavLst>
-                                    </p:anim>
-                                  </p:childTnLst>
-                                </p:cTn>
-                              </p:par>
-                            </p:childTnLst>
-                          </p:cTn>
-                        </p:par>
-                      </p:childTnLst>
-                    </p:cTn>
-                  </p:par>
-                  <p:par>
-                    <p:cTn id="15" fill="hold">
-                      <p:stCondLst>
-                        <p:cond delay="indefinite"/>
-                      </p:stCondLst>
-                      <p:childTnLst>
-                        <p:par>
-                          <p:cTn id="16" fill="hold">
-                            <p:stCondLst>
-                              <p:cond delay="0"/>
-                            </p:stCondLst>
-                            <p:childTnLst>
-                              <p:par>
-                                <p:cTn id="17" presetID="3" presetClass="entr" presetSubtype="10" fill="hold" grpId="0" nodeType="clickEffect">
-                                  <p:stCondLst>
-                                    <p:cond delay="0"/>
-                                  </p:stCondLst>
-                                  <p:childTnLst>
-                                    <p:set>
-                                      <p:cBhvr>
-                                        <p:cTn id="18" dur="1" fill="hold">
-                                          <p:stCondLst>
-                                            <p:cond delay="0"/>
-                                          </p:stCondLst>
-                                        </p:cTn>
-                                        <p:tgtEl>
-                                          <p:spTgt spid="10"/>
-                                        </p:tgtEl>
-                                        <p:attrNameLst>
-                                          <p:attrName>style.visibility</p:attrName>
-                                        </p:attrNameLst>
-                                      </p:cBhvr>
-                                      <p:to>
-                                        <p:strVal val="visible"/>
-                                      </p:to>
-                                    </p:set>
-                                    <p:animEffect transition="in" filter="blinds(horizontal)">
-                                      <p:cBhvr>
-                                        <p:cTn id="19" dur="500"/>
-                                        <p:tgtEl>
-                                          <p:spTgt spid="10"/>
-                                        </p:tgtEl>
-                                      </p:cBhvr>
-                                    </p:animEffect>
-                                  </p:childTnLst>
-                                </p:cTn>
-                              </p:par>
-                              <p:par>
-                                <p:cTn id="20" presetID="3" presetClass="entr" presetSubtype="10" fill="hold" nodeType="withEffect">
-                                  <p:stCondLst>
-                                    <p:cond delay="0"/>
-                                  </p:stCondLst>
-                                  <p:childTnLst>
-                                    <p:set>
-                                      <p:cBhvr>
-                                        <p:cTn id="21" dur="1" fill="hold">
-                                          <p:stCondLst>
-                                            <p:cond delay="0"/>
-                                          </p:stCondLst>
-                                        </p:cTn>
-                                        <p:tgtEl>
-                                          <p:spTgt spid="11"/>
-                                        </p:tgtEl>
-                                        <p:attrNameLst>
-                                          <p:attrName>style.visibility</p:attrName>
-                                        </p:attrNameLst>
-                                      </p:cBhvr>
-                                      <p:to>
-                                        <p:strVal val="visible"/>
-                                      </p:to>
-                                    </p:set>
-                                    <p:animEffect transition="in" filter="blinds(horizontal)">
-                                      <p:cBhvr>
-                                        <p:cTn id="22" dur="500"/>
-                                        <p:tgtEl>
-                                          <p:spTgt spid="11"/>
-                                        </p:tgtEl>
-                                      </p:cBhvr>
-                                    </p:animEffect>
-                                  </p:childTnLst>
-                                </p:cTn>
-                              </p:par>
-                              <p:par>
-                                <p:cTn id="23" presetID="3" presetClass="entr" presetSubtype="10" fill="hold" nodeType="withEffect">
-                                  <p:stCondLst>
-                                    <p:cond delay="0"/>
-                                  </p:stCondLst>
-                                  <p:childTnLst>
-                                    <p:set>
-                                      <p:cBhvr>
-                                        <p:cTn id="24" dur="1" fill="hold">
-                                          <p:stCondLst>
-                                            <p:cond delay="0"/>
-                                          </p:stCondLst>
-                                        </p:cTn>
-                                        <p:tgtEl>
-                                          <p:spTgt spid="13"/>
-                                        </p:tgtEl>
-                                        <p:attrNameLst>
-                                          <p:attrName>style.visibility</p:attrName>
-                                        </p:attrNameLst>
-                                      </p:cBhvr>
-                                      <p:to>
-                                        <p:strVal val="visible"/>
-                                      </p:to>
-                                    </p:set>
-                                    <p:animEffect transition="in" filter="blinds(horizontal)">
-                                      <p:cBhvr>
-                                        <p:cTn id="25" dur="500"/>
-                                        <p:tgtEl>
-                                          <p:spTgt spid="13"/>
-                                        </p:tgtEl>
-                                      </p:cBhvr>
-                                    </p:animEffect>
-                                  </p:childTnLst>
-                                </p:cTn>
-                              </p:par>
-                            </p:childTnLst>
-                          </p:cTn>
-                        </p:par>
-                      </p:childTnLst>
-                    </p:cTn>
-                  </p:par>
-                </p:childTnLst>
-              </p:cTn>
-              <p:prevCondLst>
-                <p:cond evt="onPrev" delay="0">
-                  <p:tgtEl>
-                    <p:sldTgt/>
-                  </p:tgtEl>
-                </p:cond>
-              </p:prevCondLst>
-              <p:nextCondLst>
-                <p:cond evt="onNext" delay="0">
-                  <p:tgtEl>
-                    <p:sldTgt/>
-                  </p:tgtEl>
-                </p:cond>
-              </p:nextCondLst>
-            </p:seq>
-          </p:childTnLst>
-        </p:cTn>
+        <p:cTn id="1" dur="indefinite" restart="never" nodeType="tmRoot"/>
       </p:par>
     </p:tnLst>
-    <p:bldLst>
-      <p:bldP spid="10" grpId="0"/>
-      <p:bldP spid="10" grpId="1"/>
-      <p:bldP spid="2" grpId="0"/>
-      <p:bldP spid="2" grpId="1"/>
-      <p:bldP spid="9" grpId="0"/>
-      <p:bldP spid="9" grpId="1"/>
-    </p:bldLst>
   </p:timing>
 </p:sld>
 </file>

--- a/cat qubit/Group Meeting/Report_Cat qubit.pptx
+++ b/cat qubit/Group Meeting/Report_Cat qubit.pptx
@@ -5,10 +5,10 @@
     <p:sldMasterId id="2147483648" r:id="rId1"/>
   </p:sldMasterIdLst>
   <p:notesMasterIdLst>
-    <p:notesMasterId r:id="rId19"/>
+    <p:notesMasterId r:id="rId21"/>
   </p:notesMasterIdLst>
   <p:handoutMasterIdLst>
-    <p:handoutMasterId r:id="rId20"/>
+    <p:handoutMasterId r:id="rId22"/>
   </p:handoutMasterIdLst>
   <p:sldIdLst>
     <p:sldId id="258" r:id="rId3"/>
@@ -26,7 +26,9 @@
     <p:sldId id="392" r:id="rId15"/>
     <p:sldId id="393" r:id="rId16"/>
     <p:sldId id="394" r:id="rId17"/>
-    <p:sldId id="307" r:id="rId18"/>
+    <p:sldId id="396" r:id="rId18"/>
+    <p:sldId id="397" r:id="rId19"/>
+    <p:sldId id="307" r:id="rId20"/>
   </p:sldIdLst>
   <p:sldSz cx="9144000" cy="6858000" type="screen4x3"/>
   <p:notesSz cx="9942195" cy="6760845"/>
@@ -3497,7 +3499,6 @@
           <a:p>
             <a:r>
               <a:rPr lang="en-US" altLang="zh-CN" sz="2000">
-                <a:ln/>
                 <a:solidFill>
                   <a:schemeClr val="accent5">
                     <a:lumMod val="75000"/>
@@ -3514,7 +3515,6 @@
               <a:t>Even cat state</a:t>
             </a:r>
             <a:endParaRPr lang="en-US" altLang="zh-CN" sz="2000">
-              <a:ln/>
               <a:solidFill>
                 <a:schemeClr val="accent5">
                   <a:lumMod val="75000"/>
@@ -4116,7 +4116,6 @@
           <a:p>
             <a:r>
               <a:rPr lang="en-US" altLang="zh-CN" sz="2800">
-                <a:ln/>
                 <a:solidFill>
                   <a:srgbClr val="FF0000"/>
                 </a:solidFill>
@@ -4131,7 +4130,6 @@
               <a:t>Features</a:t>
             </a:r>
             <a:endParaRPr lang="en-US" altLang="zh-CN" sz="2800">
-              <a:ln/>
               <a:solidFill>
                 <a:srgbClr val="FF0000"/>
               </a:solidFill>
@@ -4749,6 +4747,10 @@
           <a:p>
             <a:pPr algn="ctr"/>
             <a:r>
+              <a:rPr lang="en-US" altLang="zh-CN" sz="1400"/>
+              <a:t>Fig. 2. </a:t>
+            </a:r>
+            <a:r>
               <a:rPr lang="zh-CN" altLang="en-US" sz="1400"/>
               <a:t>Bloch sphere of the cat qubit</a:t>
             </a:r>
@@ -5142,6 +5144,945 @@
 </file>
 
 <file path=ppt/slides/slide16.xml><?xml version="1.0" encoding="utf-8"?>
+<p:sld xmlns:a="http://schemas.openxmlformats.org/drawingml/2006/main" xmlns:r="http://schemas.openxmlformats.org/officeDocument/2006/relationships" xmlns:p="http://schemas.openxmlformats.org/presentationml/2006/main">
+  <p:cSld>
+    <p:spTree>
+      <p:nvGrpSpPr>
+        <p:cNvPr id="1" name=""/>
+        <p:cNvGrpSpPr/>
+        <p:nvPr/>
+      </p:nvGrpSpPr>
+      <p:grpSpPr>
+        <a:xfrm>
+          <a:off x="0" y="0"/>
+          <a:ext cx="0" cy="0"/>
+          <a:chOff x="0" y="0"/>
+          <a:chExt cx="0" cy="0"/>
+        </a:xfrm>
+      </p:grpSpPr>
+      <p:sp>
+        <p:nvSpPr>
+          <p:cNvPr id="5" name="标题 1"/>
+          <p:cNvSpPr txBox="1"/>
+          <p:nvPr/>
+        </p:nvSpPr>
+        <p:spPr>
+          <a:xfrm>
+            <a:off x="1858577" y="197440"/>
+            <a:ext cx="5426846" cy="493394"/>
+          </a:xfrm>
+          <a:prstGeom prst="rect">
+            <a:avLst/>
+          </a:prstGeom>
+          <a:gradFill>
+            <a:gsLst>
+              <a:gs pos="19000">
+                <a:srgbClr val="FE4444"/>
+              </a:gs>
+              <a:gs pos="57000">
+                <a:srgbClr val="832B2B"/>
+              </a:gs>
+            </a:gsLst>
+            <a:lin ang="5400000" scaled="0"/>
+          </a:gradFill>
+        </p:spPr>
+        <p:txBody>
+          <a:bodyPr anchor="ctr" anchorCtr="0"/>
+          <a:lstStyle>
+            <a:lvl1pPr algn="l" defTabSz="914400" rtl="0" eaLnBrk="1" latinLnBrk="0" hangingPunct="1">
+              <a:lnSpc>
+                <a:spcPct val="90000"/>
+              </a:lnSpc>
+              <a:spcBef>
+                <a:spcPct val="0"/>
+              </a:spcBef>
+              <a:buNone/>
+              <a:defRPr sz="4400" kern="1200">
+                <a:solidFill>
+                  <a:schemeClr val="tx1"/>
+                </a:solidFill>
+                <a:latin typeface="+mj-lt"/>
+                <a:ea typeface="+mj-ea"/>
+                <a:cs typeface="+mj-cs"/>
+              </a:defRPr>
+            </a:lvl1pPr>
+          </a:lstStyle>
+          <a:p>
+            <a:pPr marL="0" marR="0" lvl="0" indent="0" algn="ctr" defTabSz="914400" rtl="0" eaLnBrk="1" fontAlgn="auto" latinLnBrk="0" hangingPunct="1">
+              <a:lnSpc>
+                <a:spcPct val="100000"/>
+              </a:lnSpc>
+              <a:spcBef>
+                <a:spcPts val="0"/>
+              </a:spcBef>
+              <a:spcAft>
+                <a:spcPts val="0"/>
+              </a:spcAft>
+              <a:buClrTx/>
+              <a:buSzTx/>
+              <a:buFontTx/>
+              <a:buNone/>
+              <a:defRPr/>
+            </a:pPr>
+            <a:r>
+              <a:rPr kumimoji="0" lang="en-US" altLang="zh-CN" sz="2800" b="0" i="0" u="none" strike="noStrike" kern="1200" cap="none" spc="0" normalizeH="0" baseline="0" noProof="0" dirty="0">
+                <a:ln>
+                  <a:noFill/>
+                </a:ln>
+                <a:solidFill>
+                  <a:prstClr val="white"/>
+                </a:solidFill>
+                <a:effectLst/>
+                <a:uLnTx/>
+                <a:uFillTx/>
+                <a:latin typeface="微软雅黑" panose="020B0503020204020204" charset="-122"/>
+                <a:ea typeface="微软雅黑" panose="020B0503020204020204" charset="-122"/>
+                <a:cs typeface="+mj-cs"/>
+              </a:rPr>
+              <a:t>Cat qubit</a:t>
+            </a:r>
+            <a:endParaRPr kumimoji="0" lang="en-US" altLang="zh-CN" sz="2800" b="0" i="0" u="none" strike="noStrike" kern="1200" cap="none" spc="0" normalizeH="0" baseline="0" noProof="0" dirty="0">
+              <a:ln>
+                <a:noFill/>
+              </a:ln>
+              <a:solidFill>
+                <a:prstClr val="white"/>
+              </a:solidFill>
+              <a:effectLst/>
+              <a:uLnTx/>
+              <a:uFillTx/>
+              <a:latin typeface="微软雅黑" panose="020B0503020204020204" charset="-122"/>
+              <a:ea typeface="微软雅黑" panose="020B0503020204020204" charset="-122"/>
+              <a:cs typeface="+mj-cs"/>
+            </a:endParaRPr>
+          </a:p>
+        </p:txBody>
+      </p:sp>
+      <p:cxnSp>
+        <p:nvCxnSpPr>
+          <p:cNvPr id="6" name="直接连接符 5"/>
+          <p:cNvCxnSpPr>
+            <a:endCxn id="5" idx="1"/>
+          </p:cNvCxnSpPr>
+          <p:nvPr/>
+        </p:nvCxnSpPr>
+        <p:spPr>
+          <a:xfrm>
+            <a:off x="0" y="444772"/>
+            <a:ext cx="1858577" cy="0"/>
+          </a:xfrm>
+          <a:prstGeom prst="line">
+            <a:avLst/>
+          </a:prstGeom>
+          <a:ln w="25400">
+            <a:solidFill>
+              <a:srgbClr val="C00000"/>
+            </a:solidFill>
+          </a:ln>
+        </p:spPr>
+        <p:style>
+          <a:lnRef idx="1">
+            <a:schemeClr val="accent1"/>
+          </a:lnRef>
+          <a:fillRef idx="0">
+            <a:schemeClr val="accent1"/>
+          </a:fillRef>
+          <a:effectRef idx="0">
+            <a:schemeClr val="accent1"/>
+          </a:effectRef>
+          <a:fontRef idx="minor">
+            <a:schemeClr val="tx1"/>
+          </a:fontRef>
+        </p:style>
+      </p:cxnSp>
+      <p:cxnSp>
+        <p:nvCxnSpPr>
+          <p:cNvPr id="7" name="直接连接符 6"/>
+          <p:cNvCxnSpPr>
+            <a:stCxn id="5" idx="3"/>
+          </p:cNvCxnSpPr>
+          <p:nvPr/>
+        </p:nvCxnSpPr>
+        <p:spPr>
+          <a:xfrm>
+            <a:off x="7285423" y="444772"/>
+            <a:ext cx="1858577" cy="1"/>
+          </a:xfrm>
+          <a:prstGeom prst="line">
+            <a:avLst/>
+          </a:prstGeom>
+          <a:ln w="25400">
+            <a:solidFill>
+              <a:srgbClr val="C00000"/>
+            </a:solidFill>
+          </a:ln>
+        </p:spPr>
+        <p:style>
+          <a:lnRef idx="1">
+            <a:schemeClr val="accent1"/>
+          </a:lnRef>
+          <a:fillRef idx="0">
+            <a:schemeClr val="accent1"/>
+          </a:fillRef>
+          <a:effectRef idx="0">
+            <a:schemeClr val="accent1"/>
+          </a:effectRef>
+          <a:fontRef idx="minor">
+            <a:schemeClr val="tx1"/>
+          </a:fontRef>
+        </p:style>
+      </p:cxnSp>
+      <p:sp>
+        <p:nvSpPr>
+          <p:cNvPr id="2" name="文本框 1"/>
+          <p:cNvSpPr txBox="1"/>
+          <p:nvPr/>
+        </p:nvSpPr>
+        <p:spPr>
+          <a:xfrm>
+            <a:off x="474980" y="1003935"/>
+            <a:ext cx="7821295" cy="398780"/>
+          </a:xfrm>
+          <a:prstGeom prst="rect">
+            <a:avLst/>
+          </a:prstGeom>
+          <a:noFill/>
+        </p:spPr>
+        <p:txBody>
+          <a:bodyPr wrap="square" rtlCol="0">
+            <a:spAutoFit/>
+          </a:bodyPr>
+          <a:p>
+            <a:r>
+              <a:rPr lang="en-US" altLang="zh-CN" sz="2000" b="1">
+                <a:ln/>
+                <a:solidFill>
+                  <a:srgbClr val="FF0000"/>
+                </a:solidFill>
+                <a:effectLst>
+                  <a:outerShdw blurRad="38100" dist="19050" dir="2700000" algn="tl" rotWithShape="0">
+                    <a:schemeClr val="dk1">
+                      <a:alpha val="40000"/>
+                    </a:schemeClr>
+                  </a:outerShdw>
+                </a:effectLst>
+              </a:rPr>
+              <a:t>Physical realization: </a:t>
+            </a:r>
+            <a:r>
+              <a:rPr lang="en-US" altLang="zh-CN" sz="2000" b="1">
+                <a:ln/>
+                <a:solidFill>
+                  <a:schemeClr val="tx1"/>
+                </a:solidFill>
+                <a:effectLst>
+                  <a:outerShdw blurRad="38100" dist="19050" dir="2700000" algn="tl" rotWithShape="0">
+                    <a:schemeClr val="dk1">
+                      <a:alpha val="40000"/>
+                    </a:schemeClr>
+                  </a:outerShdw>
+                </a:effectLst>
+              </a:rPr>
+              <a:t>Two-photon driven nonlinear oscillator</a:t>
+            </a:r>
+            <a:endParaRPr lang="en-US" altLang="zh-CN" sz="2000" b="1">
+              <a:ln/>
+              <a:solidFill>
+                <a:schemeClr val="tx1"/>
+              </a:solidFill>
+              <a:effectLst>
+                <a:outerShdw blurRad="38100" dist="19050" dir="2700000" algn="tl" rotWithShape="0">
+                  <a:schemeClr val="dk1">
+                    <a:alpha val="40000"/>
+                  </a:schemeClr>
+                </a:outerShdw>
+              </a:effectLst>
+            </a:endParaRPr>
+          </a:p>
+        </p:txBody>
+      </p:sp>
+      <p:sp>
+        <p:nvSpPr>
+          <p:cNvPr id="9" name="文本框 8"/>
+          <p:cNvSpPr txBox="1"/>
+          <p:nvPr/>
+        </p:nvSpPr>
+        <p:spPr>
+          <a:xfrm>
+            <a:off x="781685" y="1555115"/>
+            <a:ext cx="3101340" cy="368300"/>
+          </a:xfrm>
+          <a:prstGeom prst="rect">
+            <a:avLst/>
+          </a:prstGeom>
+          <a:noFill/>
+        </p:spPr>
+        <p:txBody>
+          <a:bodyPr wrap="square" rtlCol="0">
+            <a:spAutoFit/>
+          </a:bodyPr>
+          <a:p>
+            <a:r>
+              <a:rPr lang="en-US" altLang="zh-CN"/>
+              <a:t>Kerr nonlinear Resonator</a:t>
+            </a:r>
+            <a:endParaRPr lang="en-US" altLang="zh-CN"/>
+          </a:p>
+        </p:txBody>
+      </p:sp>
+      <p:pic>
+        <p:nvPicPr>
+          <p:cNvPr id="10" name="图片 9" descr="KNR"/>
+          <p:cNvPicPr>
+            <a:picLocks noChangeAspect="1"/>
+          </p:cNvPicPr>
+          <p:nvPr/>
+        </p:nvPicPr>
+        <p:blipFill>
+          <a:blip r:embed="rId1"/>
+          <a:stretch>
+            <a:fillRect/>
+          </a:stretch>
+        </p:blipFill>
+        <p:spPr>
+          <a:xfrm>
+            <a:off x="1701800" y="2179955"/>
+            <a:ext cx="5182235" cy="1155700"/>
+          </a:xfrm>
+          <a:prstGeom prst="rect">
+            <a:avLst/>
+          </a:prstGeom>
+        </p:spPr>
+      </p:pic>
+      <p:sp>
+        <p:nvSpPr>
+          <p:cNvPr id="11" name="文本框 10"/>
+          <p:cNvSpPr txBox="1"/>
+          <p:nvPr/>
+        </p:nvSpPr>
+        <p:spPr>
+          <a:xfrm>
+            <a:off x="2548255" y="3335655"/>
+            <a:ext cx="3806825" cy="306705"/>
+          </a:xfrm>
+          <a:prstGeom prst="rect">
+            <a:avLst/>
+          </a:prstGeom>
+          <a:noFill/>
+        </p:spPr>
+        <p:txBody>
+          <a:bodyPr wrap="square" rtlCol="0">
+            <a:spAutoFit/>
+          </a:bodyPr>
+          <a:p>
+            <a:pPr algn="ctr"/>
+            <a:r>
+              <a:rPr lang="en-US" altLang="zh-CN" sz="1400"/>
+              <a:t>Fig. 3. Scheme of the nonlinear resonator</a:t>
+            </a:r>
+            <a:endParaRPr lang="zh-CN" altLang="en-US" sz="1400"/>
+          </a:p>
+        </p:txBody>
+      </p:sp>
+      <mc:AlternateContent xmlns:mc="http://schemas.openxmlformats.org/markup-compatibility/2006">
+        <mc:Choice xmlns:a14="http://schemas.microsoft.com/office/drawing/2010/main" Requires="a14">
+          <p:sp>
+            <p:nvSpPr>
+              <p:cNvPr id="13" name="文本框 12"/>
+              <p:cNvSpPr txBox="1"/>
+              <p:nvPr/>
+            </p:nvSpPr>
+            <p:spPr>
+              <a:xfrm>
+                <a:off x="991870" y="3872230"/>
+                <a:ext cx="7009130" cy="2168525"/>
+              </a:xfrm>
+              <a:prstGeom prst="rect">
+                <a:avLst/>
+              </a:prstGeom>
+              <a:noFill/>
+            </p:spPr>
+            <p:txBody>
+              <a:bodyPr wrap="square" rtlCol="0">
+                <a:spAutoFit/>
+              </a:bodyPr>
+              <a:p>
+                <a:pPr marL="285750" indent="-285750">
+                  <a:lnSpc>
+                    <a:spcPct val="150000"/>
+                  </a:lnSpc>
+                  <a:spcBef>
+                    <a:spcPts val="0"/>
+                  </a:spcBef>
+                  <a:spcAft>
+                    <a:spcPts val="0"/>
+                  </a:spcAft>
+                  <a:buFont typeface="Arial" panose="020B0604020202020204" pitchFamily="34" charset="0"/>
+                  <a:buChar char="•"/>
+                </a:pPr>
+                <a:r>
+                  <a:rPr lang="en-US" altLang="zh-CN"/>
+                  <a:t>Kerr</a:t>
+                </a:r>
+                <a:r>
+                  <a:rPr lang="zh-CN" altLang="en-US"/>
+                  <a:t> nonlinear resonator is composed of a nonlinear device</a:t>
+                </a:r>
+                <a:r>
+                  <a:rPr lang="en-US" altLang="zh-CN"/>
+                  <a:t>, </a:t>
+                </a:r>
+                <a:r>
+                  <a:rPr lang="en-US" altLang="zh-CN" b="1">
+                    <a:solidFill>
+                      <a:srgbClr val="FF0000"/>
+                    </a:solidFill>
+                  </a:rPr>
+                  <a:t>Josephson junction</a:t>
+                </a:r>
+                <a:r>
+                  <a:rPr lang="en-US" altLang="zh-CN"/>
+                  <a:t>, </a:t>
+                </a:r>
+                <a:r>
+                  <a:rPr lang="zh-CN" altLang="en-US"/>
+                  <a:t>inserted into a </a:t>
+                </a:r>
+                <a14:m>
+                  <m:oMath xmlns:m="http://schemas.openxmlformats.org/officeDocument/2006/math">
+                    <m:r>
+                      <m:rPr>
+                        <m:sty m:val="p"/>
+                      </m:rPr>
+                      <a:rPr lang="en-US" altLang="zh-CN">
+                        <a:latin typeface="Cambria Math" panose="02040503050406030204" charset="0"/>
+                        <a:cs typeface="Cambria Math" panose="02040503050406030204" charset="0"/>
+                      </a:rPr>
+                      <m:t>λ</m:t>
+                    </m:r>
+                    <m:r>
+                      <a:rPr lang="en-US" altLang="zh-CN">
+                        <a:latin typeface="Cambria Math" panose="02040503050406030204" charset="0"/>
+                        <a:cs typeface="Cambria Math" panose="02040503050406030204" charset="0"/>
+                      </a:rPr>
+                      <m:t>/2</m:t>
+                    </m:r>
+                  </m:oMath>
+                </a14:m>
+                <a:r>
+                  <a:rPr lang="en-US" altLang="zh-CN"/>
+                  <a:t> </a:t>
+                </a:r>
+                <a:r>
+                  <a:rPr lang="zh-CN" altLang="en-US"/>
+                  <a:t>waveguide.  </a:t>
+                </a:r>
+                <a:endParaRPr lang="zh-CN" altLang="en-US"/>
+              </a:p>
+              <a:p>
+                <a:pPr marL="285750" indent="-285750">
+                  <a:lnSpc>
+                    <a:spcPct val="150000"/>
+                  </a:lnSpc>
+                  <a:spcBef>
+                    <a:spcPts val="0"/>
+                  </a:spcBef>
+                  <a:spcAft>
+                    <a:spcPts val="0"/>
+                  </a:spcAft>
+                  <a:buFont typeface="Arial" panose="020B0604020202020204" pitchFamily="34" charset="0"/>
+                  <a:buChar char="•"/>
+                </a:pPr>
+                <a:r>
+                  <a:rPr lang="zh-CN" altLang="en-US"/>
+                  <a:t>The waveguide cavity is capacitatively</a:t>
+                </a:r>
+                <a:r>
+                  <a:rPr lang="en-US" altLang="zh-CN"/>
+                  <a:t> </a:t>
+                </a:r>
+                <a14:m>
+                  <m:oMath xmlns:m="http://schemas.openxmlformats.org/officeDocument/2006/math">
+                    <m:r>
+                      <a:rPr lang="en-US" altLang="zh-CN">
+                        <a:latin typeface="Cambria Math" panose="02040503050406030204" charset="0"/>
+                        <a:cs typeface="Cambria Math" panose="02040503050406030204" charset="0"/>
+                      </a:rPr>
+                      <m:t>(</m:t>
+                    </m:r>
+                    <m:sSub>
+                      <m:sSubPr>
+                        <m:ctrlPr>
+                          <a:rPr lang="en-US" altLang="zh-CN" i="1">
+                            <a:latin typeface="Cambria Math" panose="02040503050406030204" charset="0"/>
+                            <a:cs typeface="Cambria Math" panose="02040503050406030204" charset="0"/>
+                          </a:rPr>
+                        </m:ctrlPr>
+                      </m:sSubPr>
+                      <m:e>
+                        <m:r>
+                          <a:rPr lang="en-US" altLang="zh-CN" i="1">
+                            <a:latin typeface="Cambria Math" panose="02040503050406030204" charset="0"/>
+                            <a:cs typeface="Cambria Math" panose="02040503050406030204" charset="0"/>
+                          </a:rPr>
+                          <m:t>𝐶</m:t>
+                        </m:r>
+                      </m:e>
+                      <m:sub>
+                        <m:r>
+                          <a:rPr lang="en-US" altLang="zh-CN" i="1">
+                            <a:latin typeface="Cambria Math" panose="02040503050406030204" charset="0"/>
+                            <a:cs typeface="Cambria Math" panose="02040503050406030204" charset="0"/>
+                          </a:rPr>
+                          <m:t>𝑐</m:t>
+                        </m:r>
+                      </m:sub>
+                    </m:sSub>
+                    <m:r>
+                      <a:rPr lang="en-US" altLang="zh-CN">
+                        <a:latin typeface="Cambria Math" panose="02040503050406030204" charset="0"/>
+                        <a:cs typeface="Cambria Math" panose="02040503050406030204" charset="0"/>
+                      </a:rPr>
+                      <m:t>)</m:t>
+                    </m:r>
+                  </m:oMath>
+                </a14:m>
+                <a:r>
+                  <a:rPr lang="zh-CN" altLang="en-US"/>
+                  <a:t> coupled with the transmission line for signal read</a:t>
+                </a:r>
+                <a:r>
+                  <a:rPr lang="en-US" altLang="zh-CN"/>
+                  <a:t>out.</a:t>
+                </a:r>
+                <a:r>
+                  <a:rPr lang="zh-CN" altLang="en-US"/>
+                  <a:t> </a:t>
+                </a:r>
+                <a:endParaRPr lang="zh-CN" altLang="en-US"/>
+              </a:p>
+              <a:p>
+                <a:pPr marL="285750" indent="-285750">
+                  <a:lnSpc>
+                    <a:spcPct val="150000"/>
+                  </a:lnSpc>
+                  <a:spcBef>
+                    <a:spcPts val="0"/>
+                  </a:spcBef>
+                  <a:spcAft>
+                    <a:spcPts val="0"/>
+                  </a:spcAft>
+                  <a:buFont typeface="Arial" panose="020B0604020202020204" pitchFamily="34" charset="0"/>
+                  <a:buChar char="•"/>
+                </a:pPr>
+                <a:r>
+                  <a:rPr lang="zh-CN" altLang="en-US"/>
+                  <a:t>Impedance matching is </a:t>
+                </a:r>
+                <a14:m>
+                  <m:oMath xmlns:m="http://schemas.openxmlformats.org/officeDocument/2006/math">
+                    <m:r>
+                      <a:rPr lang="en-US" altLang="zh-CN" i="1">
+                        <a:latin typeface="Cambria Math" panose="02040503050406030204" charset="0"/>
+                        <a:cs typeface="Cambria Math" panose="02040503050406030204" charset="0"/>
+                      </a:rPr>
+                      <m:t>50</m:t>
+                    </m:r>
+                    <m:r>
+                      <a:rPr lang="en-US" altLang="zh-CN" i="1">
+                        <a:latin typeface="Cambria Math" panose="02040503050406030204" charset="0"/>
+                        <a:cs typeface="Cambria Math" panose="02040503050406030204" charset="0"/>
+                      </a:rPr>
+                      <m:t>𝛺</m:t>
+                    </m:r>
+                  </m:oMath>
+                </a14:m>
+                <a:r>
+                  <a:rPr lang="en-US" altLang="zh-CN">
+                    <a:latin typeface="Cambria Math" panose="02040503050406030204" charset="0"/>
+                    <a:cs typeface="Cambria Math" panose="02040503050406030204" charset="0"/>
+                  </a:rPr>
+                  <a:t>( Avoid multiple signal oscillations )</a:t>
+                </a:r>
+                <a:endParaRPr lang="en-US" altLang="zh-CN">
+                  <a:latin typeface="Cambria Math" panose="02040503050406030204" charset="0"/>
+                  <a:cs typeface="Cambria Math" panose="02040503050406030204" charset="0"/>
+                </a:endParaRPr>
+              </a:p>
+            </p:txBody>
+          </p:sp>
+        </mc:Choice>
+        <mc:Fallback>
+          <p:sp>
+            <p:nvSpPr>
+              <p:cNvPr id="13" name="文本框 12"/>
+              <p:cNvSpPr txBox="1">
+                <a:spLocks noRot="1" noChangeAspect="1" noMove="1" noResize="1" noEditPoints="1" noAdjustHandles="1" noChangeArrowheads="1" noChangeShapeType="1" noTextEdit="1"/>
+              </p:cNvSpPr>
+              <p:nvPr/>
+            </p:nvSpPr>
+            <p:spPr>
+              <a:xfrm>
+                <a:off x="991870" y="3872230"/>
+                <a:ext cx="7009130" cy="2168525"/>
+              </a:xfrm>
+              <a:prstGeom prst="rect">
+                <a:avLst/>
+              </a:prstGeom>
+              <a:blipFill rotWithShape="1">
+                <a:blip r:embed="rId2"/>
+                <a:stretch>
+                  <a:fillRect/>
+                </a:stretch>
+              </a:blipFill>
+            </p:spPr>
+            <p:txBody>
+              <a:bodyPr/>
+              <a:lstStyle/>
+              <a:p>
+                <a:r>
+                  <a:rPr lang="zh-CN" altLang="en-US">
+                    <a:noFill/>
+                  </a:rPr>
+                  <a:t> </a:t>
+                </a:r>
+              </a:p>
+            </p:txBody>
+          </p:sp>
+        </mc:Fallback>
+      </mc:AlternateContent>
+    </p:spTree>
+  </p:cSld>
+  <p:clrMapOvr>
+    <a:masterClrMapping/>
+  </p:clrMapOvr>
+  <p:timing>
+    <p:tnLst>
+      <p:par>
+        <p:cTn id="1" dur="indefinite" restart="never" nodeType="tmRoot"/>
+      </p:par>
+    </p:tnLst>
+  </p:timing>
+</p:sld>
+</file>
+
+<file path=ppt/slides/slide17.xml><?xml version="1.0" encoding="utf-8"?>
+<p:sld xmlns:a="http://schemas.openxmlformats.org/drawingml/2006/main" xmlns:r="http://schemas.openxmlformats.org/officeDocument/2006/relationships" xmlns:p="http://schemas.openxmlformats.org/presentationml/2006/main">
+  <p:cSld>
+    <p:spTree>
+      <p:nvGrpSpPr>
+        <p:cNvPr id="1" name=""/>
+        <p:cNvGrpSpPr/>
+        <p:nvPr/>
+      </p:nvGrpSpPr>
+      <p:grpSpPr>
+        <a:xfrm>
+          <a:off x="0" y="0"/>
+          <a:ext cx="0" cy="0"/>
+          <a:chOff x="0" y="0"/>
+          <a:chExt cx="0" cy="0"/>
+        </a:xfrm>
+      </p:grpSpPr>
+      <p:sp>
+        <p:nvSpPr>
+          <p:cNvPr id="5" name="标题 1"/>
+          <p:cNvSpPr txBox="1"/>
+          <p:nvPr/>
+        </p:nvSpPr>
+        <p:spPr>
+          <a:xfrm>
+            <a:off x="1858577" y="197440"/>
+            <a:ext cx="5426846" cy="493394"/>
+          </a:xfrm>
+          <a:prstGeom prst="rect">
+            <a:avLst/>
+          </a:prstGeom>
+          <a:gradFill>
+            <a:gsLst>
+              <a:gs pos="19000">
+                <a:srgbClr val="FE4444"/>
+              </a:gs>
+              <a:gs pos="57000">
+                <a:srgbClr val="832B2B"/>
+              </a:gs>
+            </a:gsLst>
+            <a:lin ang="5400000" scaled="0"/>
+          </a:gradFill>
+        </p:spPr>
+        <p:txBody>
+          <a:bodyPr anchor="ctr" anchorCtr="0"/>
+          <a:lstStyle>
+            <a:lvl1pPr algn="l" defTabSz="914400" rtl="0" eaLnBrk="1" latinLnBrk="0" hangingPunct="1">
+              <a:lnSpc>
+                <a:spcPct val="90000"/>
+              </a:lnSpc>
+              <a:spcBef>
+                <a:spcPct val="0"/>
+              </a:spcBef>
+              <a:buNone/>
+              <a:defRPr sz="4400" kern="1200">
+                <a:solidFill>
+                  <a:schemeClr val="tx1"/>
+                </a:solidFill>
+                <a:latin typeface="+mj-lt"/>
+                <a:ea typeface="+mj-ea"/>
+                <a:cs typeface="+mj-cs"/>
+              </a:defRPr>
+            </a:lvl1pPr>
+          </a:lstStyle>
+          <a:p>
+            <a:pPr marL="0" marR="0" lvl="0" indent="0" algn="ctr" defTabSz="914400" rtl="0" eaLnBrk="1" fontAlgn="auto" latinLnBrk="0" hangingPunct="1">
+              <a:lnSpc>
+                <a:spcPct val="100000"/>
+              </a:lnSpc>
+              <a:spcBef>
+                <a:spcPts val="0"/>
+              </a:spcBef>
+              <a:spcAft>
+                <a:spcPts val="0"/>
+              </a:spcAft>
+              <a:buClrTx/>
+              <a:buSzTx/>
+              <a:buFontTx/>
+              <a:buNone/>
+              <a:defRPr/>
+            </a:pPr>
+            <a:r>
+              <a:rPr kumimoji="0" lang="en-US" altLang="zh-CN" sz="2800" b="0" i="0" u="none" strike="noStrike" kern="1200" cap="none" spc="0" normalizeH="0" baseline="0" noProof="0" dirty="0">
+                <a:ln>
+                  <a:noFill/>
+                </a:ln>
+                <a:solidFill>
+                  <a:prstClr val="white"/>
+                </a:solidFill>
+                <a:effectLst/>
+                <a:uLnTx/>
+                <a:uFillTx/>
+                <a:latin typeface="微软雅黑" panose="020B0503020204020204" charset="-122"/>
+                <a:ea typeface="微软雅黑" panose="020B0503020204020204" charset="-122"/>
+                <a:cs typeface="+mj-cs"/>
+              </a:rPr>
+              <a:t>Cat qubit</a:t>
+            </a:r>
+            <a:endParaRPr kumimoji="0" lang="en-US" altLang="zh-CN" sz="2800" b="0" i="0" u="none" strike="noStrike" kern="1200" cap="none" spc="0" normalizeH="0" baseline="0" noProof="0" dirty="0">
+              <a:ln>
+                <a:noFill/>
+              </a:ln>
+              <a:solidFill>
+                <a:prstClr val="white"/>
+              </a:solidFill>
+              <a:effectLst/>
+              <a:uLnTx/>
+              <a:uFillTx/>
+              <a:latin typeface="微软雅黑" panose="020B0503020204020204" charset="-122"/>
+              <a:ea typeface="微软雅黑" panose="020B0503020204020204" charset="-122"/>
+              <a:cs typeface="+mj-cs"/>
+            </a:endParaRPr>
+          </a:p>
+        </p:txBody>
+      </p:sp>
+      <p:cxnSp>
+        <p:nvCxnSpPr>
+          <p:cNvPr id="6" name="直接连接符 5"/>
+          <p:cNvCxnSpPr>
+            <a:endCxn id="5" idx="1"/>
+          </p:cNvCxnSpPr>
+          <p:nvPr/>
+        </p:nvCxnSpPr>
+        <p:spPr>
+          <a:xfrm>
+            <a:off x="0" y="444772"/>
+            <a:ext cx="1858577" cy="0"/>
+          </a:xfrm>
+          <a:prstGeom prst="line">
+            <a:avLst/>
+          </a:prstGeom>
+          <a:ln w="25400">
+            <a:solidFill>
+              <a:srgbClr val="C00000"/>
+            </a:solidFill>
+          </a:ln>
+        </p:spPr>
+        <p:style>
+          <a:lnRef idx="1">
+            <a:schemeClr val="accent1"/>
+          </a:lnRef>
+          <a:fillRef idx="0">
+            <a:schemeClr val="accent1"/>
+          </a:fillRef>
+          <a:effectRef idx="0">
+            <a:schemeClr val="accent1"/>
+          </a:effectRef>
+          <a:fontRef idx="minor">
+            <a:schemeClr val="tx1"/>
+          </a:fontRef>
+        </p:style>
+      </p:cxnSp>
+      <p:cxnSp>
+        <p:nvCxnSpPr>
+          <p:cNvPr id="7" name="直接连接符 6"/>
+          <p:cNvCxnSpPr>
+            <a:stCxn id="5" idx="3"/>
+          </p:cNvCxnSpPr>
+          <p:nvPr/>
+        </p:nvCxnSpPr>
+        <p:spPr>
+          <a:xfrm>
+            <a:off x="7285423" y="444772"/>
+            <a:ext cx="1858577" cy="1"/>
+          </a:xfrm>
+          <a:prstGeom prst="line">
+            <a:avLst/>
+          </a:prstGeom>
+          <a:ln w="25400">
+            <a:solidFill>
+              <a:srgbClr val="C00000"/>
+            </a:solidFill>
+          </a:ln>
+        </p:spPr>
+        <p:style>
+          <a:lnRef idx="1">
+            <a:schemeClr val="accent1"/>
+          </a:lnRef>
+          <a:fillRef idx="0">
+            <a:schemeClr val="accent1"/>
+          </a:fillRef>
+          <a:effectRef idx="0">
+            <a:schemeClr val="accent1"/>
+          </a:effectRef>
+          <a:fontRef idx="minor">
+            <a:schemeClr val="tx1"/>
+          </a:fontRef>
+        </p:style>
+      </p:cxnSp>
+      <p:sp>
+        <p:nvSpPr>
+          <p:cNvPr id="9" name="文本框 8"/>
+          <p:cNvSpPr txBox="1"/>
+          <p:nvPr/>
+        </p:nvSpPr>
+        <p:spPr>
+          <a:xfrm>
+            <a:off x="695960" y="1116965"/>
+            <a:ext cx="3101340" cy="368300"/>
+          </a:xfrm>
+          <a:prstGeom prst="rect">
+            <a:avLst/>
+          </a:prstGeom>
+          <a:noFill/>
+        </p:spPr>
+        <p:txBody>
+          <a:bodyPr wrap="square" rtlCol="0">
+            <a:spAutoFit/>
+          </a:bodyPr>
+          <a:p>
+            <a:r>
+              <a:rPr lang="en-US" altLang="zh-CN"/>
+              <a:t>Equivalent circuit model </a:t>
+            </a:r>
+            <a:endParaRPr lang="en-US" altLang="zh-CN"/>
+          </a:p>
+        </p:txBody>
+      </p:sp>
+      <p:sp>
+        <p:nvSpPr>
+          <p:cNvPr id="11" name="文本框 10"/>
+          <p:cNvSpPr txBox="1"/>
+          <p:nvPr/>
+        </p:nvSpPr>
+        <p:spPr>
+          <a:xfrm>
+            <a:off x="2199640" y="3239135"/>
+            <a:ext cx="4597400" cy="306705"/>
+          </a:xfrm>
+          <a:prstGeom prst="rect">
+            <a:avLst/>
+          </a:prstGeom>
+          <a:noFill/>
+        </p:spPr>
+        <p:txBody>
+          <a:bodyPr wrap="square" rtlCol="0">
+            <a:spAutoFit/>
+          </a:bodyPr>
+          <a:p>
+            <a:pPr algn="ctr"/>
+            <a:r>
+              <a:rPr lang="en-US" altLang="zh-CN" sz="1400"/>
+              <a:t>Fig. 4. Equivalent circuit of the nonlinear resonator</a:t>
+            </a:r>
+            <a:endParaRPr lang="en-US" altLang="zh-CN" sz="1400"/>
+          </a:p>
+        </p:txBody>
+      </p:sp>
+      <p:pic>
+        <p:nvPicPr>
+          <p:cNvPr id="3" name="图片 2" descr="equivalent_circuit"/>
+          <p:cNvPicPr>
+            <a:picLocks noChangeAspect="1"/>
+          </p:cNvPicPr>
+          <p:nvPr/>
+        </p:nvPicPr>
+        <p:blipFill>
+          <a:blip r:embed="rId1"/>
+          <a:stretch>
+            <a:fillRect/>
+          </a:stretch>
+        </p:blipFill>
+        <p:spPr>
+          <a:xfrm>
+            <a:off x="1777365" y="1668145"/>
+            <a:ext cx="5441950" cy="1570990"/>
+          </a:xfrm>
+          <a:prstGeom prst="rect">
+            <a:avLst/>
+          </a:prstGeom>
+        </p:spPr>
+      </p:pic>
+      <p:sp>
+        <p:nvSpPr>
+          <p:cNvPr id="4" name="文本框 3"/>
+          <p:cNvSpPr txBox="1"/>
+          <p:nvPr/>
+        </p:nvSpPr>
+        <p:spPr>
+          <a:xfrm>
+            <a:off x="695960" y="3841115"/>
+            <a:ext cx="2767330" cy="368300"/>
+          </a:xfrm>
+          <a:prstGeom prst="rect">
+            <a:avLst/>
+          </a:prstGeom>
+          <a:noFill/>
+        </p:spPr>
+        <p:txBody>
+          <a:bodyPr wrap="square" rtlCol="0">
+            <a:spAutoFit/>
+          </a:bodyPr>
+          <a:p>
+            <a:r>
+              <a:rPr lang="en-US" altLang="zh-CN"/>
+              <a:t>Hamlitonian</a:t>
+            </a:r>
+            <a:endParaRPr lang="en-US" altLang="zh-CN"/>
+          </a:p>
+        </p:txBody>
+      </p:sp>
+    </p:spTree>
+  </p:cSld>
+  <p:clrMapOvr>
+    <a:masterClrMapping/>
+  </p:clrMapOvr>
+  <p:timing>
+    <p:tnLst>
+      <p:par>
+        <p:cTn id="1" dur="indefinite" restart="never" nodeType="tmRoot"/>
+      </p:par>
+    </p:tnLst>
+  </p:timing>
+</p:sld>
+</file>
+
+<file path=ppt/slides/slide18.xml><?xml version="1.0" encoding="utf-8"?>
 <p:sld xmlns:a="http://schemas.openxmlformats.org/drawingml/2006/main" xmlns:r="http://schemas.openxmlformats.org/officeDocument/2006/relationships" xmlns:p="http://schemas.openxmlformats.org/presentationml/2006/main">
   <p:cSld>
     <p:spTree>
@@ -6104,7 +7045,7 @@
         <p:spPr>
           <a:xfrm>
             <a:off x="594360" y="872490"/>
-            <a:ext cx="3772535" cy="2835275"/>
+            <a:ext cx="3660775" cy="2508885"/>
           </a:xfrm>
           <a:prstGeom prst="rect">
             <a:avLst/>
@@ -6270,6 +7211,36 @@
                 <a:srgbClr val="FF0000"/>
               </a:solidFill>
             </a:endParaRPr>
+          </a:p>
+        </p:txBody>
+      </p:sp>
+      <p:sp>
+        <p:nvSpPr>
+          <p:cNvPr id="4" name="文本框 3"/>
+          <p:cNvSpPr txBox="1"/>
+          <p:nvPr/>
+        </p:nvSpPr>
+        <p:spPr>
+          <a:xfrm>
+            <a:off x="680720" y="3381375"/>
+            <a:ext cx="3488690" cy="306705"/>
+          </a:xfrm>
+          <a:prstGeom prst="rect">
+            <a:avLst/>
+          </a:prstGeom>
+          <a:noFill/>
+        </p:spPr>
+        <p:txBody>
+          <a:bodyPr wrap="square" rtlCol="0">
+            <a:spAutoFit/>
+          </a:bodyPr>
+          <a:p>
+            <a:pPr algn="ctr"/>
+            <a:r>
+              <a:rPr lang="en-US" altLang="zh-CN" sz="1400"/>
+              <a:t>Fig. 1. Quantum computing stack</a:t>
+            </a:r>
+            <a:endParaRPr lang="zh-CN" altLang="en-US" sz="1400"/>
           </a:p>
         </p:txBody>
       </p:sp>
